--- a/hystrix-demo/demo-slides.pptx
+++ b/hystrix-demo/demo-slides.pptx
@@ -5,13 +5,20 @@
     <p:sldMasterId id="2147483648" r:id="rId5"/>
   </p:sldMasterIdLst>
   <p:notesMasterIdLst>
-    <p:notesMasterId r:id="rId7"/>
+    <p:notesMasterId r:id="rId14"/>
   </p:notesMasterIdLst>
   <p:handoutMasterIdLst>
-    <p:handoutMasterId r:id="rId8"/>
+    <p:handoutMasterId r:id="rId15"/>
   </p:handoutMasterIdLst>
   <p:sldIdLst>
     <p:sldId id="321" r:id="rId6"/>
+    <p:sldId id="322" r:id="rId7"/>
+    <p:sldId id="323" r:id="rId8"/>
+    <p:sldId id="324" r:id="rId9"/>
+    <p:sldId id="326" r:id="rId10"/>
+    <p:sldId id="328" r:id="rId11"/>
+    <p:sldId id="327" r:id="rId12"/>
+    <p:sldId id="329" r:id="rId13"/>
   </p:sldIdLst>
   <p:sldSz cx="9144000" cy="6858000" type="screen4x3"/>
   <p:notesSz cx="6858000" cy="9144000"/>
@@ -211,7 +218,7 @@
           <a:p>
             <a:fld id="{453F977D-7D52-9B46-8AFC-FA73E52E1EA2}" type="datetimeFigureOut">
               <a:rPr lang="en-US" smtClean="0"/>
-              <a:t>11/3/16</a:t>
+              <a:t>11/7/16</a:t>
             </a:fld>
             <a:endParaRPr lang="en-US" dirty="0"/>
           </a:p>
@@ -377,7 +384,7 @@
           <a:p>
             <a:fld id="{1E045D29-FAF8-2746-8E4F-DE3819056A42}" type="datetimeFigureOut">
               <a:rPr lang="en-US" smtClean="0"/>
-              <a:t>11/3/16</a:t>
+              <a:t>11/7/16</a:t>
             </a:fld>
             <a:endParaRPr lang="en-US" dirty="0"/>
           </a:p>
@@ -721,6 +728,643 @@
     <p:extLst>
       <p:ext uri="{BB962C8B-B14F-4D97-AF65-F5344CB8AC3E}">
         <p14:creationId xmlns:p14="http://schemas.microsoft.com/office/powerpoint/2010/main" val="605568203"/>
+      </p:ext>
+    </p:extLst>
+  </p:cSld>
+  <p:clrMapOvr>
+    <a:masterClrMapping/>
+  </p:clrMapOvr>
+</p:notes>
+</file>
+
+<file path=ppt/notesSlides/notesSlide2.xml><?xml version="1.0" encoding="utf-8"?>
+<p:notes xmlns:a="http://schemas.openxmlformats.org/drawingml/2006/main" xmlns:r="http://schemas.openxmlformats.org/officeDocument/2006/relationships" xmlns:p="http://schemas.openxmlformats.org/presentationml/2006/main">
+  <p:cSld>
+    <p:spTree>
+      <p:nvGrpSpPr>
+        <p:cNvPr id="1" name=""/>
+        <p:cNvGrpSpPr/>
+        <p:nvPr/>
+      </p:nvGrpSpPr>
+      <p:grpSpPr>
+        <a:xfrm>
+          <a:off x="0" y="0"/>
+          <a:ext cx="0" cy="0"/>
+          <a:chOff x="0" y="0"/>
+          <a:chExt cx="0" cy="0"/>
+        </a:xfrm>
+      </p:grpSpPr>
+      <p:sp>
+        <p:nvSpPr>
+          <p:cNvPr id="2" name="Slide Image Placeholder 1"/>
+          <p:cNvSpPr>
+            <a:spLocks noGrp="1" noRot="1" noChangeAspect="1"/>
+          </p:cNvSpPr>
+          <p:nvPr>
+            <p:ph type="sldImg"/>
+          </p:nvPr>
+        </p:nvSpPr>
+        <p:spPr/>
+      </p:sp>
+      <p:sp>
+        <p:nvSpPr>
+          <p:cNvPr id="3" name="Notes Placeholder 2"/>
+          <p:cNvSpPr>
+            <a:spLocks noGrp="1"/>
+          </p:cNvSpPr>
+          <p:nvPr>
+            <p:ph type="body" idx="1"/>
+          </p:nvPr>
+        </p:nvSpPr>
+        <p:spPr/>
+        <p:txBody>
+          <a:bodyPr/>
+          <a:lstStyle/>
+          <a:p>
+            <a:endParaRPr lang="en-US" dirty="0"/>
+          </a:p>
+        </p:txBody>
+      </p:sp>
+      <p:sp>
+        <p:nvSpPr>
+          <p:cNvPr id="4" name="Slide Number Placeholder 3"/>
+          <p:cNvSpPr>
+            <a:spLocks noGrp="1"/>
+          </p:cNvSpPr>
+          <p:nvPr>
+            <p:ph type="sldNum" sz="quarter" idx="10"/>
+          </p:nvPr>
+        </p:nvSpPr>
+        <p:spPr/>
+        <p:txBody>
+          <a:bodyPr/>
+          <a:lstStyle/>
+          <a:p>
+            <a:fld id="{65A32FF3-A69B-B74C-A27F-B287F6153BB5}" type="slidenum">
+              <a:rPr lang="en-US" smtClean="0"/>
+              <a:t>2</a:t>
+            </a:fld>
+            <a:endParaRPr lang="en-US" dirty="0"/>
+          </a:p>
+        </p:txBody>
+      </p:sp>
+    </p:spTree>
+    <p:extLst>
+      <p:ext uri="{BB962C8B-B14F-4D97-AF65-F5344CB8AC3E}">
+        <p14:creationId xmlns:p14="http://schemas.microsoft.com/office/powerpoint/2010/main" val="1446087664"/>
+      </p:ext>
+    </p:extLst>
+  </p:cSld>
+  <p:clrMapOvr>
+    <a:masterClrMapping/>
+  </p:clrMapOvr>
+</p:notes>
+</file>
+
+<file path=ppt/notesSlides/notesSlide3.xml><?xml version="1.0" encoding="utf-8"?>
+<p:notes xmlns:a="http://schemas.openxmlformats.org/drawingml/2006/main" xmlns:r="http://schemas.openxmlformats.org/officeDocument/2006/relationships" xmlns:p="http://schemas.openxmlformats.org/presentationml/2006/main">
+  <p:cSld>
+    <p:spTree>
+      <p:nvGrpSpPr>
+        <p:cNvPr id="1" name=""/>
+        <p:cNvGrpSpPr/>
+        <p:nvPr/>
+      </p:nvGrpSpPr>
+      <p:grpSpPr>
+        <a:xfrm>
+          <a:off x="0" y="0"/>
+          <a:ext cx="0" cy="0"/>
+          <a:chOff x="0" y="0"/>
+          <a:chExt cx="0" cy="0"/>
+        </a:xfrm>
+      </p:grpSpPr>
+      <p:sp>
+        <p:nvSpPr>
+          <p:cNvPr id="2" name="Slide Image Placeholder 1"/>
+          <p:cNvSpPr>
+            <a:spLocks noGrp="1" noRot="1" noChangeAspect="1"/>
+          </p:cNvSpPr>
+          <p:nvPr>
+            <p:ph type="sldImg"/>
+          </p:nvPr>
+        </p:nvSpPr>
+        <p:spPr/>
+      </p:sp>
+      <p:sp>
+        <p:nvSpPr>
+          <p:cNvPr id="3" name="Notes Placeholder 2"/>
+          <p:cNvSpPr>
+            <a:spLocks noGrp="1"/>
+          </p:cNvSpPr>
+          <p:nvPr>
+            <p:ph type="body" idx="1"/>
+          </p:nvPr>
+        </p:nvSpPr>
+        <p:spPr/>
+        <p:txBody>
+          <a:bodyPr/>
+          <a:lstStyle/>
+          <a:p>
+            <a:r>
+              <a:rPr lang="en-US" dirty="0" smtClean="0"/>
+              <a:t>General circuit concept</a:t>
+            </a:r>
+          </a:p>
+          <a:p>
+            <a:endParaRPr lang="en-US" dirty="0" smtClean="0"/>
+          </a:p>
+          <a:p>
+            <a:r>
+              <a:rPr lang="en-US" dirty="0" smtClean="0"/>
+              <a:t>Meaning in </a:t>
+            </a:r>
+            <a:r>
+              <a:rPr lang="en-US" dirty="0" err="1" smtClean="0"/>
+              <a:t>microservices</a:t>
+            </a:r>
+            <a:endParaRPr lang="en-US" dirty="0"/>
+          </a:p>
+        </p:txBody>
+      </p:sp>
+      <p:sp>
+        <p:nvSpPr>
+          <p:cNvPr id="4" name="Slide Number Placeholder 3"/>
+          <p:cNvSpPr>
+            <a:spLocks noGrp="1"/>
+          </p:cNvSpPr>
+          <p:nvPr>
+            <p:ph type="sldNum" sz="quarter" idx="10"/>
+          </p:nvPr>
+        </p:nvSpPr>
+        <p:spPr/>
+        <p:txBody>
+          <a:bodyPr/>
+          <a:lstStyle/>
+          <a:p>
+            <a:fld id="{65A32FF3-A69B-B74C-A27F-B287F6153BB5}" type="slidenum">
+              <a:rPr lang="en-US" smtClean="0"/>
+              <a:t>3</a:t>
+            </a:fld>
+            <a:endParaRPr lang="en-US" dirty="0"/>
+          </a:p>
+        </p:txBody>
+      </p:sp>
+    </p:spTree>
+    <p:extLst>
+      <p:ext uri="{BB962C8B-B14F-4D97-AF65-F5344CB8AC3E}">
+        <p14:creationId xmlns:p14="http://schemas.microsoft.com/office/powerpoint/2010/main" val="330526552"/>
+      </p:ext>
+    </p:extLst>
+  </p:cSld>
+  <p:clrMapOvr>
+    <a:masterClrMapping/>
+  </p:clrMapOvr>
+</p:notes>
+</file>
+
+<file path=ppt/notesSlides/notesSlide4.xml><?xml version="1.0" encoding="utf-8"?>
+<p:notes xmlns:a="http://schemas.openxmlformats.org/drawingml/2006/main" xmlns:r="http://schemas.openxmlformats.org/officeDocument/2006/relationships" xmlns:p="http://schemas.openxmlformats.org/presentationml/2006/main">
+  <p:cSld>
+    <p:spTree>
+      <p:nvGrpSpPr>
+        <p:cNvPr id="1" name=""/>
+        <p:cNvGrpSpPr/>
+        <p:nvPr/>
+      </p:nvGrpSpPr>
+      <p:grpSpPr>
+        <a:xfrm>
+          <a:off x="0" y="0"/>
+          <a:ext cx="0" cy="0"/>
+          <a:chOff x="0" y="0"/>
+          <a:chExt cx="0" cy="0"/>
+        </a:xfrm>
+      </p:grpSpPr>
+      <p:sp>
+        <p:nvSpPr>
+          <p:cNvPr id="2" name="Slide Image Placeholder 1"/>
+          <p:cNvSpPr>
+            <a:spLocks noGrp="1" noRot="1" noChangeAspect="1"/>
+          </p:cNvSpPr>
+          <p:nvPr>
+            <p:ph type="sldImg"/>
+          </p:nvPr>
+        </p:nvSpPr>
+        <p:spPr/>
+      </p:sp>
+      <p:sp>
+        <p:nvSpPr>
+          <p:cNvPr id="3" name="Notes Placeholder 2"/>
+          <p:cNvSpPr>
+            <a:spLocks noGrp="1"/>
+          </p:cNvSpPr>
+          <p:nvPr>
+            <p:ph type="body" idx="1"/>
+          </p:nvPr>
+        </p:nvSpPr>
+        <p:spPr/>
+        <p:txBody>
+          <a:bodyPr/>
+          <a:lstStyle/>
+          <a:p>
+            <a:r>
+              <a:rPr lang="en-US" dirty="0" smtClean="0"/>
+              <a:t>What does this</a:t>
+            </a:r>
+            <a:r>
+              <a:rPr lang="en-US" baseline="0" dirty="0" smtClean="0"/>
+              <a:t> mean to </a:t>
+            </a:r>
+            <a:r>
+              <a:rPr lang="en-US" baseline="0" dirty="0" err="1" smtClean="0"/>
+              <a:t>microservices</a:t>
+            </a:r>
+            <a:r>
+              <a:rPr lang="en-US" baseline="0" dirty="0" smtClean="0"/>
+              <a:t>?</a:t>
+            </a:r>
+            <a:endParaRPr lang="en-US" dirty="0"/>
+          </a:p>
+        </p:txBody>
+      </p:sp>
+      <p:sp>
+        <p:nvSpPr>
+          <p:cNvPr id="4" name="Slide Number Placeholder 3"/>
+          <p:cNvSpPr>
+            <a:spLocks noGrp="1"/>
+          </p:cNvSpPr>
+          <p:nvPr>
+            <p:ph type="sldNum" sz="quarter" idx="10"/>
+          </p:nvPr>
+        </p:nvSpPr>
+        <p:spPr/>
+        <p:txBody>
+          <a:bodyPr/>
+          <a:lstStyle/>
+          <a:p>
+            <a:fld id="{65A32FF3-A69B-B74C-A27F-B287F6153BB5}" type="slidenum">
+              <a:rPr lang="en-US" smtClean="0"/>
+              <a:t>4</a:t>
+            </a:fld>
+            <a:endParaRPr lang="en-US" dirty="0"/>
+          </a:p>
+        </p:txBody>
+      </p:sp>
+    </p:spTree>
+    <p:extLst>
+      <p:ext uri="{BB962C8B-B14F-4D97-AF65-F5344CB8AC3E}">
+        <p14:creationId xmlns:p14="http://schemas.microsoft.com/office/powerpoint/2010/main" val="1229793491"/>
+      </p:ext>
+    </p:extLst>
+  </p:cSld>
+  <p:clrMapOvr>
+    <a:masterClrMapping/>
+  </p:clrMapOvr>
+</p:notes>
+</file>
+
+<file path=ppt/notesSlides/notesSlide5.xml><?xml version="1.0" encoding="utf-8"?>
+<p:notes xmlns:a="http://schemas.openxmlformats.org/drawingml/2006/main" xmlns:r="http://schemas.openxmlformats.org/officeDocument/2006/relationships" xmlns:p="http://schemas.openxmlformats.org/presentationml/2006/main">
+  <p:cSld>
+    <p:spTree>
+      <p:nvGrpSpPr>
+        <p:cNvPr id="1" name=""/>
+        <p:cNvGrpSpPr/>
+        <p:nvPr/>
+      </p:nvGrpSpPr>
+      <p:grpSpPr>
+        <a:xfrm>
+          <a:off x="0" y="0"/>
+          <a:ext cx="0" cy="0"/>
+          <a:chOff x="0" y="0"/>
+          <a:chExt cx="0" cy="0"/>
+        </a:xfrm>
+      </p:grpSpPr>
+      <p:sp>
+        <p:nvSpPr>
+          <p:cNvPr id="2" name="Slide Image Placeholder 1"/>
+          <p:cNvSpPr>
+            <a:spLocks noGrp="1" noRot="1" noChangeAspect="1"/>
+          </p:cNvSpPr>
+          <p:nvPr>
+            <p:ph type="sldImg"/>
+          </p:nvPr>
+        </p:nvSpPr>
+        <p:spPr/>
+      </p:sp>
+      <p:sp>
+        <p:nvSpPr>
+          <p:cNvPr id="3" name="Notes Placeholder 2"/>
+          <p:cNvSpPr>
+            <a:spLocks noGrp="1"/>
+          </p:cNvSpPr>
+          <p:nvPr>
+            <p:ph type="body" idx="1"/>
+          </p:nvPr>
+        </p:nvSpPr>
+        <p:spPr/>
+        <p:txBody>
+          <a:bodyPr/>
+          <a:lstStyle/>
+          <a:p>
+            <a:r>
+              <a:rPr lang="en-US" dirty="0" smtClean="0"/>
+              <a:t>Hit</a:t>
+            </a:r>
+            <a:r>
+              <a:rPr lang="en-US" baseline="0" dirty="0" smtClean="0"/>
+              <a:t> hello/</a:t>
+            </a:r>
+            <a:r>
+              <a:rPr lang="en-US" baseline="0" dirty="0" err="1" smtClean="0"/>
+              <a:t>cmd</a:t>
+            </a:r>
+            <a:r>
+              <a:rPr lang="en-US" baseline="0" dirty="0" smtClean="0"/>
+              <a:t> endpoint.  Walk through code.</a:t>
+            </a:r>
+            <a:endParaRPr lang="en-US" dirty="0"/>
+          </a:p>
+        </p:txBody>
+      </p:sp>
+      <p:sp>
+        <p:nvSpPr>
+          <p:cNvPr id="4" name="Slide Number Placeholder 3"/>
+          <p:cNvSpPr>
+            <a:spLocks noGrp="1"/>
+          </p:cNvSpPr>
+          <p:nvPr>
+            <p:ph type="sldNum" sz="quarter" idx="10"/>
+          </p:nvPr>
+        </p:nvSpPr>
+        <p:spPr/>
+        <p:txBody>
+          <a:bodyPr/>
+          <a:lstStyle/>
+          <a:p>
+            <a:fld id="{65A32FF3-A69B-B74C-A27F-B287F6153BB5}" type="slidenum">
+              <a:rPr lang="en-US" smtClean="0"/>
+              <a:t>5</a:t>
+            </a:fld>
+            <a:endParaRPr lang="en-US" dirty="0"/>
+          </a:p>
+        </p:txBody>
+      </p:sp>
+    </p:spTree>
+    <p:extLst>
+      <p:ext uri="{BB962C8B-B14F-4D97-AF65-F5344CB8AC3E}">
+        <p14:creationId xmlns:p14="http://schemas.microsoft.com/office/powerpoint/2010/main" val="591830853"/>
+      </p:ext>
+    </p:extLst>
+  </p:cSld>
+  <p:clrMapOvr>
+    <a:masterClrMapping/>
+  </p:clrMapOvr>
+</p:notes>
+</file>
+
+<file path=ppt/notesSlides/notesSlide6.xml><?xml version="1.0" encoding="utf-8"?>
+<p:notes xmlns:a="http://schemas.openxmlformats.org/drawingml/2006/main" xmlns:r="http://schemas.openxmlformats.org/officeDocument/2006/relationships" xmlns:p="http://schemas.openxmlformats.org/presentationml/2006/main">
+  <p:cSld>
+    <p:spTree>
+      <p:nvGrpSpPr>
+        <p:cNvPr id="1" name=""/>
+        <p:cNvGrpSpPr/>
+        <p:nvPr/>
+      </p:nvGrpSpPr>
+      <p:grpSpPr>
+        <a:xfrm>
+          <a:off x="0" y="0"/>
+          <a:ext cx="0" cy="0"/>
+          <a:chOff x="0" y="0"/>
+          <a:chExt cx="0" cy="0"/>
+        </a:xfrm>
+      </p:grpSpPr>
+      <p:sp>
+        <p:nvSpPr>
+          <p:cNvPr id="2" name="Slide Image Placeholder 1"/>
+          <p:cNvSpPr>
+            <a:spLocks noGrp="1" noRot="1" noChangeAspect="1"/>
+          </p:cNvSpPr>
+          <p:nvPr>
+            <p:ph type="sldImg"/>
+          </p:nvPr>
+        </p:nvSpPr>
+        <p:spPr/>
+      </p:sp>
+      <p:sp>
+        <p:nvSpPr>
+          <p:cNvPr id="3" name="Notes Placeholder 2"/>
+          <p:cNvSpPr>
+            <a:spLocks noGrp="1"/>
+          </p:cNvSpPr>
+          <p:nvPr>
+            <p:ph type="body" idx="1"/>
+          </p:nvPr>
+        </p:nvSpPr>
+        <p:spPr/>
+        <p:txBody>
+          <a:bodyPr/>
+          <a:lstStyle/>
+          <a:p>
+            <a:endParaRPr lang="en-US" dirty="0"/>
+          </a:p>
+        </p:txBody>
+      </p:sp>
+      <p:sp>
+        <p:nvSpPr>
+          <p:cNvPr id="4" name="Slide Number Placeholder 3"/>
+          <p:cNvSpPr>
+            <a:spLocks noGrp="1"/>
+          </p:cNvSpPr>
+          <p:nvPr>
+            <p:ph type="sldNum" sz="quarter" idx="10"/>
+          </p:nvPr>
+        </p:nvSpPr>
+        <p:spPr/>
+        <p:txBody>
+          <a:bodyPr/>
+          <a:lstStyle/>
+          <a:p>
+            <a:fld id="{65A32FF3-A69B-B74C-A27F-B287F6153BB5}" type="slidenum">
+              <a:rPr lang="en-US" smtClean="0"/>
+              <a:t>6</a:t>
+            </a:fld>
+            <a:endParaRPr lang="en-US" dirty="0"/>
+          </a:p>
+        </p:txBody>
+      </p:sp>
+    </p:spTree>
+    <p:extLst>
+      <p:ext uri="{BB962C8B-B14F-4D97-AF65-F5344CB8AC3E}">
+        <p14:creationId xmlns:p14="http://schemas.microsoft.com/office/powerpoint/2010/main" val="2084361588"/>
+      </p:ext>
+    </p:extLst>
+  </p:cSld>
+  <p:clrMapOvr>
+    <a:masterClrMapping/>
+  </p:clrMapOvr>
+</p:notes>
+</file>
+
+<file path=ppt/notesSlides/notesSlide7.xml><?xml version="1.0" encoding="utf-8"?>
+<p:notes xmlns:a="http://schemas.openxmlformats.org/drawingml/2006/main" xmlns:r="http://schemas.openxmlformats.org/officeDocument/2006/relationships" xmlns:p="http://schemas.openxmlformats.org/presentationml/2006/main">
+  <p:cSld>
+    <p:spTree>
+      <p:nvGrpSpPr>
+        <p:cNvPr id="1" name=""/>
+        <p:cNvGrpSpPr/>
+        <p:nvPr/>
+      </p:nvGrpSpPr>
+      <p:grpSpPr>
+        <a:xfrm>
+          <a:off x="0" y="0"/>
+          <a:ext cx="0" cy="0"/>
+          <a:chOff x="0" y="0"/>
+          <a:chExt cx="0" cy="0"/>
+        </a:xfrm>
+      </p:grpSpPr>
+      <p:sp>
+        <p:nvSpPr>
+          <p:cNvPr id="2" name="Slide Image Placeholder 1"/>
+          <p:cNvSpPr>
+            <a:spLocks noGrp="1" noRot="1" noChangeAspect="1"/>
+          </p:cNvSpPr>
+          <p:nvPr>
+            <p:ph type="sldImg"/>
+          </p:nvPr>
+        </p:nvSpPr>
+        <p:spPr/>
+      </p:sp>
+      <p:sp>
+        <p:nvSpPr>
+          <p:cNvPr id="3" name="Notes Placeholder 2"/>
+          <p:cNvSpPr>
+            <a:spLocks noGrp="1"/>
+          </p:cNvSpPr>
+          <p:nvPr>
+            <p:ph type="body" idx="1"/>
+          </p:nvPr>
+        </p:nvSpPr>
+        <p:spPr/>
+        <p:txBody>
+          <a:bodyPr/>
+          <a:lstStyle/>
+          <a:p>
+            <a:endParaRPr lang="en-US" dirty="0"/>
+          </a:p>
+        </p:txBody>
+      </p:sp>
+      <p:sp>
+        <p:nvSpPr>
+          <p:cNvPr id="4" name="Slide Number Placeholder 3"/>
+          <p:cNvSpPr>
+            <a:spLocks noGrp="1"/>
+          </p:cNvSpPr>
+          <p:nvPr>
+            <p:ph type="sldNum" sz="quarter" idx="10"/>
+          </p:nvPr>
+        </p:nvSpPr>
+        <p:spPr/>
+        <p:txBody>
+          <a:bodyPr/>
+          <a:lstStyle/>
+          <a:p>
+            <a:fld id="{65A32FF3-A69B-B74C-A27F-B287F6153BB5}" type="slidenum">
+              <a:rPr lang="en-US" smtClean="0"/>
+              <a:t>7</a:t>
+            </a:fld>
+            <a:endParaRPr lang="en-US" dirty="0"/>
+          </a:p>
+        </p:txBody>
+      </p:sp>
+    </p:spTree>
+    <p:extLst>
+      <p:ext uri="{BB962C8B-B14F-4D97-AF65-F5344CB8AC3E}">
+        <p14:creationId xmlns:p14="http://schemas.microsoft.com/office/powerpoint/2010/main" val="1704669145"/>
+      </p:ext>
+    </p:extLst>
+  </p:cSld>
+  <p:clrMapOvr>
+    <a:masterClrMapping/>
+  </p:clrMapOvr>
+</p:notes>
+</file>
+
+<file path=ppt/notesSlides/notesSlide8.xml><?xml version="1.0" encoding="utf-8"?>
+<p:notes xmlns:a="http://schemas.openxmlformats.org/drawingml/2006/main" xmlns:r="http://schemas.openxmlformats.org/officeDocument/2006/relationships" xmlns:p="http://schemas.openxmlformats.org/presentationml/2006/main">
+  <p:cSld>
+    <p:spTree>
+      <p:nvGrpSpPr>
+        <p:cNvPr id="1" name=""/>
+        <p:cNvGrpSpPr/>
+        <p:nvPr/>
+      </p:nvGrpSpPr>
+      <p:grpSpPr>
+        <a:xfrm>
+          <a:off x="0" y="0"/>
+          <a:ext cx="0" cy="0"/>
+          <a:chOff x="0" y="0"/>
+          <a:chExt cx="0" cy="0"/>
+        </a:xfrm>
+      </p:grpSpPr>
+      <p:sp>
+        <p:nvSpPr>
+          <p:cNvPr id="2" name="Slide Image Placeholder 1"/>
+          <p:cNvSpPr>
+            <a:spLocks noGrp="1" noRot="1" noChangeAspect="1"/>
+          </p:cNvSpPr>
+          <p:nvPr>
+            <p:ph type="sldImg"/>
+          </p:nvPr>
+        </p:nvSpPr>
+        <p:spPr/>
+      </p:sp>
+      <p:sp>
+        <p:nvSpPr>
+          <p:cNvPr id="3" name="Notes Placeholder 2"/>
+          <p:cNvSpPr>
+            <a:spLocks noGrp="1"/>
+          </p:cNvSpPr>
+          <p:nvPr>
+            <p:ph type="body" idx="1"/>
+          </p:nvPr>
+        </p:nvSpPr>
+        <p:spPr/>
+        <p:txBody>
+          <a:bodyPr/>
+          <a:lstStyle/>
+          <a:p>
+            <a:endParaRPr lang="en-US" dirty="0"/>
+          </a:p>
+        </p:txBody>
+      </p:sp>
+      <p:sp>
+        <p:nvSpPr>
+          <p:cNvPr id="4" name="Slide Number Placeholder 3"/>
+          <p:cNvSpPr>
+            <a:spLocks noGrp="1"/>
+          </p:cNvSpPr>
+          <p:nvPr>
+            <p:ph type="sldNum" sz="quarter" idx="10"/>
+          </p:nvPr>
+        </p:nvSpPr>
+        <p:spPr/>
+        <p:txBody>
+          <a:bodyPr/>
+          <a:lstStyle/>
+          <a:p>
+            <a:fld id="{65A32FF3-A69B-B74C-A27F-B287F6153BB5}" type="slidenum">
+              <a:rPr lang="en-US" smtClean="0"/>
+              <a:t>8</a:t>
+            </a:fld>
+            <a:endParaRPr lang="en-US" dirty="0"/>
+          </a:p>
+        </p:txBody>
+      </p:sp>
+    </p:spTree>
+    <p:extLst>
+      <p:ext uri="{BB962C8B-B14F-4D97-AF65-F5344CB8AC3E}">
+        <p14:creationId xmlns:p14="http://schemas.microsoft.com/office/powerpoint/2010/main" val="2053929610"/>
       </p:ext>
     </p:extLst>
   </p:cSld>
@@ -1796,12 +2440,12 @@
       </p:grpSpPr>
       <p:sp>
         <p:nvSpPr>
-          <p:cNvPr id="2" name="Title 1"/>
-          <p:cNvSpPr>
-            <a:spLocks noGrp="1"/>
-          </p:cNvSpPr>
-          <p:nvPr>
-            <p:ph type="title"/>
+          <p:cNvPr id="4" name="Text Placeholder 3"/>
+          <p:cNvSpPr>
+            <a:spLocks noGrp="1"/>
+          </p:cNvSpPr>
+          <p:nvPr>
+            <p:ph type="body" sz="quarter" idx="12"/>
           </p:nvPr>
         </p:nvSpPr>
         <p:spPr/>
@@ -1809,13 +2453,144 @@
           <a:bodyPr/>
           <a:lstStyle/>
           <a:p>
+            <a:endParaRPr lang="en-US" dirty="0"/>
+          </a:p>
+        </p:txBody>
+      </p:sp>
+      <p:sp>
+        <p:nvSpPr>
+          <p:cNvPr id="5" name="Text Placeholder 4"/>
+          <p:cNvSpPr>
+            <a:spLocks noGrp="1"/>
+          </p:cNvSpPr>
+          <p:nvPr>
+            <p:ph type="body" sz="quarter" idx="10"/>
+          </p:nvPr>
+        </p:nvSpPr>
+        <p:spPr/>
+        <p:txBody>
+          <a:bodyPr/>
+          <a:lstStyle/>
+          <a:p>
+            <a:pPr marL="0" marR="0" lvl="0" indent="0" defTabSz="914400" eaLnBrk="1" fontAlgn="auto" latinLnBrk="0" hangingPunct="1">
+              <a:lnSpc>
+                <a:spcPct val="100000"/>
+              </a:lnSpc>
+              <a:spcBef>
+                <a:spcPts val="0"/>
+              </a:spcBef>
+              <a:spcAft>
+                <a:spcPts val="0"/>
+              </a:spcAft>
+              <a:buClrTx/>
+              <a:buSzTx/>
+              <a:buFontTx/>
+              <a:buNone/>
+              <a:tabLst/>
+              <a:defRPr/>
+            </a:pPr>
+            <a:endParaRPr lang="en-US"/>
+          </a:p>
+        </p:txBody>
+      </p:sp>
+      <p:sp>
+        <p:nvSpPr>
+          <p:cNvPr id="6" name="Title 5"/>
+          <p:cNvSpPr>
+            <a:spLocks noGrp="1"/>
+          </p:cNvSpPr>
+          <p:nvPr>
+            <p:ph type="title"/>
+          </p:nvPr>
+        </p:nvSpPr>
+        <p:spPr/>
+        <p:txBody>
+          <a:bodyPr/>
+          <a:lstStyle/>
+          <a:p>
+            <a:endParaRPr lang="en-US"/>
+          </a:p>
+        </p:txBody>
+      </p:sp>
+      <p:pic>
+        <p:nvPicPr>
+          <p:cNvPr id="9" name="Picture 8"/>
+          <p:cNvPicPr>
+            <a:picLocks noChangeAspect="1"/>
+          </p:cNvPicPr>
+          <p:nvPr/>
+        </p:nvPicPr>
+        <p:blipFill>
+          <a:blip r:embed="rId3"/>
+          <a:stretch>
+            <a:fillRect/>
+          </a:stretch>
+        </p:blipFill>
+        <p:spPr>
+          <a:xfrm>
+            <a:off x="330631" y="2133600"/>
+            <a:ext cx="8128000" cy="2298700"/>
+          </a:xfrm>
+          <a:prstGeom prst="rect">
+            <a:avLst/>
+          </a:prstGeom>
+        </p:spPr>
+      </p:pic>
+    </p:spTree>
+    <p:extLst>
+      <p:ext uri="{BB962C8B-B14F-4D97-AF65-F5344CB8AC3E}">
+        <p14:creationId xmlns:p14="http://schemas.microsoft.com/office/powerpoint/2010/main" val="901347963"/>
+      </p:ext>
+    </p:extLst>
+  </p:cSld>
+  <p:clrMapOvr>
+    <a:masterClrMapping/>
+  </p:clrMapOvr>
+  <p:timing>
+    <p:tnLst>
+      <p:par>
+        <p:cTn id="1" dur="indefinite" restart="never" nodeType="tmRoot"/>
+      </p:par>
+    </p:tnLst>
+  </p:timing>
+</p:sld>
+</file>
+
+<file path=ppt/slides/slide2.xml><?xml version="1.0" encoding="utf-8"?>
+<p:sld xmlns:a="http://schemas.openxmlformats.org/drawingml/2006/main" xmlns:r="http://schemas.openxmlformats.org/officeDocument/2006/relationships" xmlns:p="http://schemas.openxmlformats.org/presentationml/2006/main">
+  <p:cSld>
+    <p:spTree>
+      <p:nvGrpSpPr>
+        <p:cNvPr id="1" name=""/>
+        <p:cNvGrpSpPr/>
+        <p:nvPr/>
+      </p:nvGrpSpPr>
+      <p:grpSpPr>
+        <a:xfrm>
+          <a:off x="0" y="0"/>
+          <a:ext cx="0" cy="0"/>
+          <a:chOff x="0" y="0"/>
+          <a:chExt cx="0" cy="0"/>
+        </a:xfrm>
+      </p:grpSpPr>
+      <p:sp>
+        <p:nvSpPr>
+          <p:cNvPr id="2" name="Title 1"/>
+          <p:cNvSpPr>
+            <a:spLocks noGrp="1"/>
+          </p:cNvSpPr>
+          <p:nvPr>
+            <p:ph type="title"/>
+          </p:nvPr>
+        </p:nvSpPr>
+        <p:spPr/>
+        <p:txBody>
+          <a:bodyPr/>
+          <a:lstStyle/>
+          <a:p>
             <a:r>
               <a:rPr lang="en-US" dirty="0" smtClean="0"/>
-              <a:t>Class Pre-</a:t>
-            </a:r>
-            <a:r>
-              <a:rPr lang="en-US" dirty="0" err="1" smtClean="0"/>
-              <a:t>Reqs</a:t>
+              <a:t>Goals:</a:t>
             </a:r>
             <a:endParaRPr lang="en-US" dirty="0"/>
           </a:p>
@@ -1840,7 +2615,25 @@
           <a:p>
             <a:r>
               <a:rPr lang="en-US" dirty="0" smtClean="0"/>
-              <a:t>Install</a:t>
+              <a:t>Clarify </a:t>
+            </a:r>
+            <a:r>
+              <a:rPr lang="en-US" dirty="0" err="1" smtClean="0"/>
+              <a:t>Hystrix</a:t>
+            </a:r>
+            <a:r>
+              <a:rPr lang="en-US" dirty="0" smtClean="0"/>
+              <a:t> and implementation</a:t>
+            </a:r>
+          </a:p>
+          <a:p>
+            <a:r>
+              <a:rPr lang="en-US" dirty="0" err="1" smtClean="0"/>
+              <a:t>Hystrix</a:t>
+            </a:r>
+            <a:r>
+              <a:rPr lang="en-US" dirty="0" smtClean="0"/>
+              <a:t> Dashboard</a:t>
             </a:r>
             <a:endParaRPr lang="en-US" dirty="0"/>
           </a:p>
@@ -1862,8 +2655,8 @@
           <a:lstStyle/>
           <a:p>
             <a:r>
-              <a:rPr lang="en-US" dirty="0" smtClean="0"/>
-              <a:t>DevOps 101</a:t>
+              <a:rPr lang="en-US" dirty="0" err="1" smtClean="0"/>
+              <a:t>Hystrix</a:t>
             </a:r>
             <a:endParaRPr lang="en-US" dirty="0"/>
           </a:p>
@@ -1872,7 +2665,1670 @@
     </p:spTree>
     <p:extLst>
       <p:ext uri="{BB962C8B-B14F-4D97-AF65-F5344CB8AC3E}">
-        <p14:creationId xmlns:p14="http://schemas.microsoft.com/office/powerpoint/2010/main" val="901347963"/>
+        <p14:creationId xmlns:p14="http://schemas.microsoft.com/office/powerpoint/2010/main" val="475018909"/>
+      </p:ext>
+    </p:extLst>
+  </p:cSld>
+  <p:clrMapOvr>
+    <a:masterClrMapping/>
+  </p:clrMapOvr>
+  <p:timing>
+    <p:tnLst>
+      <p:par>
+        <p:cTn id="1" dur="indefinite" restart="never" nodeType="tmRoot"/>
+      </p:par>
+    </p:tnLst>
+  </p:timing>
+</p:sld>
+</file>
+
+<file path=ppt/slides/slide3.xml><?xml version="1.0" encoding="utf-8"?>
+<p:sld xmlns:a="http://schemas.openxmlformats.org/drawingml/2006/main" xmlns:r="http://schemas.openxmlformats.org/officeDocument/2006/relationships" xmlns:p="http://schemas.openxmlformats.org/presentationml/2006/main">
+  <p:cSld>
+    <p:spTree>
+      <p:nvGrpSpPr>
+        <p:cNvPr id="1" name=""/>
+        <p:cNvGrpSpPr/>
+        <p:nvPr/>
+      </p:nvGrpSpPr>
+      <p:grpSpPr>
+        <a:xfrm>
+          <a:off x="0" y="0"/>
+          <a:ext cx="0" cy="0"/>
+          <a:chOff x="0" y="0"/>
+          <a:chExt cx="0" cy="0"/>
+        </a:xfrm>
+      </p:grpSpPr>
+      <p:sp>
+        <p:nvSpPr>
+          <p:cNvPr id="2" name="Title 1"/>
+          <p:cNvSpPr>
+            <a:spLocks noGrp="1"/>
+          </p:cNvSpPr>
+          <p:nvPr>
+            <p:ph type="title"/>
+          </p:nvPr>
+        </p:nvSpPr>
+        <p:spPr/>
+        <p:txBody>
+          <a:bodyPr/>
+          <a:lstStyle/>
+          <a:p>
+            <a:endParaRPr lang="en-US" dirty="0"/>
+          </a:p>
+        </p:txBody>
+      </p:sp>
+      <p:sp>
+        <p:nvSpPr>
+          <p:cNvPr id="3" name="Text Placeholder 2"/>
+          <p:cNvSpPr>
+            <a:spLocks noGrp="1"/>
+          </p:cNvSpPr>
+          <p:nvPr>
+            <p:ph type="body" sz="quarter" idx="10"/>
+          </p:nvPr>
+        </p:nvSpPr>
+        <p:spPr/>
+        <p:txBody>
+          <a:bodyPr>
+            <a:normAutofit/>
+          </a:bodyPr>
+          <a:lstStyle/>
+          <a:p>
+            <a:endParaRPr lang="en-US" dirty="0"/>
+          </a:p>
+        </p:txBody>
+      </p:sp>
+      <p:sp>
+        <p:nvSpPr>
+          <p:cNvPr id="4" name="Text Placeholder 3"/>
+          <p:cNvSpPr>
+            <a:spLocks noGrp="1"/>
+          </p:cNvSpPr>
+          <p:nvPr>
+            <p:ph type="body" sz="quarter" idx="12"/>
+          </p:nvPr>
+        </p:nvSpPr>
+        <p:spPr/>
+        <p:txBody>
+          <a:bodyPr/>
+          <a:lstStyle/>
+          <a:p>
+            <a:r>
+              <a:rPr lang="en-US" dirty="0" err="1" smtClean="0"/>
+              <a:t>Hystrix</a:t>
+            </a:r>
+            <a:endParaRPr lang="en-US" dirty="0"/>
+          </a:p>
+        </p:txBody>
+      </p:sp>
+      <p:pic>
+        <p:nvPicPr>
+          <p:cNvPr id="7" name="Picture 6"/>
+          <p:cNvPicPr>
+            <a:picLocks noChangeAspect="1"/>
+          </p:cNvPicPr>
+          <p:nvPr/>
+        </p:nvPicPr>
+        <p:blipFill>
+          <a:blip r:embed="rId3"/>
+          <a:stretch>
+            <a:fillRect/>
+          </a:stretch>
+        </p:blipFill>
+        <p:spPr>
+          <a:xfrm>
+            <a:off x="825286" y="1809735"/>
+            <a:ext cx="8084626" cy="2800350"/>
+          </a:xfrm>
+          <a:prstGeom prst="rect">
+            <a:avLst/>
+          </a:prstGeom>
+        </p:spPr>
+      </p:pic>
+    </p:spTree>
+    <p:extLst>
+      <p:ext uri="{BB962C8B-B14F-4D97-AF65-F5344CB8AC3E}">
+        <p14:creationId xmlns:p14="http://schemas.microsoft.com/office/powerpoint/2010/main" val="2136898140"/>
+      </p:ext>
+    </p:extLst>
+  </p:cSld>
+  <p:clrMapOvr>
+    <a:masterClrMapping/>
+  </p:clrMapOvr>
+  <p:timing>
+    <p:tnLst>
+      <p:par>
+        <p:cTn id="1" dur="indefinite" restart="never" nodeType="tmRoot"/>
+      </p:par>
+    </p:tnLst>
+  </p:timing>
+</p:sld>
+</file>
+
+<file path=ppt/slides/slide4.xml><?xml version="1.0" encoding="utf-8"?>
+<p:sld xmlns:a="http://schemas.openxmlformats.org/drawingml/2006/main" xmlns:r="http://schemas.openxmlformats.org/officeDocument/2006/relationships" xmlns:p="http://schemas.openxmlformats.org/presentationml/2006/main">
+  <p:cSld>
+    <p:spTree>
+      <p:nvGrpSpPr>
+        <p:cNvPr id="1" name=""/>
+        <p:cNvGrpSpPr/>
+        <p:nvPr/>
+      </p:nvGrpSpPr>
+      <p:grpSpPr>
+        <a:xfrm>
+          <a:off x="0" y="0"/>
+          <a:ext cx="0" cy="0"/>
+          <a:chOff x="0" y="0"/>
+          <a:chExt cx="0" cy="0"/>
+        </a:xfrm>
+      </p:grpSpPr>
+      <p:sp>
+        <p:nvSpPr>
+          <p:cNvPr id="2" name="Title 1"/>
+          <p:cNvSpPr>
+            <a:spLocks noGrp="1"/>
+          </p:cNvSpPr>
+          <p:nvPr>
+            <p:ph type="title"/>
+          </p:nvPr>
+        </p:nvSpPr>
+        <p:spPr/>
+        <p:txBody>
+          <a:bodyPr/>
+          <a:lstStyle/>
+          <a:p>
+            <a:endParaRPr lang="en-US" dirty="0"/>
+          </a:p>
+        </p:txBody>
+      </p:sp>
+      <p:sp>
+        <p:nvSpPr>
+          <p:cNvPr id="3" name="Text Placeholder 2"/>
+          <p:cNvSpPr>
+            <a:spLocks noGrp="1"/>
+          </p:cNvSpPr>
+          <p:nvPr>
+            <p:ph type="body" sz="quarter" idx="10"/>
+          </p:nvPr>
+        </p:nvSpPr>
+        <p:spPr/>
+        <p:txBody>
+          <a:bodyPr>
+            <a:normAutofit/>
+          </a:bodyPr>
+          <a:lstStyle/>
+          <a:p>
+            <a:pPr marL="0" marR="0" lvl="0" indent="0" defTabSz="914400" eaLnBrk="1" fontAlgn="auto" latinLnBrk="0" hangingPunct="1">
+              <a:lnSpc>
+                <a:spcPct val="100000"/>
+              </a:lnSpc>
+              <a:spcBef>
+                <a:spcPts val="0"/>
+              </a:spcBef>
+              <a:spcAft>
+                <a:spcPts val="0"/>
+              </a:spcAft>
+              <a:buClrTx/>
+              <a:buSzTx/>
+              <a:buFontTx/>
+              <a:buNone/>
+              <a:tabLst/>
+              <a:defRPr/>
+            </a:pPr>
+            <a:endParaRPr lang="en-US" dirty="0"/>
+          </a:p>
+        </p:txBody>
+      </p:sp>
+      <p:sp>
+        <p:nvSpPr>
+          <p:cNvPr id="4" name="Text Placeholder 3"/>
+          <p:cNvSpPr>
+            <a:spLocks noGrp="1"/>
+          </p:cNvSpPr>
+          <p:nvPr>
+            <p:ph type="body" sz="quarter" idx="12"/>
+          </p:nvPr>
+        </p:nvSpPr>
+        <p:spPr/>
+        <p:txBody>
+          <a:bodyPr/>
+          <a:lstStyle/>
+          <a:p>
+            <a:r>
+              <a:rPr lang="en-US" dirty="0" err="1" smtClean="0"/>
+              <a:t>Hystrix</a:t>
+            </a:r>
+            <a:endParaRPr lang="en-US" dirty="0"/>
+          </a:p>
+        </p:txBody>
+      </p:sp>
+      <p:sp>
+        <p:nvSpPr>
+          <p:cNvPr id="5" name="Rectangle 4"/>
+          <p:cNvSpPr/>
+          <p:nvPr/>
+        </p:nvSpPr>
+        <p:spPr>
+          <a:xfrm>
+            <a:off x="6057254" y="2718661"/>
+            <a:ext cx="1540790" cy="838200"/>
+          </a:xfrm>
+          <a:prstGeom prst="rect">
+            <a:avLst/>
+          </a:prstGeom>
+          <a:noFill/>
+          <a:ln>
+            <a:solidFill>
+              <a:schemeClr val="tx1"/>
+            </a:solidFill>
+          </a:ln>
+        </p:spPr>
+        <p:style>
+          <a:lnRef idx="2">
+            <a:schemeClr val="accent1">
+              <a:shade val="50000"/>
+            </a:schemeClr>
+          </a:lnRef>
+          <a:fillRef idx="1">
+            <a:schemeClr val="accent1"/>
+          </a:fillRef>
+          <a:effectRef idx="0">
+            <a:schemeClr val="accent1"/>
+          </a:effectRef>
+          <a:fontRef idx="minor">
+            <a:schemeClr val="lt1"/>
+          </a:fontRef>
+        </p:style>
+        <p:txBody>
+          <a:bodyPr rtlCol="0" anchor="ctr"/>
+          <a:lstStyle/>
+          <a:p>
+            <a:pPr algn="ctr"/>
+            <a:r>
+              <a:rPr lang="en-US" dirty="0" smtClean="0">
+                <a:solidFill>
+                  <a:schemeClr val="tx1">
+                    <a:alpha val="25000"/>
+                  </a:schemeClr>
+                </a:solidFill>
+              </a:rPr>
+              <a:t>Service</a:t>
+            </a:r>
+            <a:endParaRPr lang="en-US" dirty="0">
+              <a:solidFill>
+                <a:schemeClr val="tx1">
+                  <a:alpha val="25000"/>
+                </a:schemeClr>
+              </a:solidFill>
+            </a:endParaRPr>
+          </a:p>
+        </p:txBody>
+      </p:sp>
+      <p:sp>
+        <p:nvSpPr>
+          <p:cNvPr id="6" name="TextBox 5"/>
+          <p:cNvSpPr txBox="1"/>
+          <p:nvPr/>
+        </p:nvSpPr>
+        <p:spPr>
+          <a:xfrm>
+            <a:off x="2836190" y="3471620"/>
+            <a:ext cx="914400" cy="914400"/>
+          </a:xfrm>
+          <a:prstGeom prst="rect">
+            <a:avLst/>
+          </a:prstGeom>
+          <a:noFill/>
+          <a:ln>
+            <a:noFill/>
+          </a:ln>
+        </p:spPr>
+        <p:txBody>
+          <a:bodyPr vert="horz" wrap="none" lIns="91440" tIns="45720" rIns="91440" bIns="45720" rtlCol="0" anchor="ctr">
+            <a:normAutofit/>
+          </a:bodyPr>
+          <a:lstStyle/>
+          <a:p>
+            <a:endParaRPr lang="en-US" dirty="0" smtClean="0"/>
+          </a:p>
+        </p:txBody>
+      </p:sp>
+      <p:sp>
+        <p:nvSpPr>
+          <p:cNvPr id="7" name="Rectangle 6"/>
+          <p:cNvSpPr/>
+          <p:nvPr/>
+        </p:nvSpPr>
+        <p:spPr>
+          <a:xfrm>
+            <a:off x="990600" y="2711850"/>
+            <a:ext cx="1540790" cy="838200"/>
+          </a:xfrm>
+          <a:prstGeom prst="rect">
+            <a:avLst/>
+          </a:prstGeom>
+          <a:noFill/>
+          <a:ln>
+            <a:solidFill>
+              <a:schemeClr val="tx1"/>
+            </a:solidFill>
+          </a:ln>
+        </p:spPr>
+        <p:style>
+          <a:lnRef idx="2">
+            <a:schemeClr val="accent1">
+              <a:shade val="50000"/>
+            </a:schemeClr>
+          </a:lnRef>
+          <a:fillRef idx="1">
+            <a:schemeClr val="accent1"/>
+          </a:fillRef>
+          <a:effectRef idx="0">
+            <a:schemeClr val="accent1"/>
+          </a:effectRef>
+          <a:fontRef idx="minor">
+            <a:schemeClr val="lt1"/>
+          </a:fontRef>
+        </p:style>
+        <p:txBody>
+          <a:bodyPr rtlCol="0" anchor="ctr"/>
+          <a:lstStyle/>
+          <a:p>
+            <a:pPr algn="ctr"/>
+            <a:r>
+              <a:rPr lang="en-US" dirty="0" smtClean="0">
+                <a:solidFill>
+                  <a:schemeClr val="tx1">
+                    <a:alpha val="25000"/>
+                  </a:schemeClr>
+                </a:solidFill>
+              </a:rPr>
+              <a:t>Controller</a:t>
+            </a:r>
+            <a:endParaRPr lang="en-US" dirty="0">
+              <a:solidFill>
+                <a:schemeClr val="tx1">
+                  <a:alpha val="25000"/>
+                </a:schemeClr>
+              </a:solidFill>
+            </a:endParaRPr>
+          </a:p>
+        </p:txBody>
+      </p:sp>
+      <p:sp>
+        <p:nvSpPr>
+          <p:cNvPr id="8" name="Rectangle 7"/>
+          <p:cNvSpPr/>
+          <p:nvPr/>
+        </p:nvSpPr>
+        <p:spPr>
+          <a:xfrm>
+            <a:off x="3458705" y="2702870"/>
+            <a:ext cx="1540790" cy="838200"/>
+          </a:xfrm>
+          <a:prstGeom prst="rect">
+            <a:avLst/>
+          </a:prstGeom>
+          <a:noFill/>
+          <a:ln>
+            <a:solidFill>
+              <a:schemeClr val="tx1"/>
+            </a:solidFill>
+          </a:ln>
+        </p:spPr>
+        <p:style>
+          <a:lnRef idx="2">
+            <a:schemeClr val="accent1">
+              <a:shade val="50000"/>
+            </a:schemeClr>
+          </a:lnRef>
+          <a:fillRef idx="1">
+            <a:schemeClr val="accent1"/>
+          </a:fillRef>
+          <a:effectRef idx="0">
+            <a:schemeClr val="accent1"/>
+          </a:effectRef>
+          <a:fontRef idx="minor">
+            <a:schemeClr val="lt1"/>
+          </a:fontRef>
+        </p:style>
+        <p:txBody>
+          <a:bodyPr rtlCol="0" anchor="ctr"/>
+          <a:lstStyle/>
+          <a:p>
+            <a:pPr algn="ctr"/>
+            <a:r>
+              <a:rPr lang="en-US" dirty="0" smtClean="0">
+                <a:solidFill>
+                  <a:schemeClr val="tx1">
+                    <a:alpha val="25000"/>
+                  </a:schemeClr>
+                </a:solidFill>
+              </a:rPr>
+              <a:t>client</a:t>
+            </a:r>
+            <a:endParaRPr lang="en-US" dirty="0">
+              <a:solidFill>
+                <a:schemeClr val="tx1">
+                  <a:alpha val="25000"/>
+                </a:schemeClr>
+              </a:solidFill>
+            </a:endParaRPr>
+          </a:p>
+        </p:txBody>
+      </p:sp>
+      <p:cxnSp>
+        <p:nvCxnSpPr>
+          <p:cNvPr id="10" name="Straight Arrow Connector 9"/>
+          <p:cNvCxnSpPr>
+            <a:endCxn id="8" idx="1"/>
+          </p:cNvCxnSpPr>
+          <p:nvPr/>
+        </p:nvCxnSpPr>
+        <p:spPr>
+          <a:xfrm flipV="1">
+            <a:off x="2531390" y="3121970"/>
+            <a:ext cx="927315" cy="15791"/>
+          </a:xfrm>
+          <a:prstGeom prst="straightConnector1">
+            <a:avLst/>
+          </a:prstGeom>
+          <a:ln>
+            <a:tailEnd type="triangle"/>
+          </a:ln>
+        </p:spPr>
+        <p:style>
+          <a:lnRef idx="1">
+            <a:schemeClr val="accent1"/>
+          </a:lnRef>
+          <a:fillRef idx="0">
+            <a:schemeClr val="accent1"/>
+          </a:fillRef>
+          <a:effectRef idx="0">
+            <a:schemeClr val="accent1"/>
+          </a:effectRef>
+          <a:fontRef idx="minor">
+            <a:schemeClr val="tx1"/>
+          </a:fontRef>
+        </p:style>
+      </p:cxnSp>
+      <p:cxnSp>
+        <p:nvCxnSpPr>
+          <p:cNvPr id="12" name="Straight Arrow Connector 11"/>
+          <p:cNvCxnSpPr/>
+          <p:nvPr/>
+        </p:nvCxnSpPr>
+        <p:spPr>
+          <a:xfrm flipV="1">
+            <a:off x="5064717" y="3132573"/>
+            <a:ext cx="927315" cy="15791"/>
+          </a:xfrm>
+          <a:prstGeom prst="straightConnector1">
+            <a:avLst/>
+          </a:prstGeom>
+          <a:ln>
+            <a:tailEnd type="triangle"/>
+          </a:ln>
+        </p:spPr>
+        <p:style>
+          <a:lnRef idx="1">
+            <a:schemeClr val="accent1"/>
+          </a:lnRef>
+          <a:fillRef idx="0">
+            <a:schemeClr val="accent1"/>
+          </a:fillRef>
+          <a:effectRef idx="0">
+            <a:schemeClr val="accent1"/>
+          </a:effectRef>
+          <a:fontRef idx="minor">
+            <a:schemeClr val="tx1"/>
+          </a:fontRef>
+        </p:style>
+      </p:cxnSp>
+      <p:cxnSp>
+        <p:nvCxnSpPr>
+          <p:cNvPr id="14" name="Straight Connector 13"/>
+          <p:cNvCxnSpPr/>
+          <p:nvPr/>
+        </p:nvCxnSpPr>
+        <p:spPr>
+          <a:xfrm flipH="1">
+            <a:off x="5528373" y="2242411"/>
+            <a:ext cx="1" cy="1790700"/>
+          </a:xfrm>
+          <a:prstGeom prst="line">
+            <a:avLst/>
+          </a:prstGeom>
+        </p:spPr>
+        <p:style>
+          <a:lnRef idx="1">
+            <a:schemeClr val="accent1"/>
+          </a:lnRef>
+          <a:fillRef idx="0">
+            <a:schemeClr val="accent1"/>
+          </a:fillRef>
+          <a:effectRef idx="0">
+            <a:schemeClr val="accent1"/>
+          </a:effectRef>
+          <a:fontRef idx="minor">
+            <a:schemeClr val="tx1"/>
+          </a:fontRef>
+        </p:style>
+      </p:cxnSp>
+    </p:spTree>
+    <p:extLst>
+      <p:ext uri="{BB962C8B-B14F-4D97-AF65-F5344CB8AC3E}">
+        <p14:creationId xmlns:p14="http://schemas.microsoft.com/office/powerpoint/2010/main" val="1767048322"/>
+      </p:ext>
+    </p:extLst>
+  </p:cSld>
+  <p:clrMapOvr>
+    <a:masterClrMapping/>
+  </p:clrMapOvr>
+  <p:timing>
+    <p:tnLst>
+      <p:par>
+        <p:cTn id="1" dur="indefinite" restart="never" nodeType="tmRoot"/>
+      </p:par>
+    </p:tnLst>
+  </p:timing>
+</p:sld>
+</file>
+
+<file path=ppt/slides/slide5.xml><?xml version="1.0" encoding="utf-8"?>
+<p:sld xmlns:a="http://schemas.openxmlformats.org/drawingml/2006/main" xmlns:r="http://schemas.openxmlformats.org/officeDocument/2006/relationships" xmlns:p="http://schemas.openxmlformats.org/presentationml/2006/main">
+  <p:cSld>
+    <p:spTree>
+      <p:nvGrpSpPr>
+        <p:cNvPr id="1" name=""/>
+        <p:cNvGrpSpPr/>
+        <p:nvPr/>
+      </p:nvGrpSpPr>
+      <p:grpSpPr>
+        <a:xfrm>
+          <a:off x="0" y="0"/>
+          <a:ext cx="0" cy="0"/>
+          <a:chOff x="0" y="0"/>
+          <a:chExt cx="0" cy="0"/>
+        </a:xfrm>
+      </p:grpSpPr>
+      <p:sp>
+        <p:nvSpPr>
+          <p:cNvPr id="2" name="Title 1"/>
+          <p:cNvSpPr>
+            <a:spLocks noGrp="1"/>
+          </p:cNvSpPr>
+          <p:nvPr>
+            <p:ph type="title"/>
+          </p:nvPr>
+        </p:nvSpPr>
+        <p:spPr/>
+        <p:txBody>
+          <a:bodyPr/>
+          <a:lstStyle/>
+          <a:p>
+            <a:endParaRPr lang="en-US" dirty="0"/>
+          </a:p>
+        </p:txBody>
+      </p:sp>
+      <p:sp>
+        <p:nvSpPr>
+          <p:cNvPr id="3" name="Text Placeholder 2"/>
+          <p:cNvSpPr>
+            <a:spLocks noGrp="1"/>
+          </p:cNvSpPr>
+          <p:nvPr>
+            <p:ph type="body" sz="quarter" idx="10"/>
+          </p:nvPr>
+        </p:nvSpPr>
+        <p:spPr/>
+        <p:txBody>
+          <a:bodyPr>
+            <a:normAutofit/>
+          </a:bodyPr>
+          <a:lstStyle/>
+          <a:p>
+            <a:pPr marL="0" marR="0" lvl="0" indent="0" defTabSz="914400" eaLnBrk="1" fontAlgn="auto" latinLnBrk="0" hangingPunct="1">
+              <a:lnSpc>
+                <a:spcPct val="100000"/>
+              </a:lnSpc>
+              <a:spcBef>
+                <a:spcPts val="0"/>
+              </a:spcBef>
+              <a:spcAft>
+                <a:spcPts val="0"/>
+              </a:spcAft>
+              <a:buClrTx/>
+              <a:buSzTx/>
+              <a:buFontTx/>
+              <a:buNone/>
+              <a:tabLst/>
+              <a:defRPr/>
+            </a:pPr>
+            <a:endParaRPr lang="en-US" dirty="0"/>
+          </a:p>
+        </p:txBody>
+      </p:sp>
+      <p:sp>
+        <p:nvSpPr>
+          <p:cNvPr id="4" name="Text Placeholder 3"/>
+          <p:cNvSpPr>
+            <a:spLocks noGrp="1"/>
+          </p:cNvSpPr>
+          <p:nvPr>
+            <p:ph type="body" sz="quarter" idx="12"/>
+          </p:nvPr>
+        </p:nvSpPr>
+        <p:spPr/>
+        <p:txBody>
+          <a:bodyPr/>
+          <a:lstStyle/>
+          <a:p>
+            <a:r>
+              <a:rPr lang="en-US" dirty="0" err="1" smtClean="0"/>
+              <a:t>Hystrix</a:t>
+            </a:r>
+            <a:endParaRPr lang="en-US" dirty="0"/>
+          </a:p>
+        </p:txBody>
+      </p:sp>
+      <p:sp>
+        <p:nvSpPr>
+          <p:cNvPr id="5" name="Rectangle 4"/>
+          <p:cNvSpPr/>
+          <p:nvPr/>
+        </p:nvSpPr>
+        <p:spPr>
+          <a:xfrm>
+            <a:off x="6057254" y="2718661"/>
+            <a:ext cx="1540790" cy="838200"/>
+          </a:xfrm>
+          <a:prstGeom prst="rect">
+            <a:avLst/>
+          </a:prstGeom>
+          <a:noFill/>
+          <a:ln>
+            <a:solidFill>
+              <a:schemeClr val="tx1"/>
+            </a:solidFill>
+          </a:ln>
+        </p:spPr>
+        <p:style>
+          <a:lnRef idx="2">
+            <a:schemeClr val="accent1">
+              <a:shade val="50000"/>
+            </a:schemeClr>
+          </a:lnRef>
+          <a:fillRef idx="1">
+            <a:schemeClr val="accent1"/>
+          </a:fillRef>
+          <a:effectRef idx="0">
+            <a:schemeClr val="accent1"/>
+          </a:effectRef>
+          <a:fontRef idx="minor">
+            <a:schemeClr val="lt1"/>
+          </a:fontRef>
+        </p:style>
+        <p:txBody>
+          <a:bodyPr rtlCol="0" anchor="ctr"/>
+          <a:lstStyle/>
+          <a:p>
+            <a:pPr algn="ctr"/>
+            <a:r>
+              <a:rPr lang="en-US" dirty="0" smtClean="0">
+                <a:solidFill>
+                  <a:schemeClr val="tx1">
+                    <a:alpha val="25000"/>
+                  </a:schemeClr>
+                </a:solidFill>
+              </a:rPr>
+              <a:t>Service</a:t>
+            </a:r>
+            <a:endParaRPr lang="en-US" dirty="0">
+              <a:solidFill>
+                <a:schemeClr val="tx1">
+                  <a:alpha val="25000"/>
+                </a:schemeClr>
+              </a:solidFill>
+            </a:endParaRPr>
+          </a:p>
+        </p:txBody>
+      </p:sp>
+      <p:sp>
+        <p:nvSpPr>
+          <p:cNvPr id="6" name="TextBox 5"/>
+          <p:cNvSpPr txBox="1"/>
+          <p:nvPr/>
+        </p:nvSpPr>
+        <p:spPr>
+          <a:xfrm>
+            <a:off x="2836190" y="3471620"/>
+            <a:ext cx="914400" cy="914400"/>
+          </a:xfrm>
+          <a:prstGeom prst="rect">
+            <a:avLst/>
+          </a:prstGeom>
+          <a:noFill/>
+          <a:ln>
+            <a:noFill/>
+          </a:ln>
+        </p:spPr>
+        <p:txBody>
+          <a:bodyPr vert="horz" wrap="none" lIns="91440" tIns="45720" rIns="91440" bIns="45720" rtlCol="0" anchor="ctr">
+            <a:normAutofit/>
+          </a:bodyPr>
+          <a:lstStyle/>
+          <a:p>
+            <a:endParaRPr lang="en-US" dirty="0" smtClean="0"/>
+          </a:p>
+        </p:txBody>
+      </p:sp>
+      <p:sp>
+        <p:nvSpPr>
+          <p:cNvPr id="7" name="Rectangle 6"/>
+          <p:cNvSpPr/>
+          <p:nvPr/>
+        </p:nvSpPr>
+        <p:spPr>
+          <a:xfrm>
+            <a:off x="990600" y="2711850"/>
+            <a:ext cx="1540790" cy="838200"/>
+          </a:xfrm>
+          <a:prstGeom prst="rect">
+            <a:avLst/>
+          </a:prstGeom>
+          <a:noFill/>
+          <a:ln>
+            <a:solidFill>
+              <a:schemeClr val="tx1"/>
+            </a:solidFill>
+          </a:ln>
+        </p:spPr>
+        <p:style>
+          <a:lnRef idx="2">
+            <a:schemeClr val="accent1">
+              <a:shade val="50000"/>
+            </a:schemeClr>
+          </a:lnRef>
+          <a:fillRef idx="1">
+            <a:schemeClr val="accent1"/>
+          </a:fillRef>
+          <a:effectRef idx="0">
+            <a:schemeClr val="accent1"/>
+          </a:effectRef>
+          <a:fontRef idx="minor">
+            <a:schemeClr val="lt1"/>
+          </a:fontRef>
+        </p:style>
+        <p:txBody>
+          <a:bodyPr rtlCol="0" anchor="ctr"/>
+          <a:lstStyle/>
+          <a:p>
+            <a:pPr algn="ctr"/>
+            <a:r>
+              <a:rPr lang="en-US" dirty="0" smtClean="0">
+                <a:solidFill>
+                  <a:schemeClr val="tx1">
+                    <a:alpha val="25000"/>
+                  </a:schemeClr>
+                </a:solidFill>
+              </a:rPr>
+              <a:t>Controller</a:t>
+            </a:r>
+            <a:endParaRPr lang="en-US" dirty="0">
+              <a:solidFill>
+                <a:schemeClr val="tx1">
+                  <a:alpha val="25000"/>
+                </a:schemeClr>
+              </a:solidFill>
+            </a:endParaRPr>
+          </a:p>
+        </p:txBody>
+      </p:sp>
+      <p:sp>
+        <p:nvSpPr>
+          <p:cNvPr id="8" name="Rectangle 7"/>
+          <p:cNvSpPr/>
+          <p:nvPr/>
+        </p:nvSpPr>
+        <p:spPr>
+          <a:xfrm>
+            <a:off x="3458705" y="2702870"/>
+            <a:ext cx="1540790" cy="838200"/>
+          </a:xfrm>
+          <a:prstGeom prst="rect">
+            <a:avLst/>
+          </a:prstGeom>
+          <a:noFill/>
+          <a:ln>
+            <a:solidFill>
+              <a:schemeClr val="tx1"/>
+            </a:solidFill>
+          </a:ln>
+        </p:spPr>
+        <p:style>
+          <a:lnRef idx="2">
+            <a:schemeClr val="accent1">
+              <a:shade val="50000"/>
+            </a:schemeClr>
+          </a:lnRef>
+          <a:fillRef idx="1">
+            <a:schemeClr val="accent1"/>
+          </a:fillRef>
+          <a:effectRef idx="0">
+            <a:schemeClr val="accent1"/>
+          </a:effectRef>
+          <a:fontRef idx="minor">
+            <a:schemeClr val="lt1"/>
+          </a:fontRef>
+        </p:style>
+        <p:txBody>
+          <a:bodyPr rtlCol="0" anchor="ctr"/>
+          <a:lstStyle/>
+          <a:p>
+            <a:pPr algn="ctr"/>
+            <a:r>
+              <a:rPr lang="en-US" dirty="0" err="1" smtClean="0">
+                <a:solidFill>
+                  <a:schemeClr val="tx1">
+                    <a:alpha val="25000"/>
+                  </a:schemeClr>
+                </a:solidFill>
+              </a:rPr>
+              <a:t>Hystrix</a:t>
+            </a:r>
+            <a:endParaRPr lang="en-US" dirty="0" smtClean="0">
+              <a:solidFill>
+                <a:schemeClr val="tx1">
+                  <a:alpha val="25000"/>
+                </a:schemeClr>
+              </a:solidFill>
+            </a:endParaRPr>
+          </a:p>
+          <a:p>
+            <a:pPr algn="ctr"/>
+            <a:r>
+              <a:rPr lang="en-US" dirty="0" smtClean="0">
+                <a:solidFill>
+                  <a:schemeClr val="tx1">
+                    <a:alpha val="25000"/>
+                  </a:schemeClr>
+                </a:solidFill>
+              </a:rPr>
+              <a:t>Command</a:t>
+            </a:r>
+            <a:endParaRPr lang="en-US" dirty="0">
+              <a:solidFill>
+                <a:schemeClr val="tx1">
+                  <a:alpha val="25000"/>
+                </a:schemeClr>
+              </a:solidFill>
+            </a:endParaRPr>
+          </a:p>
+        </p:txBody>
+      </p:sp>
+      <p:cxnSp>
+        <p:nvCxnSpPr>
+          <p:cNvPr id="10" name="Straight Arrow Connector 9"/>
+          <p:cNvCxnSpPr/>
+          <p:nvPr/>
+        </p:nvCxnSpPr>
+        <p:spPr>
+          <a:xfrm flipV="1">
+            <a:off x="2531390" y="3121970"/>
+            <a:ext cx="927315" cy="15791"/>
+          </a:xfrm>
+          <a:prstGeom prst="straightConnector1">
+            <a:avLst/>
+          </a:prstGeom>
+          <a:ln>
+            <a:tailEnd type="triangle"/>
+          </a:ln>
+        </p:spPr>
+        <p:style>
+          <a:lnRef idx="1">
+            <a:schemeClr val="accent1"/>
+          </a:lnRef>
+          <a:fillRef idx="0">
+            <a:schemeClr val="accent1"/>
+          </a:fillRef>
+          <a:effectRef idx="0">
+            <a:schemeClr val="accent1"/>
+          </a:effectRef>
+          <a:fontRef idx="minor">
+            <a:schemeClr val="tx1"/>
+          </a:fontRef>
+        </p:style>
+      </p:cxnSp>
+      <p:cxnSp>
+        <p:nvCxnSpPr>
+          <p:cNvPr id="12" name="Straight Arrow Connector 11"/>
+          <p:cNvCxnSpPr/>
+          <p:nvPr/>
+        </p:nvCxnSpPr>
+        <p:spPr>
+          <a:xfrm flipV="1">
+            <a:off x="5129939" y="3695700"/>
+            <a:ext cx="1265050" cy="1233085"/>
+          </a:xfrm>
+          <a:prstGeom prst="straightConnector1">
+            <a:avLst/>
+          </a:prstGeom>
+          <a:ln>
+            <a:tailEnd type="triangle"/>
+          </a:ln>
+        </p:spPr>
+        <p:style>
+          <a:lnRef idx="1">
+            <a:schemeClr val="accent1"/>
+          </a:lnRef>
+          <a:fillRef idx="0">
+            <a:schemeClr val="accent1"/>
+          </a:fillRef>
+          <a:effectRef idx="0">
+            <a:schemeClr val="accent1"/>
+          </a:effectRef>
+          <a:fontRef idx="minor">
+            <a:schemeClr val="tx1"/>
+          </a:fontRef>
+        </p:style>
+      </p:cxnSp>
+      <p:cxnSp>
+        <p:nvCxnSpPr>
+          <p:cNvPr id="14" name="Straight Connector 13"/>
+          <p:cNvCxnSpPr/>
+          <p:nvPr/>
+        </p:nvCxnSpPr>
+        <p:spPr>
+          <a:xfrm>
+            <a:off x="5528375" y="2242411"/>
+            <a:ext cx="6456" cy="3396389"/>
+          </a:xfrm>
+          <a:prstGeom prst="line">
+            <a:avLst/>
+          </a:prstGeom>
+        </p:spPr>
+        <p:style>
+          <a:lnRef idx="1">
+            <a:schemeClr val="accent1"/>
+          </a:lnRef>
+          <a:fillRef idx="0">
+            <a:schemeClr val="accent1"/>
+          </a:fillRef>
+          <a:effectRef idx="0">
+            <a:schemeClr val="accent1"/>
+          </a:effectRef>
+          <a:fontRef idx="minor">
+            <a:schemeClr val="tx1"/>
+          </a:fontRef>
+        </p:style>
+      </p:cxnSp>
+      <p:cxnSp>
+        <p:nvCxnSpPr>
+          <p:cNvPr id="16" name="Straight Arrow Connector 15"/>
+          <p:cNvCxnSpPr/>
+          <p:nvPr/>
+        </p:nvCxnSpPr>
+        <p:spPr>
+          <a:xfrm>
+            <a:off x="4260098" y="3518166"/>
+            <a:ext cx="12915" cy="857470"/>
+          </a:xfrm>
+          <a:prstGeom prst="straightConnector1">
+            <a:avLst/>
+          </a:prstGeom>
+          <a:ln>
+            <a:tailEnd type="triangle"/>
+          </a:ln>
+        </p:spPr>
+        <p:style>
+          <a:lnRef idx="1">
+            <a:schemeClr val="accent1"/>
+          </a:lnRef>
+          <a:fillRef idx="0">
+            <a:schemeClr val="accent1"/>
+          </a:fillRef>
+          <a:effectRef idx="0">
+            <a:schemeClr val="accent1"/>
+          </a:effectRef>
+          <a:fontRef idx="minor">
+            <a:schemeClr val="tx1"/>
+          </a:fontRef>
+        </p:style>
+      </p:cxnSp>
+      <p:sp>
+        <p:nvSpPr>
+          <p:cNvPr id="17" name="Rectangle 16"/>
+          <p:cNvSpPr/>
+          <p:nvPr/>
+        </p:nvSpPr>
+        <p:spPr>
+          <a:xfrm>
+            <a:off x="3489703" y="4444845"/>
+            <a:ext cx="1540790" cy="838200"/>
+          </a:xfrm>
+          <a:prstGeom prst="rect">
+            <a:avLst/>
+          </a:prstGeom>
+          <a:noFill/>
+          <a:ln>
+            <a:solidFill>
+              <a:schemeClr val="tx1"/>
+            </a:solidFill>
+          </a:ln>
+        </p:spPr>
+        <p:style>
+          <a:lnRef idx="2">
+            <a:schemeClr val="accent1">
+              <a:shade val="50000"/>
+            </a:schemeClr>
+          </a:lnRef>
+          <a:fillRef idx="1">
+            <a:schemeClr val="accent1"/>
+          </a:fillRef>
+          <a:effectRef idx="0">
+            <a:schemeClr val="accent1"/>
+          </a:effectRef>
+          <a:fontRef idx="minor">
+            <a:schemeClr val="lt1"/>
+          </a:fontRef>
+        </p:style>
+        <p:txBody>
+          <a:bodyPr rtlCol="0" anchor="ctr"/>
+          <a:lstStyle/>
+          <a:p>
+            <a:pPr algn="ctr"/>
+            <a:r>
+              <a:rPr lang="en-US" dirty="0" smtClean="0">
+                <a:solidFill>
+                  <a:schemeClr val="tx1">
+                    <a:alpha val="25000"/>
+                  </a:schemeClr>
+                </a:solidFill>
+              </a:rPr>
+              <a:t>client</a:t>
+            </a:r>
+            <a:endParaRPr lang="en-US" dirty="0">
+              <a:solidFill>
+                <a:schemeClr val="tx1">
+                  <a:alpha val="25000"/>
+                </a:schemeClr>
+              </a:solidFill>
+            </a:endParaRPr>
+          </a:p>
+        </p:txBody>
+      </p:sp>
+    </p:spTree>
+    <p:extLst>
+      <p:ext uri="{BB962C8B-B14F-4D97-AF65-F5344CB8AC3E}">
+        <p14:creationId xmlns:p14="http://schemas.microsoft.com/office/powerpoint/2010/main" val="204216737"/>
+      </p:ext>
+    </p:extLst>
+  </p:cSld>
+  <p:clrMapOvr>
+    <a:masterClrMapping/>
+  </p:clrMapOvr>
+  <p:timing>
+    <p:tnLst>
+      <p:par>
+        <p:cTn id="1" dur="indefinite" restart="never" nodeType="tmRoot"/>
+      </p:par>
+    </p:tnLst>
+  </p:timing>
+</p:sld>
+</file>
+
+<file path=ppt/slides/slide6.xml><?xml version="1.0" encoding="utf-8"?>
+<p:sld xmlns:a="http://schemas.openxmlformats.org/drawingml/2006/main" xmlns:r="http://schemas.openxmlformats.org/officeDocument/2006/relationships" xmlns:p="http://schemas.openxmlformats.org/presentationml/2006/main">
+  <p:cSld>
+    <p:spTree>
+      <p:nvGrpSpPr>
+        <p:cNvPr id="1" name=""/>
+        <p:cNvGrpSpPr/>
+        <p:nvPr/>
+      </p:nvGrpSpPr>
+      <p:grpSpPr>
+        <a:xfrm>
+          <a:off x="0" y="0"/>
+          <a:ext cx="0" cy="0"/>
+          <a:chOff x="0" y="0"/>
+          <a:chExt cx="0" cy="0"/>
+        </a:xfrm>
+      </p:grpSpPr>
+      <p:sp>
+        <p:nvSpPr>
+          <p:cNvPr id="2" name="Title 1"/>
+          <p:cNvSpPr>
+            <a:spLocks noGrp="1"/>
+          </p:cNvSpPr>
+          <p:nvPr>
+            <p:ph type="title"/>
+          </p:nvPr>
+        </p:nvSpPr>
+        <p:spPr/>
+        <p:txBody>
+          <a:bodyPr/>
+          <a:lstStyle/>
+          <a:p>
+            <a:endParaRPr lang="en-US" dirty="0"/>
+          </a:p>
+        </p:txBody>
+      </p:sp>
+      <p:sp>
+        <p:nvSpPr>
+          <p:cNvPr id="3" name="Text Placeholder 2"/>
+          <p:cNvSpPr>
+            <a:spLocks noGrp="1"/>
+          </p:cNvSpPr>
+          <p:nvPr>
+            <p:ph type="body" sz="quarter" idx="10"/>
+          </p:nvPr>
+        </p:nvSpPr>
+        <p:spPr/>
+        <p:txBody>
+          <a:bodyPr>
+            <a:normAutofit/>
+          </a:bodyPr>
+          <a:lstStyle/>
+          <a:p>
+            <a:pPr marL="0" marR="0" lvl="0" indent="0" defTabSz="914400" eaLnBrk="1" fontAlgn="auto" latinLnBrk="0" hangingPunct="1">
+              <a:lnSpc>
+                <a:spcPct val="100000"/>
+              </a:lnSpc>
+              <a:spcBef>
+                <a:spcPts val="0"/>
+              </a:spcBef>
+              <a:spcAft>
+                <a:spcPts val="0"/>
+              </a:spcAft>
+              <a:buClrTx/>
+              <a:buSzTx/>
+              <a:buFontTx/>
+              <a:buNone/>
+              <a:tabLst/>
+              <a:defRPr/>
+            </a:pPr>
+            <a:endParaRPr lang="en-US" dirty="0"/>
+          </a:p>
+        </p:txBody>
+      </p:sp>
+      <p:sp>
+        <p:nvSpPr>
+          <p:cNvPr id="4" name="Text Placeholder 3"/>
+          <p:cNvSpPr>
+            <a:spLocks noGrp="1"/>
+          </p:cNvSpPr>
+          <p:nvPr>
+            <p:ph type="body" sz="quarter" idx="12"/>
+          </p:nvPr>
+        </p:nvSpPr>
+        <p:spPr/>
+        <p:txBody>
+          <a:bodyPr/>
+          <a:lstStyle/>
+          <a:p>
+            <a:r>
+              <a:rPr lang="en-US" dirty="0" err="1" smtClean="0"/>
+              <a:t>Hystrix</a:t>
+            </a:r>
+            <a:endParaRPr lang="en-US" dirty="0"/>
+          </a:p>
+        </p:txBody>
+      </p:sp>
+      <p:sp>
+        <p:nvSpPr>
+          <p:cNvPr id="6" name="TextBox 5"/>
+          <p:cNvSpPr txBox="1"/>
+          <p:nvPr/>
+        </p:nvSpPr>
+        <p:spPr>
+          <a:xfrm>
+            <a:off x="2836190" y="3471620"/>
+            <a:ext cx="914400" cy="914400"/>
+          </a:xfrm>
+          <a:prstGeom prst="rect">
+            <a:avLst/>
+          </a:prstGeom>
+          <a:noFill/>
+          <a:ln>
+            <a:noFill/>
+          </a:ln>
+        </p:spPr>
+        <p:txBody>
+          <a:bodyPr vert="horz" wrap="none" lIns="91440" tIns="45720" rIns="91440" bIns="45720" rtlCol="0" anchor="ctr">
+            <a:normAutofit/>
+          </a:bodyPr>
+          <a:lstStyle/>
+          <a:p>
+            <a:endParaRPr lang="en-US" dirty="0" smtClean="0"/>
+          </a:p>
+        </p:txBody>
+      </p:sp>
+      <p:pic>
+        <p:nvPicPr>
+          <p:cNvPr id="5" name="Picture 4"/>
+          <p:cNvPicPr>
+            <a:picLocks noChangeAspect="1"/>
+          </p:cNvPicPr>
+          <p:nvPr/>
+        </p:nvPicPr>
+        <p:blipFill>
+          <a:blip r:embed="rId3"/>
+          <a:stretch>
+            <a:fillRect/>
+          </a:stretch>
+        </p:blipFill>
+        <p:spPr>
+          <a:xfrm>
+            <a:off x="2402633" y="457200"/>
+            <a:ext cx="4049486" cy="6096000"/>
+          </a:xfrm>
+          <a:prstGeom prst="rect">
+            <a:avLst/>
+          </a:prstGeom>
+        </p:spPr>
+      </p:pic>
+    </p:spTree>
+    <p:extLst>
+      <p:ext uri="{BB962C8B-B14F-4D97-AF65-F5344CB8AC3E}">
+        <p14:creationId xmlns:p14="http://schemas.microsoft.com/office/powerpoint/2010/main" val="289785791"/>
+      </p:ext>
+    </p:extLst>
+  </p:cSld>
+  <p:clrMapOvr>
+    <a:masterClrMapping/>
+  </p:clrMapOvr>
+  <p:timing>
+    <p:tnLst>
+      <p:par>
+        <p:cTn id="1" dur="indefinite" restart="never" nodeType="tmRoot"/>
+      </p:par>
+    </p:tnLst>
+  </p:timing>
+</p:sld>
+</file>
+
+<file path=ppt/slides/slide7.xml><?xml version="1.0" encoding="utf-8"?>
+<p:sld xmlns:a="http://schemas.openxmlformats.org/drawingml/2006/main" xmlns:r="http://schemas.openxmlformats.org/officeDocument/2006/relationships" xmlns:p="http://schemas.openxmlformats.org/presentationml/2006/main">
+  <p:cSld>
+    <p:spTree>
+      <p:nvGrpSpPr>
+        <p:cNvPr id="1" name=""/>
+        <p:cNvGrpSpPr/>
+        <p:nvPr/>
+      </p:nvGrpSpPr>
+      <p:grpSpPr>
+        <a:xfrm>
+          <a:off x="0" y="0"/>
+          <a:ext cx="0" cy="0"/>
+          <a:chOff x="0" y="0"/>
+          <a:chExt cx="0" cy="0"/>
+        </a:xfrm>
+      </p:grpSpPr>
+      <p:sp>
+        <p:nvSpPr>
+          <p:cNvPr id="2" name="Title 1"/>
+          <p:cNvSpPr>
+            <a:spLocks noGrp="1"/>
+          </p:cNvSpPr>
+          <p:nvPr>
+            <p:ph type="title"/>
+          </p:nvPr>
+        </p:nvSpPr>
+        <p:spPr/>
+        <p:txBody>
+          <a:bodyPr/>
+          <a:lstStyle/>
+          <a:p>
+            <a:endParaRPr lang="en-US" dirty="0"/>
+          </a:p>
+        </p:txBody>
+      </p:sp>
+      <p:sp>
+        <p:nvSpPr>
+          <p:cNvPr id="3" name="Text Placeholder 2"/>
+          <p:cNvSpPr>
+            <a:spLocks noGrp="1"/>
+          </p:cNvSpPr>
+          <p:nvPr>
+            <p:ph type="body" sz="quarter" idx="10"/>
+          </p:nvPr>
+        </p:nvSpPr>
+        <p:spPr/>
+        <p:txBody>
+          <a:bodyPr>
+            <a:normAutofit/>
+          </a:bodyPr>
+          <a:lstStyle/>
+          <a:p>
+            <a:pPr marL="0" marR="0" lvl="0" indent="0" defTabSz="914400" eaLnBrk="1" fontAlgn="auto" latinLnBrk="0" hangingPunct="1">
+              <a:lnSpc>
+                <a:spcPct val="100000"/>
+              </a:lnSpc>
+              <a:spcBef>
+                <a:spcPts val="0"/>
+              </a:spcBef>
+              <a:spcAft>
+                <a:spcPts val="0"/>
+              </a:spcAft>
+              <a:buClrTx/>
+              <a:buSzTx/>
+              <a:buFontTx/>
+              <a:buNone/>
+              <a:tabLst/>
+              <a:defRPr/>
+            </a:pPr>
+            <a:endParaRPr lang="en-US" dirty="0"/>
+          </a:p>
+        </p:txBody>
+      </p:sp>
+      <p:sp>
+        <p:nvSpPr>
+          <p:cNvPr id="4" name="Text Placeholder 3"/>
+          <p:cNvSpPr>
+            <a:spLocks noGrp="1"/>
+          </p:cNvSpPr>
+          <p:nvPr>
+            <p:ph type="body" sz="quarter" idx="12"/>
+          </p:nvPr>
+        </p:nvSpPr>
+        <p:spPr/>
+        <p:txBody>
+          <a:bodyPr/>
+          <a:lstStyle/>
+          <a:p>
+            <a:r>
+              <a:rPr lang="en-US" dirty="0" err="1" smtClean="0"/>
+              <a:t>Hystrix</a:t>
+            </a:r>
+            <a:endParaRPr lang="en-US" dirty="0"/>
+          </a:p>
+        </p:txBody>
+      </p:sp>
+      <p:sp>
+        <p:nvSpPr>
+          <p:cNvPr id="6" name="TextBox 5"/>
+          <p:cNvSpPr txBox="1"/>
+          <p:nvPr/>
+        </p:nvSpPr>
+        <p:spPr>
+          <a:xfrm>
+            <a:off x="2836190" y="3471620"/>
+            <a:ext cx="914400" cy="914400"/>
+          </a:xfrm>
+          <a:prstGeom prst="rect">
+            <a:avLst/>
+          </a:prstGeom>
+          <a:noFill/>
+          <a:ln>
+            <a:noFill/>
+          </a:ln>
+        </p:spPr>
+        <p:txBody>
+          <a:bodyPr vert="horz" wrap="none" lIns="91440" tIns="45720" rIns="91440" bIns="45720" rtlCol="0" anchor="ctr">
+            <a:normAutofit/>
+          </a:bodyPr>
+          <a:lstStyle/>
+          <a:p>
+            <a:endParaRPr lang="en-US" dirty="0" smtClean="0"/>
+          </a:p>
+        </p:txBody>
+      </p:sp>
+      <p:pic>
+        <p:nvPicPr>
+          <p:cNvPr id="9" name="Picture 8"/>
+          <p:cNvPicPr>
+            <a:picLocks noChangeAspect="1"/>
+          </p:cNvPicPr>
+          <p:nvPr/>
+        </p:nvPicPr>
+        <p:blipFill>
+          <a:blip r:embed="rId3"/>
+          <a:stretch>
+            <a:fillRect/>
+          </a:stretch>
+        </p:blipFill>
+        <p:spPr>
+          <a:xfrm>
+            <a:off x="635000" y="1854200"/>
+            <a:ext cx="7874000" cy="3149600"/>
+          </a:xfrm>
+          <a:prstGeom prst="rect">
+            <a:avLst/>
+          </a:prstGeom>
+        </p:spPr>
+      </p:pic>
+    </p:spTree>
+    <p:extLst>
+      <p:ext uri="{BB962C8B-B14F-4D97-AF65-F5344CB8AC3E}">
+        <p14:creationId xmlns:p14="http://schemas.microsoft.com/office/powerpoint/2010/main" val="2036166870"/>
+      </p:ext>
+    </p:extLst>
+  </p:cSld>
+  <p:clrMapOvr>
+    <a:masterClrMapping/>
+  </p:clrMapOvr>
+  <p:timing>
+    <p:tnLst>
+      <p:par>
+        <p:cTn id="1" dur="indefinite" restart="never" nodeType="tmRoot"/>
+      </p:par>
+    </p:tnLst>
+  </p:timing>
+</p:sld>
+</file>
+
+<file path=ppt/slides/slide8.xml><?xml version="1.0" encoding="utf-8"?>
+<p:sld xmlns:a="http://schemas.openxmlformats.org/drawingml/2006/main" xmlns:r="http://schemas.openxmlformats.org/officeDocument/2006/relationships" xmlns:p="http://schemas.openxmlformats.org/presentationml/2006/main">
+  <p:cSld>
+    <p:spTree>
+      <p:nvGrpSpPr>
+        <p:cNvPr id="1" name=""/>
+        <p:cNvGrpSpPr/>
+        <p:nvPr/>
+      </p:nvGrpSpPr>
+      <p:grpSpPr>
+        <a:xfrm>
+          <a:off x="0" y="0"/>
+          <a:ext cx="0" cy="0"/>
+          <a:chOff x="0" y="0"/>
+          <a:chExt cx="0" cy="0"/>
+        </a:xfrm>
+      </p:grpSpPr>
+      <p:sp>
+        <p:nvSpPr>
+          <p:cNvPr id="2" name="Title 1"/>
+          <p:cNvSpPr>
+            <a:spLocks noGrp="1"/>
+          </p:cNvSpPr>
+          <p:nvPr>
+            <p:ph type="title"/>
+          </p:nvPr>
+        </p:nvSpPr>
+        <p:spPr/>
+        <p:txBody>
+          <a:bodyPr/>
+          <a:lstStyle/>
+          <a:p>
+            <a:r>
+              <a:rPr lang="en-US" dirty="0" smtClean="0"/>
+              <a:t>Additional interesting configuration:</a:t>
+            </a:r>
+            <a:endParaRPr lang="en-US" dirty="0"/>
+          </a:p>
+        </p:txBody>
+      </p:sp>
+      <p:sp>
+        <p:nvSpPr>
+          <p:cNvPr id="3" name="Text Placeholder 2"/>
+          <p:cNvSpPr>
+            <a:spLocks noGrp="1"/>
+          </p:cNvSpPr>
+          <p:nvPr>
+            <p:ph type="body" sz="quarter" idx="10"/>
+          </p:nvPr>
+        </p:nvSpPr>
+        <p:spPr/>
+        <p:txBody>
+          <a:bodyPr>
+            <a:normAutofit/>
+          </a:bodyPr>
+          <a:lstStyle/>
+          <a:p>
+            <a:pPr>
+              <a:spcBef>
+                <a:spcPts val="0"/>
+              </a:spcBef>
+              <a:defRPr/>
+            </a:pPr>
+            <a:r>
+              <a:rPr lang="en-US" dirty="0" err="1" smtClean="0"/>
+              <a:t>timeoutInMilliseconds</a:t>
+            </a:r>
+            <a:r>
+              <a:rPr lang="en-US" dirty="0" smtClean="0"/>
+              <a:t> (1000)</a:t>
+            </a:r>
+          </a:p>
+          <a:p>
+            <a:pPr>
+              <a:spcBef>
+                <a:spcPts val="0"/>
+              </a:spcBef>
+              <a:defRPr/>
+            </a:pPr>
+            <a:r>
+              <a:rPr lang="en-US" dirty="0" err="1" smtClean="0"/>
+              <a:t>requestVolumeThreshold</a:t>
+            </a:r>
+            <a:r>
+              <a:rPr lang="en-US" dirty="0" smtClean="0"/>
+              <a:t> (20)</a:t>
+            </a:r>
+            <a:endParaRPr lang="en-US" dirty="0"/>
+          </a:p>
+          <a:p>
+            <a:pPr>
+              <a:spcBef>
+                <a:spcPts val="0"/>
+              </a:spcBef>
+              <a:defRPr/>
+            </a:pPr>
+            <a:r>
+              <a:rPr lang="en-US" dirty="0" err="1" smtClean="0"/>
+              <a:t>sleepWindowInMilliseconds</a:t>
+            </a:r>
+            <a:r>
+              <a:rPr lang="en-US" dirty="0" smtClean="0"/>
+              <a:t> (5000)</a:t>
+            </a:r>
+            <a:endParaRPr lang="en-US" dirty="0"/>
+          </a:p>
+          <a:p>
+            <a:pPr>
+              <a:spcBef>
+                <a:spcPts val="0"/>
+              </a:spcBef>
+              <a:defRPr/>
+            </a:pPr>
+            <a:r>
+              <a:rPr lang="en-US" dirty="0" err="1" smtClean="0"/>
+              <a:t>errorThresholdPercentage</a:t>
+            </a:r>
+            <a:r>
+              <a:rPr lang="en-US" dirty="0" smtClean="0"/>
+              <a:t> (50)</a:t>
+            </a:r>
+            <a:endParaRPr lang="en-US" dirty="0"/>
+          </a:p>
+          <a:p>
+            <a:pPr>
+              <a:spcBef>
+                <a:spcPts val="0"/>
+              </a:spcBef>
+              <a:defRPr/>
+            </a:pPr>
+            <a:endParaRPr lang="en-US" dirty="0"/>
+          </a:p>
+          <a:p>
+            <a:pPr marL="0" marR="0" lvl="0" indent="0" defTabSz="914400" eaLnBrk="1" fontAlgn="auto" latinLnBrk="0" hangingPunct="1">
+              <a:lnSpc>
+                <a:spcPct val="100000"/>
+              </a:lnSpc>
+              <a:spcBef>
+                <a:spcPts val="0"/>
+              </a:spcBef>
+              <a:spcAft>
+                <a:spcPts val="0"/>
+              </a:spcAft>
+              <a:buClrTx/>
+              <a:buSzTx/>
+              <a:buFontTx/>
+              <a:buNone/>
+              <a:tabLst/>
+              <a:defRPr/>
+            </a:pPr>
+            <a:endParaRPr lang="en-US" dirty="0"/>
+          </a:p>
+        </p:txBody>
+      </p:sp>
+      <p:sp>
+        <p:nvSpPr>
+          <p:cNvPr id="4" name="Text Placeholder 3"/>
+          <p:cNvSpPr>
+            <a:spLocks noGrp="1"/>
+          </p:cNvSpPr>
+          <p:nvPr>
+            <p:ph type="body" sz="quarter" idx="12"/>
+          </p:nvPr>
+        </p:nvSpPr>
+        <p:spPr/>
+        <p:txBody>
+          <a:bodyPr/>
+          <a:lstStyle/>
+          <a:p>
+            <a:r>
+              <a:rPr lang="en-US" dirty="0" err="1" smtClean="0"/>
+              <a:t>Hystrix</a:t>
+            </a:r>
+            <a:endParaRPr lang="en-US" dirty="0"/>
+          </a:p>
+        </p:txBody>
+      </p:sp>
+      <p:sp>
+        <p:nvSpPr>
+          <p:cNvPr id="6" name="TextBox 5"/>
+          <p:cNvSpPr txBox="1"/>
+          <p:nvPr/>
+        </p:nvSpPr>
+        <p:spPr>
+          <a:xfrm>
+            <a:off x="2836190" y="3471620"/>
+            <a:ext cx="914400" cy="914400"/>
+          </a:xfrm>
+          <a:prstGeom prst="rect">
+            <a:avLst/>
+          </a:prstGeom>
+          <a:noFill/>
+          <a:ln>
+            <a:noFill/>
+          </a:ln>
+        </p:spPr>
+        <p:txBody>
+          <a:bodyPr vert="horz" wrap="none" lIns="91440" tIns="45720" rIns="91440" bIns="45720" rtlCol="0" anchor="ctr">
+            <a:normAutofit/>
+          </a:bodyPr>
+          <a:lstStyle/>
+          <a:p>
+            <a:endParaRPr lang="en-US" dirty="0" smtClean="0"/>
+          </a:p>
+        </p:txBody>
+      </p:sp>
+    </p:spTree>
+    <p:extLst>
+      <p:ext uri="{BB962C8B-B14F-4D97-AF65-F5344CB8AC3E}">
+        <p14:creationId xmlns:p14="http://schemas.microsoft.com/office/powerpoint/2010/main" val="1574543192"/>
       </p:ext>
     </p:extLst>
   </p:cSld>
@@ -2832,6 +5288,25 @@
 </file>
 
 <file path=customXml/item1.xml><?xml version="1.0" encoding="utf-8"?>
+<p:properties xmlns:p="http://schemas.microsoft.com/office/2006/metadata/properties" xmlns:xsi="http://www.w3.org/2001/XMLSchema-instance" xmlns:pc="http://schemas.microsoft.com/office/infopath/2007/PartnerControls">
+  <documentManagement>
+    <CV_x0020_Vertical xmlns="1c258580-1f67-4ffd-aa27-dcf04f590ca5">
+      <Value>Cars</Value>
+    </CV_x0020_Vertical>
+    <Vertical xmlns="9fe4fb5c-240b-46ce-9978-ffcfcfcf7c56">Cars</Vertical>
+    <PublishingExpirationDate xmlns="http://schemas.microsoft.com/sharepoint/v3" xsi:nil="true"/>
+    <PublishingStartDate xmlns="http://schemas.microsoft.com/sharepoint/v3" xsi:nil="true"/>
+    <Category xmlns="9fe4fb5c-240b-46ce-9978-ffcfcfcf7c56">Template</Category>
+    <_dlc_DocId xmlns="2c5d6657-27cd-44c4-b2f7-fcf765a6665c">YFYYVRUUR4R6-84-56</_dlc_DocId>
+    <_dlc_DocIdUrl xmlns="2c5d6657-27cd-44c4-b2f7-fcf765a6665c">
+      <Url>https://intranet.cars.com/communications/_layouts/DocIdRedir.aspx?ID=YFYYVRUUR4R6-84-56</Url>
+      <Description>YFYYVRUUR4R6-84-56</Description>
+    </_dlc_DocIdUrl>
+  </documentManagement>
+</p:properties>
+</file>
+
+<file path=customXml/item2.xml><?xml version="1.0" encoding="utf-8"?>
 <ct:contentTypeSchema xmlns:ct="http://schemas.microsoft.com/office/2006/metadata/contentType" xmlns:ma="http://schemas.microsoft.com/office/2006/metadata/properties/metaAttributes" ct:_="" ma:_="" ma:contentTypeName="Document" ma:contentTypeID="0x010100D274F48EAD1B3841AC9A0802B0A1E531" ma:contentTypeVersion="4" ma:contentTypeDescription="Create a new document." ma:contentTypeScope="" ma:versionID="31a2d1013e38c6efbe6ab52320b98526">
   <xsd:schema xmlns:xsd="http://www.w3.org/2001/XMLSchema" xmlns:xs="http://www.w3.org/2001/XMLSchema" xmlns:p="http://schemas.microsoft.com/office/2006/metadata/properties" xmlns:ns1="http://schemas.microsoft.com/sharepoint/v3" xmlns:ns2="2c5d6657-27cd-44c4-b2f7-fcf765a6665c" xmlns:ns3="1c258580-1f67-4ffd-aa27-dcf04f590ca5" xmlns:ns4="9fe4fb5c-240b-46ce-9978-ffcfcfcf7c56" targetNamespace="http://schemas.microsoft.com/office/2006/metadata/properties" ma:root="true" ma:fieldsID="8c8f0e3985cbab06d7919d021c008c64" ns1:_="" ns2:_="" ns3:_="" ns4:_="">
     <xsd:import namespace="http://schemas.microsoft.com/sharepoint/v3"/>
@@ -3044,7 +5519,7 @@
 </ct:contentTypeSchema>
 </file>
 
-<file path=customXml/item2.xml><?xml version="1.0" encoding="utf-8"?>
+<file path=customXml/item3.xml><?xml version="1.0" encoding="utf-8"?>
 <?mso-contentType ?>
 <FormTemplates xmlns="http://schemas.microsoft.com/sharepoint/v3/contenttype/forms">
   <Display>DocumentLibraryForm</Display>
@@ -3053,7 +5528,7 @@
 </FormTemplates>
 </file>
 
-<file path=customXml/item3.xml><?xml version="1.0" encoding="utf-8"?>
+<file path=customXml/item4.xml><?xml version="1.0" encoding="utf-8"?>
 <?mso-contentType ?>
 <spe:Receivers xmlns:spe="http://schemas.microsoft.com/sharepoint/events">
   <Receiver>
@@ -3099,26 +5574,20 @@
 </spe:Receivers>
 </file>
 
-<file path=customXml/item4.xml><?xml version="1.0" encoding="utf-8"?>
-<p:properties xmlns:p="http://schemas.microsoft.com/office/2006/metadata/properties" xmlns:xsi="http://www.w3.org/2001/XMLSchema-instance" xmlns:pc="http://schemas.microsoft.com/office/infopath/2007/PartnerControls">
-  <documentManagement>
-    <CV_x0020_Vertical xmlns="1c258580-1f67-4ffd-aa27-dcf04f590ca5">
-      <Value>Cars</Value>
-    </CV_x0020_Vertical>
-    <Vertical xmlns="9fe4fb5c-240b-46ce-9978-ffcfcfcf7c56">Cars</Vertical>
-    <PublishingExpirationDate xmlns="http://schemas.microsoft.com/sharepoint/v3" xsi:nil="true"/>
-    <PublishingStartDate xmlns="http://schemas.microsoft.com/sharepoint/v3" xsi:nil="true"/>
-    <Category xmlns="9fe4fb5c-240b-46ce-9978-ffcfcfcf7c56">Template</Category>
-    <_dlc_DocId xmlns="2c5d6657-27cd-44c4-b2f7-fcf765a6665c">YFYYVRUUR4R6-84-56</_dlc_DocId>
-    <_dlc_DocIdUrl xmlns="2c5d6657-27cd-44c4-b2f7-fcf765a6665c">
-      <Url>https://intranet.cars.com/communications/_layouts/DocIdRedir.aspx?ID=YFYYVRUUR4R6-84-56</Url>
-      <Description>YFYYVRUUR4R6-84-56</Description>
-    </_dlc_DocIdUrl>
-  </documentManagement>
-</p:properties>
+<file path=customXml/itemProps1.xml><?xml version="1.0" encoding="utf-8"?>
+<ds:datastoreItem xmlns:ds="http://schemas.openxmlformats.org/officeDocument/2006/customXml" ds:itemID="{F288FA0F-02A7-485B-A84F-41F6301A2063}">
+  <ds:schemaRefs>
+    <ds:schemaRef ds:uri="http://schemas.microsoft.com/office/2006/metadata/properties"/>
+    <ds:schemaRef ds:uri="http://schemas.microsoft.com/office/infopath/2007/PartnerControls"/>
+    <ds:schemaRef ds:uri="1c258580-1f67-4ffd-aa27-dcf04f590ca5"/>
+    <ds:schemaRef ds:uri="9fe4fb5c-240b-46ce-9978-ffcfcfcf7c56"/>
+    <ds:schemaRef ds:uri="http://schemas.microsoft.com/sharepoint/v3"/>
+    <ds:schemaRef ds:uri="2c5d6657-27cd-44c4-b2f7-fcf765a6665c"/>
+  </ds:schemaRefs>
+</ds:datastoreItem>
 </file>
 
-<file path=customXml/itemProps1.xml><?xml version="1.0" encoding="utf-8"?>
+<file path=customXml/itemProps2.xml><?xml version="1.0" encoding="utf-8"?>
 <ds:datastoreItem xmlns:ds="http://schemas.openxmlformats.org/officeDocument/2006/customXml" ds:itemID="{1C4C6E20-A887-4716-971A-55987674A5A4}">
   <ds:schemaRefs>
     <ds:schemaRef ds:uri="http://schemas.microsoft.com/office/2006/metadata/contentType"/>
@@ -3139,7 +5608,7 @@
 </ds:datastoreItem>
 </file>
 
-<file path=customXml/itemProps2.xml><?xml version="1.0" encoding="utf-8"?>
+<file path=customXml/itemProps3.xml><?xml version="1.0" encoding="utf-8"?>
 <ds:datastoreItem xmlns:ds="http://schemas.openxmlformats.org/officeDocument/2006/customXml" ds:itemID="{A77187B1-29AF-4938-99E4-34794B992C82}">
   <ds:schemaRefs>
     <ds:schemaRef ds:uri="http://schemas.microsoft.com/sharepoint/v3/contenttype/forms"/>
@@ -3147,23 +5616,10 @@
 </ds:datastoreItem>
 </file>
 
-<file path=customXml/itemProps3.xml><?xml version="1.0" encoding="utf-8"?>
+<file path=customXml/itemProps4.xml><?xml version="1.0" encoding="utf-8"?>
 <ds:datastoreItem xmlns:ds="http://schemas.openxmlformats.org/officeDocument/2006/customXml" ds:itemID="{19F753BB-C741-4CBA-8CC5-A941C3D3D6B6}">
   <ds:schemaRefs>
     <ds:schemaRef ds:uri="http://schemas.microsoft.com/sharepoint/events"/>
   </ds:schemaRefs>
 </ds:datastoreItem>
-</file>
-
-<file path=customXml/itemProps4.xml><?xml version="1.0" encoding="utf-8"?>
-<ds:datastoreItem xmlns:ds="http://schemas.openxmlformats.org/officeDocument/2006/customXml" ds:itemID="{F288FA0F-02A7-485B-A84F-41F6301A2063}">
-  <ds:schemaRefs>
-    <ds:schemaRef ds:uri="http://schemas.microsoft.com/office/2006/metadata/properties"/>
-    <ds:schemaRef ds:uri="http://schemas.microsoft.com/office/infopath/2007/PartnerControls"/>
-    <ds:schemaRef ds:uri="1c258580-1f67-4ffd-aa27-dcf04f590ca5"/>
-    <ds:schemaRef ds:uri="9fe4fb5c-240b-46ce-9978-ffcfcfcf7c56"/>
-    <ds:schemaRef ds:uri="http://schemas.microsoft.com/sharepoint/v3"/>
-    <ds:schemaRef ds:uri="2c5d6657-27cd-44c4-b2f7-fcf765a6665c"/>
-  </ds:schemaRefs>
-</ds:datastoreItem>
 </file>
--- a/hystrix-demo/demo-slides.pptx
+++ b/hystrix-demo/demo-slides.pptx
@@ -2,23 +2,20 @@
 <file path=ppt/presentation.xml><?xml version="1.0" encoding="utf-8"?>
 <p:presentation xmlns:a="http://schemas.openxmlformats.org/drawingml/2006/main" xmlns:r="http://schemas.openxmlformats.org/officeDocument/2006/relationships" xmlns:p="http://schemas.openxmlformats.org/presentationml/2006/main" saveSubsetFonts="1">
   <p:sldMasterIdLst>
-    <p:sldMasterId id="2147483648" r:id="rId5"/>
+    <p:sldMasterId id="2147483648" r:id="rId1"/>
   </p:sldMasterIdLst>
   <p:notesMasterIdLst>
-    <p:notesMasterId r:id="rId14"/>
+    <p:notesMasterId r:id="rId10"/>
   </p:notesMasterIdLst>
-  <p:handoutMasterIdLst>
-    <p:handoutMasterId r:id="rId15"/>
-  </p:handoutMasterIdLst>
   <p:sldIdLst>
-    <p:sldId id="321" r:id="rId6"/>
-    <p:sldId id="322" r:id="rId7"/>
-    <p:sldId id="323" r:id="rId8"/>
-    <p:sldId id="324" r:id="rId9"/>
-    <p:sldId id="326" r:id="rId10"/>
-    <p:sldId id="328" r:id="rId11"/>
-    <p:sldId id="327" r:id="rId12"/>
-    <p:sldId id="329" r:id="rId13"/>
+    <p:sldId id="257" r:id="rId2"/>
+    <p:sldId id="260" r:id="rId3"/>
+    <p:sldId id="261" r:id="rId4"/>
+    <p:sldId id="262" r:id="rId5"/>
+    <p:sldId id="263" r:id="rId6"/>
+    <p:sldId id="264" r:id="rId7"/>
+    <p:sldId id="265" r:id="rId8"/>
+    <p:sldId id="266" r:id="rId9"/>
   </p:sldIdLst>
   <p:sldSz cx="9144000" cy="6858000" type="screen4x3"/>
   <p:notesSz cx="6858000" cy="9144000"/>
@@ -136,172 +133,6 @@
 </p:presentation>
 </file>
 
-<file path=ppt/handoutMasters/handoutMaster1.xml><?xml version="1.0" encoding="utf-8"?>
-<p:handoutMaster xmlns:a="http://schemas.openxmlformats.org/drawingml/2006/main" xmlns:r="http://schemas.openxmlformats.org/officeDocument/2006/relationships" xmlns:p="http://schemas.openxmlformats.org/presentationml/2006/main">
-  <p:cSld>
-    <p:bg>
-      <p:bgRef idx="1001">
-        <a:schemeClr val="bg1"/>
-      </p:bgRef>
-    </p:bg>
-    <p:spTree>
-      <p:nvGrpSpPr>
-        <p:cNvPr id="1" name=""/>
-        <p:cNvGrpSpPr/>
-        <p:nvPr/>
-      </p:nvGrpSpPr>
-      <p:grpSpPr>
-        <a:xfrm>
-          <a:off x="0" y="0"/>
-          <a:ext cx="0" cy="0"/>
-          <a:chOff x="0" y="0"/>
-          <a:chExt cx="0" cy="0"/>
-        </a:xfrm>
-      </p:grpSpPr>
-      <p:sp>
-        <p:nvSpPr>
-          <p:cNvPr id="2" name="Header Placeholder 1"/>
-          <p:cNvSpPr>
-            <a:spLocks noGrp="1"/>
-          </p:cNvSpPr>
-          <p:nvPr>
-            <p:ph type="hdr" sz="quarter"/>
-          </p:nvPr>
-        </p:nvSpPr>
-        <p:spPr>
-          <a:xfrm>
-            <a:off x="0" y="0"/>
-            <a:ext cx="2971800" cy="457200"/>
-          </a:xfrm>
-          <a:prstGeom prst="rect">
-            <a:avLst/>
-          </a:prstGeom>
-        </p:spPr>
-        <p:txBody>
-          <a:bodyPr vert="horz" lIns="91440" tIns="45720" rIns="91440" bIns="45720" rtlCol="0"/>
-          <a:lstStyle>
-            <a:lvl1pPr algn="l">
-              <a:defRPr sz="1200"/>
-            </a:lvl1pPr>
-          </a:lstStyle>
-          <a:p>
-            <a:endParaRPr lang="en-US" dirty="0"/>
-          </a:p>
-        </p:txBody>
-      </p:sp>
-      <p:sp>
-        <p:nvSpPr>
-          <p:cNvPr id="3" name="Date Placeholder 2"/>
-          <p:cNvSpPr>
-            <a:spLocks noGrp="1"/>
-          </p:cNvSpPr>
-          <p:nvPr>
-            <p:ph type="dt" sz="quarter" idx="1"/>
-          </p:nvPr>
-        </p:nvSpPr>
-        <p:spPr>
-          <a:xfrm>
-            <a:off x="3884613" y="0"/>
-            <a:ext cx="2971800" cy="457200"/>
-          </a:xfrm>
-          <a:prstGeom prst="rect">
-            <a:avLst/>
-          </a:prstGeom>
-        </p:spPr>
-        <p:txBody>
-          <a:bodyPr vert="horz" lIns="91440" tIns="45720" rIns="91440" bIns="45720" rtlCol="0"/>
-          <a:lstStyle>
-            <a:lvl1pPr algn="r">
-              <a:defRPr sz="1200"/>
-            </a:lvl1pPr>
-          </a:lstStyle>
-          <a:p>
-            <a:fld id="{453F977D-7D52-9B46-8AFC-FA73E52E1EA2}" type="datetimeFigureOut">
-              <a:rPr lang="en-US" smtClean="0"/>
-              <a:t>11/7/16</a:t>
-            </a:fld>
-            <a:endParaRPr lang="en-US" dirty="0"/>
-          </a:p>
-        </p:txBody>
-      </p:sp>
-      <p:sp>
-        <p:nvSpPr>
-          <p:cNvPr id="4" name="Footer Placeholder 3"/>
-          <p:cNvSpPr>
-            <a:spLocks noGrp="1"/>
-          </p:cNvSpPr>
-          <p:nvPr>
-            <p:ph type="ftr" sz="quarter" idx="2"/>
-          </p:nvPr>
-        </p:nvSpPr>
-        <p:spPr>
-          <a:xfrm>
-            <a:off x="0" y="8685213"/>
-            <a:ext cx="2971800" cy="457200"/>
-          </a:xfrm>
-          <a:prstGeom prst="rect">
-            <a:avLst/>
-          </a:prstGeom>
-        </p:spPr>
-        <p:txBody>
-          <a:bodyPr vert="horz" lIns="91440" tIns="45720" rIns="91440" bIns="45720" rtlCol="0" anchor="b"/>
-          <a:lstStyle>
-            <a:lvl1pPr algn="l">
-              <a:defRPr sz="1200"/>
-            </a:lvl1pPr>
-          </a:lstStyle>
-          <a:p>
-            <a:endParaRPr lang="en-US" dirty="0"/>
-          </a:p>
-        </p:txBody>
-      </p:sp>
-      <p:sp>
-        <p:nvSpPr>
-          <p:cNvPr id="5" name="Slide Number Placeholder 4"/>
-          <p:cNvSpPr>
-            <a:spLocks noGrp="1"/>
-          </p:cNvSpPr>
-          <p:nvPr>
-            <p:ph type="sldNum" sz="quarter" idx="3"/>
-          </p:nvPr>
-        </p:nvSpPr>
-        <p:spPr>
-          <a:xfrm>
-            <a:off x="3884613" y="8685213"/>
-            <a:ext cx="2971800" cy="457200"/>
-          </a:xfrm>
-          <a:prstGeom prst="rect">
-            <a:avLst/>
-          </a:prstGeom>
-        </p:spPr>
-        <p:txBody>
-          <a:bodyPr vert="horz" lIns="91440" tIns="45720" rIns="91440" bIns="45720" rtlCol="0" anchor="b"/>
-          <a:lstStyle>
-            <a:lvl1pPr algn="r">
-              <a:defRPr sz="1200"/>
-            </a:lvl1pPr>
-          </a:lstStyle>
-          <a:p>
-            <a:fld id="{BE9D9937-162B-7541-BDC0-E63FE2759DCC}" type="slidenum">
-              <a:rPr lang="en-US" smtClean="0"/>
-              <a:t>‹#›</a:t>
-            </a:fld>
-            <a:endParaRPr lang="en-US" dirty="0"/>
-          </a:p>
-        </p:txBody>
-      </p:sp>
-    </p:spTree>
-    <p:extLst>
-      <p:ext uri="{BB962C8B-B14F-4D97-AF65-F5344CB8AC3E}">
-        <p14:creationId xmlns:p14="http://schemas.microsoft.com/office/powerpoint/2010/main" val="4241590660"/>
-      </p:ext>
-    </p:extLst>
-  </p:cSld>
-  <p:clrMap bg1="lt1" tx1="dk1" bg2="lt2" tx2="dk2" accent1="accent1" accent2="accent2" accent3="accent3" accent4="accent4" accent5="accent5" accent6="accent6" hlink="hlink" folHlink="folHlink"/>
-  <p:hf hdr="0" ftr="0" dt="0"/>
-</p:handoutMaster>
-</file>
-
 <file path=ppt/notesMasters/notesMaster1.xml><?xml version="1.0" encoding="utf-8"?>
 <p:notesMaster xmlns:a="http://schemas.openxmlformats.org/drawingml/2006/main" xmlns:r="http://schemas.openxmlformats.org/officeDocument/2006/relationships" xmlns:p="http://schemas.openxmlformats.org/presentationml/2006/main">
   <p:cSld>
@@ -351,7 +182,7 @@
             </a:lvl1pPr>
           </a:lstStyle>
           <a:p>
-            <a:endParaRPr lang="en-US" dirty="0"/>
+            <a:endParaRPr lang="en-US"/>
           </a:p>
         </p:txBody>
       </p:sp>
@@ -382,11 +213,11 @@
             </a:lvl1pPr>
           </a:lstStyle>
           <a:p>
-            <a:fld id="{1E045D29-FAF8-2746-8E4F-DE3819056A42}" type="datetimeFigureOut">
+            <a:fld id="{EC8A2BE7-7790-4473-ACA7-2E7D92BE81C7}" type="datetimeFigureOut">
               <a:rPr lang="en-US" smtClean="0"/>
               <a:t>11/7/16</a:t>
             </a:fld>
-            <a:endParaRPr lang="en-US" dirty="0"/>
+            <a:endParaRPr lang="en-US"/>
           </a:p>
         </p:txBody>
       </p:sp>
@@ -419,7 +250,7 @@
           <a:bodyPr vert="horz" lIns="91440" tIns="45720" rIns="91440" bIns="45720" rtlCol="0" anchor="ctr"/>
           <a:lstStyle/>
           <a:p>
-            <a:endParaRPr lang="en-US" dirty="0"/>
+            <a:endParaRPr lang="en-US"/>
           </a:p>
         </p:txBody>
       </p:sp>
@@ -510,7 +341,7 @@
             </a:lvl1pPr>
           </a:lstStyle>
           <a:p>
-            <a:endParaRPr lang="en-US" dirty="0"/>
+            <a:endParaRPr lang="en-US"/>
           </a:p>
         </p:txBody>
       </p:sp>
@@ -541,25 +372,24 @@
             </a:lvl1pPr>
           </a:lstStyle>
           <a:p>
-            <a:fld id="{65A32FF3-A69B-B74C-A27F-B287F6153BB5}" type="slidenum">
+            <a:fld id="{CDFF7155-4804-4F1C-B784-85EC3599DB14}" type="slidenum">
               <a:rPr lang="en-US" smtClean="0"/>
               <a:t>‹#›</a:t>
             </a:fld>
-            <a:endParaRPr lang="en-US" dirty="0"/>
+            <a:endParaRPr lang="en-US"/>
           </a:p>
         </p:txBody>
       </p:sp>
     </p:spTree>
     <p:extLst>
       <p:ext uri="{BB962C8B-B14F-4D97-AF65-F5344CB8AC3E}">
-        <p14:creationId xmlns:p14="http://schemas.microsoft.com/office/powerpoint/2010/main" val="2692559317"/>
+        <p14:creationId xmlns:p14="http://schemas.microsoft.com/office/powerpoint/2010/main" val="1678667939"/>
       </p:ext>
     </p:extLst>
   </p:cSld>
   <p:clrMap bg1="lt1" tx1="dk1" bg2="lt2" tx2="dk2" accent1="accent1" accent2="accent2" accent3="accent3" accent4="accent4" accent5="accent5" accent6="accent6" hlink="hlink" folHlink="folHlink"/>
-  <p:hf hdr="0" ftr="0" dt="0"/>
   <p:notesStyle>
-    <a:lvl1pPr marL="0" algn="l" defTabSz="457200" rtl="0" eaLnBrk="1" latinLnBrk="0" hangingPunct="1">
+    <a:lvl1pPr marL="0" algn="l" defTabSz="914400" rtl="0" eaLnBrk="1" latinLnBrk="0" hangingPunct="1">
       <a:defRPr sz="1200" kern="1200">
         <a:solidFill>
           <a:schemeClr val="tx1"/>
@@ -569,7 +399,7 @@
         <a:cs typeface="+mn-cs"/>
       </a:defRPr>
     </a:lvl1pPr>
-    <a:lvl2pPr marL="457200" algn="l" defTabSz="457200" rtl="0" eaLnBrk="1" latinLnBrk="0" hangingPunct="1">
+    <a:lvl2pPr marL="457200" algn="l" defTabSz="914400" rtl="0" eaLnBrk="1" latinLnBrk="0" hangingPunct="1">
       <a:defRPr sz="1200" kern="1200">
         <a:solidFill>
           <a:schemeClr val="tx1"/>
@@ -579,7 +409,7 @@
         <a:cs typeface="+mn-cs"/>
       </a:defRPr>
     </a:lvl2pPr>
-    <a:lvl3pPr marL="914400" algn="l" defTabSz="457200" rtl="0" eaLnBrk="1" latinLnBrk="0" hangingPunct="1">
+    <a:lvl3pPr marL="914400" algn="l" defTabSz="914400" rtl="0" eaLnBrk="1" latinLnBrk="0" hangingPunct="1">
       <a:defRPr sz="1200" kern="1200">
         <a:solidFill>
           <a:schemeClr val="tx1"/>
@@ -589,7 +419,7 @@
         <a:cs typeface="+mn-cs"/>
       </a:defRPr>
     </a:lvl3pPr>
-    <a:lvl4pPr marL="1371600" algn="l" defTabSz="457200" rtl="0" eaLnBrk="1" latinLnBrk="0" hangingPunct="1">
+    <a:lvl4pPr marL="1371600" algn="l" defTabSz="914400" rtl="0" eaLnBrk="1" latinLnBrk="0" hangingPunct="1">
       <a:defRPr sz="1200" kern="1200">
         <a:solidFill>
           <a:schemeClr val="tx1"/>
@@ -599,7 +429,7 @@
         <a:cs typeface="+mn-cs"/>
       </a:defRPr>
     </a:lvl4pPr>
-    <a:lvl5pPr marL="1828800" algn="l" defTabSz="457200" rtl="0" eaLnBrk="1" latinLnBrk="0" hangingPunct="1">
+    <a:lvl5pPr marL="1828800" algn="l" defTabSz="914400" rtl="0" eaLnBrk="1" latinLnBrk="0" hangingPunct="1">
       <a:defRPr sz="1200" kern="1200">
         <a:solidFill>
           <a:schemeClr val="tx1"/>
@@ -609,7 +439,7 @@
         <a:cs typeface="+mn-cs"/>
       </a:defRPr>
     </a:lvl5pPr>
-    <a:lvl6pPr marL="2286000" algn="l" defTabSz="457200" rtl="0" eaLnBrk="1" latinLnBrk="0" hangingPunct="1">
+    <a:lvl6pPr marL="2286000" algn="l" defTabSz="914400" rtl="0" eaLnBrk="1" latinLnBrk="0" hangingPunct="1">
       <a:defRPr sz="1200" kern="1200">
         <a:solidFill>
           <a:schemeClr val="tx1"/>
@@ -619,7 +449,7 @@
         <a:cs typeface="+mn-cs"/>
       </a:defRPr>
     </a:lvl6pPr>
-    <a:lvl7pPr marL="2743200" algn="l" defTabSz="457200" rtl="0" eaLnBrk="1" latinLnBrk="0" hangingPunct="1">
+    <a:lvl7pPr marL="2743200" algn="l" defTabSz="914400" rtl="0" eaLnBrk="1" latinLnBrk="0" hangingPunct="1">
       <a:defRPr sz="1200" kern="1200">
         <a:solidFill>
           <a:schemeClr val="tx1"/>
@@ -629,7 +459,7 @@
         <a:cs typeface="+mn-cs"/>
       </a:defRPr>
     </a:lvl7pPr>
-    <a:lvl8pPr marL="3200400" algn="l" defTabSz="457200" rtl="0" eaLnBrk="1" latinLnBrk="0" hangingPunct="1">
+    <a:lvl8pPr marL="3200400" algn="l" defTabSz="914400" rtl="0" eaLnBrk="1" latinLnBrk="0" hangingPunct="1">
       <a:defRPr sz="1200" kern="1200">
         <a:solidFill>
           <a:schemeClr val="tx1"/>
@@ -639,7 +469,7 @@
         <a:cs typeface="+mn-cs"/>
       </a:defRPr>
     </a:lvl8pPr>
-    <a:lvl9pPr marL="3657600" algn="l" defTabSz="457200" rtl="0" eaLnBrk="1" latinLnBrk="0" hangingPunct="1">
+    <a:lvl9pPr marL="3657600" algn="l" defTabSz="914400" rtl="0" eaLnBrk="1" latinLnBrk="0" hangingPunct="1">
       <a:defRPr sz="1200" kern="1200">
         <a:solidFill>
           <a:schemeClr val="tx1"/>
@@ -716,18 +546,18 @@
           <a:bodyPr/>
           <a:lstStyle/>
           <a:p>
-            <a:fld id="{65A32FF3-A69B-B74C-A27F-B287F6153BB5}" type="slidenum">
+            <a:fld id="{CDFF7155-4804-4F1C-B784-85EC3599DB14}" type="slidenum">
               <a:rPr lang="en-US" smtClean="0"/>
-              <a:t>1</a:t>
+              <a:t>8</a:t>
             </a:fld>
-            <a:endParaRPr lang="en-US" dirty="0"/>
+            <a:endParaRPr lang="en-US"/>
           </a:p>
         </p:txBody>
       </p:sp>
     </p:spTree>
     <p:extLst>
       <p:ext uri="{BB962C8B-B14F-4D97-AF65-F5344CB8AC3E}">
-        <p14:creationId xmlns:p14="http://schemas.microsoft.com/office/powerpoint/2010/main" val="605568203"/>
+        <p14:creationId xmlns:p14="http://schemas.microsoft.com/office/powerpoint/2010/main" val="4930868"/>
       </p:ext>
     </p:extLst>
   </p:cSld>
@@ -737,9 +567,9 @@
 </p:notes>
 </file>
 
-<file path=ppt/notesSlides/notesSlide2.xml><?xml version="1.0" encoding="utf-8"?>
-<p:notes xmlns:a="http://schemas.openxmlformats.org/drawingml/2006/main" xmlns:r="http://schemas.openxmlformats.org/officeDocument/2006/relationships" xmlns:p="http://schemas.openxmlformats.org/presentationml/2006/main">
-  <p:cSld>
+<file path=ppt/slideLayouts/slideLayout1.xml><?xml version="1.0" encoding="utf-8"?>
+<p:sldLayout xmlns:a="http://schemas.openxmlformats.org/drawingml/2006/main" xmlns:r="http://schemas.openxmlformats.org/officeDocument/2006/relationships" xmlns:p="http://schemas.openxmlformats.org/presentationml/2006/main" preserve="1" userDrawn="1">
+  <p:cSld name="Title Slide">
     <p:spTree>
       <p:nvGrpSpPr>
         <p:cNvPr id="1" name=""/>
@@ -754,56 +584,191 @@
           <a:chExt cx="0" cy="0"/>
         </a:xfrm>
       </p:grpSpPr>
-      <p:sp>
-        <p:nvSpPr>
-          <p:cNvPr id="2" name="Slide Image Placeholder 1"/>
-          <p:cNvSpPr>
-            <a:spLocks noGrp="1" noRot="1" noChangeAspect="1"/>
-          </p:cNvSpPr>
-          <p:nvPr>
-            <p:ph type="sldImg"/>
-          </p:nvPr>
-        </p:nvSpPr>
-        <p:spPr/>
-      </p:sp>
-      <p:sp>
-        <p:nvSpPr>
-          <p:cNvPr id="3" name="Notes Placeholder 2"/>
+      <p:pic>
+        <p:nvPicPr>
+          <p:cNvPr id="7" name="Picture 6"/>
+          <p:cNvPicPr>
+            <a:picLocks noChangeAspect="1"/>
+          </p:cNvPicPr>
+          <p:nvPr userDrawn="1"/>
+        </p:nvPicPr>
+        <p:blipFill>
+          <a:blip r:embed="rId2" cstate="print">
+            <a:extLst>
+              <a:ext uri="{28A0092B-C50C-407E-A947-70E740481C1C}">
+                <a14:useLocalDpi xmlns:a14="http://schemas.microsoft.com/office/drawing/2010/main" val="0"/>
+              </a:ext>
+            </a:extLst>
+          </a:blip>
+          <a:stretch>
+            <a:fillRect/>
+          </a:stretch>
+        </p:blipFill>
+        <p:spPr>
+          <a:xfrm>
+            <a:off x="-76200" y="-228600"/>
+            <a:ext cx="9272315" cy="7162800"/>
+          </a:xfrm>
+          <a:prstGeom prst="rect">
+            <a:avLst/>
+          </a:prstGeom>
+        </p:spPr>
+      </p:pic>
+      <p:sp>
+        <p:nvSpPr>
+          <p:cNvPr id="11" name="Title 1"/>
           <p:cNvSpPr>
             <a:spLocks noGrp="1"/>
           </p:cNvSpPr>
           <p:nvPr>
-            <p:ph type="body" idx="1"/>
+            <p:ph type="ctrTitle" hasCustomPrompt="1"/>
           </p:nvPr>
         </p:nvSpPr>
-        <p:spPr/>
-        <p:txBody>
-          <a:bodyPr/>
-          <a:lstStyle/>
-          <a:p>
+        <p:spPr>
+          <a:xfrm>
+            <a:off x="2438400" y="2286000"/>
+            <a:ext cx="6400800" cy="990600"/>
+          </a:xfrm>
+        </p:spPr>
+        <p:txBody>
+          <a:bodyPr>
+            <a:normAutofit/>
+          </a:bodyPr>
+          <a:lstStyle>
+            <a:lvl1pPr algn="l">
+              <a:defRPr sz="4000">
+                <a:solidFill>
+                  <a:schemeClr val="bg1"/>
+                </a:solidFill>
+              </a:defRPr>
+            </a:lvl1pPr>
+          </a:lstStyle>
+          <a:p>
+            <a:r>
+              <a:rPr lang="en-US" dirty="0" smtClean="0"/>
+              <a:t>CLICK TO ADD TITLE</a:t>
+            </a:r>
             <a:endParaRPr lang="en-US" dirty="0"/>
           </a:p>
         </p:txBody>
       </p:sp>
       <p:sp>
         <p:nvSpPr>
-          <p:cNvPr id="4" name="Slide Number Placeholder 3"/>
+          <p:cNvPr id="13" name="Subtitle 2"/>
           <p:cNvSpPr>
             <a:spLocks noGrp="1"/>
           </p:cNvSpPr>
           <p:nvPr>
-            <p:ph type="sldNum" sz="quarter" idx="10"/>
+            <p:ph type="subTitle" idx="1"/>
           </p:nvPr>
         </p:nvSpPr>
-        <p:spPr/>
-        <p:txBody>
-          <a:bodyPr/>
-          <a:lstStyle/>
-          <a:p>
-            <a:fld id="{65A32FF3-A69B-B74C-A27F-B287F6153BB5}" type="slidenum">
+        <p:spPr>
+          <a:xfrm>
+            <a:off x="2438400" y="3429000"/>
+            <a:ext cx="6400800" cy="609600"/>
+          </a:xfrm>
+        </p:spPr>
+        <p:txBody>
+          <a:bodyPr>
+            <a:normAutofit/>
+          </a:bodyPr>
+          <a:lstStyle>
+            <a:lvl1pPr marL="0" indent="0" algn="l">
+              <a:buNone/>
+              <a:defRPr sz="3000">
+                <a:solidFill>
+                  <a:schemeClr val="tx1">
+                    <a:tint val="75000"/>
+                  </a:schemeClr>
+                </a:solidFill>
+              </a:defRPr>
+            </a:lvl1pPr>
+            <a:lvl2pPr marL="457200" indent="0" algn="ctr">
+              <a:buNone/>
+              <a:defRPr>
+                <a:solidFill>
+                  <a:schemeClr val="tx1">
+                    <a:tint val="75000"/>
+                  </a:schemeClr>
+                </a:solidFill>
+              </a:defRPr>
+            </a:lvl2pPr>
+            <a:lvl3pPr marL="914400" indent="0" algn="ctr">
+              <a:buNone/>
+              <a:defRPr>
+                <a:solidFill>
+                  <a:schemeClr val="tx1">
+                    <a:tint val="75000"/>
+                  </a:schemeClr>
+                </a:solidFill>
+              </a:defRPr>
+            </a:lvl3pPr>
+            <a:lvl4pPr marL="1371600" indent="0" algn="ctr">
+              <a:buNone/>
+              <a:defRPr>
+                <a:solidFill>
+                  <a:schemeClr val="tx1">
+                    <a:tint val="75000"/>
+                  </a:schemeClr>
+                </a:solidFill>
+              </a:defRPr>
+            </a:lvl4pPr>
+            <a:lvl5pPr marL="1828800" indent="0" algn="ctr">
+              <a:buNone/>
+              <a:defRPr>
+                <a:solidFill>
+                  <a:schemeClr val="tx1">
+                    <a:tint val="75000"/>
+                  </a:schemeClr>
+                </a:solidFill>
+              </a:defRPr>
+            </a:lvl5pPr>
+            <a:lvl6pPr marL="2286000" indent="0" algn="ctr">
+              <a:buNone/>
+              <a:defRPr>
+                <a:solidFill>
+                  <a:schemeClr val="tx1">
+                    <a:tint val="75000"/>
+                  </a:schemeClr>
+                </a:solidFill>
+              </a:defRPr>
+            </a:lvl6pPr>
+            <a:lvl7pPr marL="2743200" indent="0" algn="ctr">
+              <a:buNone/>
+              <a:defRPr>
+                <a:solidFill>
+                  <a:schemeClr val="tx1">
+                    <a:tint val="75000"/>
+                  </a:schemeClr>
+                </a:solidFill>
+              </a:defRPr>
+            </a:lvl7pPr>
+            <a:lvl8pPr marL="3200400" indent="0" algn="ctr">
+              <a:buNone/>
+              <a:defRPr>
+                <a:solidFill>
+                  <a:schemeClr val="tx1">
+                    <a:tint val="75000"/>
+                  </a:schemeClr>
+                </a:solidFill>
+              </a:defRPr>
+            </a:lvl8pPr>
+            <a:lvl9pPr marL="3657600" indent="0" algn="ctr">
+              <a:buNone/>
+              <a:defRPr>
+                <a:solidFill>
+                  <a:schemeClr val="tx1">
+                    <a:tint val="75000"/>
+                  </a:schemeClr>
+                </a:solidFill>
+              </a:defRPr>
+            </a:lvl9pPr>
+          </a:lstStyle>
+          <a:p>
+            <a:r>
               <a:rPr lang="en-US" smtClean="0"/>
-              <a:t>2</a:t>
-            </a:fld>
+              <a:t>Click to edit Master subtitle style</a:t>
+            </a:r>
             <a:endParaRPr lang="en-US" dirty="0"/>
           </a:p>
         </p:txBody>
@@ -811,19 +776,19 @@
     </p:spTree>
     <p:extLst>
       <p:ext uri="{BB962C8B-B14F-4D97-AF65-F5344CB8AC3E}">
-        <p14:creationId xmlns:p14="http://schemas.microsoft.com/office/powerpoint/2010/main" val="1446087664"/>
+        <p14:creationId xmlns:p14="http://schemas.microsoft.com/office/powerpoint/2010/main" val="944639801"/>
       </p:ext>
     </p:extLst>
   </p:cSld>
   <p:clrMapOvr>
     <a:masterClrMapping/>
   </p:clrMapOvr>
-</p:notes>
+</p:sldLayout>
 </file>
 
-<file path=ppt/notesSlides/notesSlide3.xml><?xml version="1.0" encoding="utf-8"?>
-<p:notes xmlns:a="http://schemas.openxmlformats.org/drawingml/2006/main" xmlns:r="http://schemas.openxmlformats.org/officeDocument/2006/relationships" xmlns:p="http://schemas.openxmlformats.org/presentationml/2006/main">
-  <p:cSld>
+<file path=ppt/slideLayouts/slideLayout2.xml><?xml version="1.0" encoding="utf-8"?>
+<p:sldLayout xmlns:a="http://schemas.openxmlformats.org/drawingml/2006/main" xmlns:r="http://schemas.openxmlformats.org/officeDocument/2006/relationships" xmlns:p="http://schemas.openxmlformats.org/presentationml/2006/main" preserve="1" userDrawn="1">
+  <p:cSld name="Custom Layout">
     <p:spTree>
       <p:nvGrpSpPr>
         <p:cNvPr id="1" name=""/>
@@ -838,93 +803,122 @@
           <a:chExt cx="0" cy="0"/>
         </a:xfrm>
       </p:grpSpPr>
-      <p:sp>
-        <p:nvSpPr>
-          <p:cNvPr id="2" name="Slide Image Placeholder 1"/>
-          <p:cNvSpPr>
-            <a:spLocks noGrp="1" noRot="1" noChangeAspect="1"/>
-          </p:cNvSpPr>
-          <p:nvPr>
-            <p:ph type="sldImg"/>
-          </p:nvPr>
-        </p:nvSpPr>
-        <p:spPr/>
-      </p:sp>
-      <p:sp>
-        <p:nvSpPr>
-          <p:cNvPr id="3" name="Notes Placeholder 2"/>
+      <p:pic>
+        <p:nvPicPr>
+          <p:cNvPr id="3" name="Picture 2"/>
+          <p:cNvPicPr>
+            <a:picLocks noChangeAspect="1"/>
+          </p:cNvPicPr>
+          <p:nvPr userDrawn="1"/>
+        </p:nvPicPr>
+        <p:blipFill>
+          <a:blip r:embed="rId2" cstate="print">
+            <a:extLst>
+              <a:ext uri="{28A0092B-C50C-407E-A947-70E740481C1C}">
+                <a14:useLocalDpi xmlns:a14="http://schemas.microsoft.com/office/drawing/2010/main" val="0"/>
+              </a:ext>
+            </a:extLst>
+          </a:blip>
+          <a:stretch>
+            <a:fillRect/>
+          </a:stretch>
+        </p:blipFill>
+        <p:spPr>
+          <a:xfrm>
+            <a:off x="0" y="-205678"/>
+            <a:ext cx="9144000" cy="7063678"/>
+          </a:xfrm>
+          <a:prstGeom prst="rect">
+            <a:avLst/>
+          </a:prstGeom>
+        </p:spPr>
+      </p:pic>
+      <p:sp>
+        <p:nvSpPr>
+          <p:cNvPr id="2" name="Title 1"/>
           <p:cNvSpPr>
             <a:spLocks noGrp="1"/>
           </p:cNvSpPr>
           <p:nvPr>
-            <p:ph type="body" idx="1"/>
+            <p:ph type="title" hasCustomPrompt="1"/>
           </p:nvPr>
         </p:nvSpPr>
-        <p:spPr/>
-        <p:txBody>
-          <a:bodyPr/>
+        <p:spPr>
+          <a:xfrm>
+            <a:off x="2438400" y="4495800"/>
+            <a:ext cx="6400800" cy="1143000"/>
+          </a:xfrm>
+        </p:spPr>
+        <p:txBody>
+          <a:bodyPr>
+            <a:normAutofit/>
+          </a:bodyPr>
+          <a:lstStyle>
+            <a:lvl1pPr algn="l">
+              <a:defRPr sz="4000">
+                <a:solidFill>
+                  <a:schemeClr val="bg1"/>
+                </a:solidFill>
+              </a:defRPr>
+            </a:lvl1pPr>
+          </a:lstStyle>
+          <a:p>
+            <a:r>
+              <a:rPr lang="en-US" dirty="0" smtClean="0"/>
+              <a:t>CLICK TO ADD TITLE</a:t>
+            </a:r>
+            <a:endParaRPr lang="en-US" dirty="0"/>
+          </a:p>
+        </p:txBody>
+      </p:sp>
+      <p:sp>
+        <p:nvSpPr>
+          <p:cNvPr id="4" name="TextBox 3"/>
+          <p:cNvSpPr txBox="1"/>
+          <p:nvPr userDrawn="1"/>
+        </p:nvSpPr>
+        <p:spPr>
+          <a:xfrm>
+            <a:off x="8686800" y="6629400"/>
+            <a:ext cx="457200" cy="215444"/>
+          </a:xfrm>
+          <a:prstGeom prst="rect">
+            <a:avLst/>
+          </a:prstGeom>
+          <a:noFill/>
+        </p:spPr>
+        <p:txBody>
+          <a:bodyPr wrap="square" rtlCol="0">
+            <a:spAutoFit/>
+          </a:bodyPr>
           <a:lstStyle/>
           <a:p>
-            <a:r>
-              <a:rPr lang="en-US" dirty="0" smtClean="0"/>
-              <a:t>General circuit concept</a:t>
-            </a:r>
-          </a:p>
-          <a:p>
-            <a:endParaRPr lang="en-US" dirty="0" smtClean="0"/>
-          </a:p>
-          <a:p>
-            <a:r>
-              <a:rPr lang="en-US" dirty="0" smtClean="0"/>
-              <a:t>Meaning in </a:t>
-            </a:r>
-            <a:r>
-              <a:rPr lang="en-US" dirty="0" err="1" smtClean="0"/>
-              <a:t>microservices</a:t>
-            </a:r>
-            <a:endParaRPr lang="en-US" dirty="0"/>
-          </a:p>
-        </p:txBody>
-      </p:sp>
-      <p:sp>
-        <p:nvSpPr>
-          <p:cNvPr id="4" name="Slide Number Placeholder 3"/>
-          <p:cNvSpPr>
-            <a:spLocks noGrp="1"/>
-          </p:cNvSpPr>
-          <p:nvPr>
-            <p:ph type="sldNum" sz="quarter" idx="10"/>
-          </p:nvPr>
-        </p:nvSpPr>
-        <p:spPr/>
-        <p:txBody>
-          <a:bodyPr/>
-          <a:lstStyle/>
-          <a:p>
-            <a:fld id="{65A32FF3-A69B-B74C-A27F-B287F6153BB5}" type="slidenum">
-              <a:rPr lang="en-US" smtClean="0"/>
-              <a:t>3</a:t>
+            <a:pPr algn="r"/>
+            <a:fld id="{3228AA4D-B010-4402-A720-B50DA9FF7B73}" type="slidenum">
+              <a:rPr lang="en-US" sz="800" smtClean="0"/>
+              <a:pPr algn="r"/>
+              <a:t>‹#›</a:t>
             </a:fld>
-            <a:endParaRPr lang="en-US" dirty="0"/>
+            <a:endParaRPr lang="en-US" sz="800" dirty="0"/>
           </a:p>
         </p:txBody>
       </p:sp>
     </p:spTree>
     <p:extLst>
       <p:ext uri="{BB962C8B-B14F-4D97-AF65-F5344CB8AC3E}">
-        <p14:creationId xmlns:p14="http://schemas.microsoft.com/office/powerpoint/2010/main" val="330526552"/>
+        <p14:creationId xmlns:p14="http://schemas.microsoft.com/office/powerpoint/2010/main" val="3405436421"/>
       </p:ext>
     </p:extLst>
   </p:cSld>
   <p:clrMapOvr>
     <a:masterClrMapping/>
   </p:clrMapOvr>
-</p:notes>
+</p:sldLayout>
 </file>
 
-<file path=ppt/notesSlides/notesSlide4.xml><?xml version="1.0" encoding="utf-8"?>
-<p:notes xmlns:a="http://schemas.openxmlformats.org/drawingml/2006/main" xmlns:r="http://schemas.openxmlformats.org/officeDocument/2006/relationships" xmlns:p="http://schemas.openxmlformats.org/presentationml/2006/main">
-  <p:cSld>
+<file path=ppt/slideLayouts/slideLayout3.xml><?xml version="1.0" encoding="utf-8"?>
+<p:sldLayout xmlns:a="http://schemas.openxmlformats.org/drawingml/2006/main" xmlns:r="http://schemas.openxmlformats.org/officeDocument/2006/relationships" xmlns:p="http://schemas.openxmlformats.org/presentationml/2006/main" preserve="1" userDrawn="1">
+  <p:cSld name="Section Header">
     <p:spTree>
       <p:nvGrpSpPr>
         <p:cNvPr id="1" name=""/>
@@ -941,46 +935,36 @@
       </p:grpSpPr>
       <p:sp>
         <p:nvSpPr>
-          <p:cNvPr id="2" name="Slide Image Placeholder 1"/>
-          <p:cNvSpPr>
-            <a:spLocks noGrp="1" noRot="1" noChangeAspect="1"/>
-          </p:cNvSpPr>
-          <p:nvPr>
-            <p:ph type="sldImg"/>
-          </p:nvPr>
-        </p:nvSpPr>
-        <p:spPr/>
-      </p:sp>
-      <p:sp>
-        <p:nvSpPr>
-          <p:cNvPr id="3" name="Notes Placeholder 2"/>
+          <p:cNvPr id="7" name="Title 7"/>
           <p:cNvSpPr>
             <a:spLocks noGrp="1"/>
           </p:cNvSpPr>
           <p:nvPr>
-            <p:ph type="body" idx="1"/>
+            <p:ph type="title" hasCustomPrompt="1"/>
           </p:nvPr>
         </p:nvSpPr>
-        <p:spPr/>
-        <p:txBody>
-          <a:bodyPr/>
-          <a:lstStyle/>
+        <p:spPr>
+          <a:xfrm>
+            <a:off x="381000" y="76200"/>
+            <a:ext cx="8382000" cy="487362"/>
+          </a:xfrm>
+          <a:prstGeom prst="rect">
+            <a:avLst/>
+          </a:prstGeom>
+        </p:spPr>
+        <p:txBody>
+          <a:bodyPr>
+            <a:noAutofit/>
+          </a:bodyPr>
+          <a:lstStyle>
+            <a:lvl1pPr algn="l">
+              <a:defRPr sz="2800" baseline="0"/>
+            </a:lvl1pPr>
+          </a:lstStyle>
           <a:p>
             <a:r>
               <a:rPr lang="en-US" dirty="0" smtClean="0"/>
-              <a:t>What does this</a:t>
-            </a:r>
-            <a:r>
-              <a:rPr lang="en-US" baseline="0" dirty="0" smtClean="0"/>
-              <a:t> mean to </a:t>
-            </a:r>
-            <a:r>
-              <a:rPr lang="en-US" baseline="0" dirty="0" err="1" smtClean="0"/>
-              <a:t>microservices</a:t>
-            </a:r>
-            <a:r>
-              <a:rPr lang="en-US" baseline="0" dirty="0" smtClean="0"/>
-              <a:t>?</a:t>
+              <a:t>Click to edit slide title</a:t>
             </a:r>
             <a:endParaRPr lang="en-US" dirty="0"/>
           </a:p>
@@ -988,406 +972,207 @@
       </p:sp>
       <p:sp>
         <p:nvSpPr>
-          <p:cNvPr id="4" name="Slide Number Placeholder 3"/>
+          <p:cNvPr id="8" name="Text Placeholder 9"/>
           <p:cNvSpPr>
             <a:spLocks noGrp="1"/>
           </p:cNvSpPr>
           <p:nvPr>
-            <p:ph type="sldNum" sz="quarter" idx="10"/>
+            <p:ph type="body" sz="quarter" idx="10"/>
           </p:nvPr>
         </p:nvSpPr>
-        <p:spPr/>
+        <p:spPr>
+          <a:xfrm>
+            <a:off x="381000" y="609600"/>
+            <a:ext cx="8382000" cy="5334000"/>
+          </a:xfrm>
+          <a:prstGeom prst="rect">
+            <a:avLst/>
+          </a:prstGeom>
+        </p:spPr>
         <p:txBody>
           <a:bodyPr/>
+          <a:lstStyle>
+            <a:lvl1pPr marL="342900" indent="-342900">
+              <a:buFont typeface="Calibri" panose="020F0502020204030204" pitchFamily="34" charset="0"/>
+              <a:buChar char="•"/>
+              <a:defRPr sz="2400"/>
+            </a:lvl1pPr>
+            <a:lvl2pPr marL="742950" indent="-285750">
+              <a:buFont typeface="Calibri" panose="020F0502020204030204" pitchFamily="34" charset="0"/>
+              <a:buChar char="•"/>
+              <a:defRPr sz="2200"/>
+            </a:lvl2pPr>
+            <a:lvl3pPr marL="1143000" indent="-228600">
+              <a:buFont typeface="Calibri" panose="020F0502020204030204" pitchFamily="34" charset="0"/>
+              <a:buChar char="•"/>
+              <a:defRPr sz="2000"/>
+            </a:lvl3pPr>
+            <a:lvl4pPr marL="1600200" indent="-228600">
+              <a:buFont typeface="Calibri" panose="020F0502020204030204" pitchFamily="34" charset="0"/>
+              <a:buChar char="•"/>
+              <a:defRPr sz="1800"/>
+            </a:lvl4pPr>
+            <a:lvl5pPr marL="2057400" indent="-228600">
+              <a:buFont typeface="Calibri" panose="020F0502020204030204" pitchFamily="34" charset="0"/>
+              <a:buChar char="•"/>
+              <a:defRPr sz="1800"/>
+            </a:lvl5pPr>
+          </a:lstStyle>
+          <a:p>
+            <a:pPr lvl="0"/>
+            <a:r>
+              <a:rPr lang="en-US" smtClean="0"/>
+              <a:t>Click to edit Master text styles</a:t>
+            </a:r>
+          </a:p>
+          <a:p>
+            <a:pPr lvl="1"/>
+            <a:r>
+              <a:rPr lang="en-US" smtClean="0"/>
+              <a:t>Second level</a:t>
+            </a:r>
+          </a:p>
+          <a:p>
+            <a:pPr lvl="2"/>
+            <a:r>
+              <a:rPr lang="en-US" smtClean="0"/>
+              <a:t>Third level</a:t>
+            </a:r>
+          </a:p>
+          <a:p>
+            <a:pPr lvl="3"/>
+            <a:r>
+              <a:rPr lang="en-US" smtClean="0"/>
+              <a:t>Fourth level</a:t>
+            </a:r>
+          </a:p>
+          <a:p>
+            <a:pPr lvl="4"/>
+            <a:r>
+              <a:rPr lang="en-US" smtClean="0"/>
+              <a:t>Fifth level</a:t>
+            </a:r>
+            <a:endParaRPr lang="en-US" dirty="0"/>
+          </a:p>
+        </p:txBody>
+      </p:sp>
+      <p:sp>
+        <p:nvSpPr>
+          <p:cNvPr id="10" name="TextBox 9"/>
+          <p:cNvSpPr txBox="1"/>
+          <p:nvPr userDrawn="1"/>
+        </p:nvSpPr>
+        <p:spPr>
+          <a:xfrm>
+            <a:off x="8686800" y="6629400"/>
+            <a:ext cx="457200" cy="215444"/>
+          </a:xfrm>
+          <a:prstGeom prst="rect">
+            <a:avLst/>
+          </a:prstGeom>
+          <a:noFill/>
+        </p:spPr>
+        <p:txBody>
+          <a:bodyPr wrap="square" rtlCol="0">
+            <a:spAutoFit/>
+          </a:bodyPr>
           <a:lstStyle/>
           <a:p>
-            <a:fld id="{65A32FF3-A69B-B74C-A27F-B287F6153BB5}" type="slidenum">
-              <a:rPr lang="en-US" smtClean="0"/>
-              <a:t>4</a:t>
+            <a:pPr algn="r"/>
+            <a:fld id="{3228AA4D-B010-4402-A720-B50DA9FF7B73}" type="slidenum">
+              <a:rPr lang="en-US" sz="800" smtClean="0"/>
+              <a:pPr algn="r"/>
+              <a:t>‹#›</a:t>
             </a:fld>
-            <a:endParaRPr lang="en-US" dirty="0"/>
+            <a:endParaRPr lang="en-US" sz="800" dirty="0"/>
+          </a:p>
+        </p:txBody>
+      </p:sp>
+      <p:sp>
+        <p:nvSpPr>
+          <p:cNvPr id="2" name="TextBox 1"/>
+          <p:cNvSpPr txBox="1"/>
+          <p:nvPr userDrawn="1"/>
+        </p:nvSpPr>
+        <p:spPr>
+          <a:xfrm>
+            <a:off x="304800" y="6553200"/>
+            <a:ext cx="3200400" cy="276999"/>
+          </a:xfrm>
+          <a:prstGeom prst="rect">
+            <a:avLst/>
+          </a:prstGeom>
+          <a:noFill/>
+        </p:spPr>
+        <p:txBody>
+          <a:bodyPr wrap="square" rtlCol="0">
+            <a:spAutoFit/>
+          </a:bodyPr>
+          <a:lstStyle/>
+          <a:p>
+            <a:pPr marL="0" indent="0">
+              <a:buNone/>
+            </a:pPr>
+            <a:r>
+              <a:rPr lang="en-US" sz="600" dirty="0" smtClean="0"/>
+              <a:t>1  Source</a:t>
+            </a:r>
+            <a:r>
+              <a:rPr lang="en-US" sz="600" baseline="0" dirty="0" smtClean="0"/>
+              <a:t> footnotes go here</a:t>
+            </a:r>
+          </a:p>
+          <a:p>
+            <a:pPr marL="0" marR="0" indent="0" algn="l" defTabSz="914400" rtl="0" eaLnBrk="1" fontAlgn="auto" latinLnBrk="0" hangingPunct="1">
+              <a:lnSpc>
+                <a:spcPct val="100000"/>
+              </a:lnSpc>
+              <a:spcBef>
+                <a:spcPts val="0"/>
+              </a:spcBef>
+              <a:spcAft>
+                <a:spcPts val="0"/>
+              </a:spcAft>
+              <a:buClrTx/>
+              <a:buSzTx/>
+              <a:buFontTx/>
+              <a:buNone/>
+              <a:tabLst/>
+              <a:defRPr/>
+            </a:pPr>
+            <a:r>
+              <a:rPr lang="en-US" sz="600" dirty="0" smtClean="0"/>
+              <a:t>2  Source</a:t>
+            </a:r>
+            <a:r>
+              <a:rPr lang="en-US" sz="600" baseline="0" dirty="0" smtClean="0"/>
+              <a:t> footnotes go here</a:t>
+            </a:r>
+            <a:endParaRPr lang="en-US" sz="600" dirty="0" smtClean="0"/>
           </a:p>
         </p:txBody>
       </p:sp>
     </p:spTree>
     <p:extLst>
       <p:ext uri="{BB962C8B-B14F-4D97-AF65-F5344CB8AC3E}">
-        <p14:creationId xmlns:p14="http://schemas.microsoft.com/office/powerpoint/2010/main" val="1229793491"/>
+        <p14:creationId xmlns:p14="http://schemas.microsoft.com/office/powerpoint/2010/main" val="1265234532"/>
       </p:ext>
     </p:extLst>
   </p:cSld>
   <p:clrMapOvr>
     <a:masterClrMapping/>
   </p:clrMapOvr>
-</p:notes>
+</p:sldLayout>
 </file>
 
-<file path=ppt/notesSlides/notesSlide5.xml><?xml version="1.0" encoding="utf-8"?>
-<p:notes xmlns:a="http://schemas.openxmlformats.org/drawingml/2006/main" xmlns:r="http://schemas.openxmlformats.org/officeDocument/2006/relationships" xmlns:p="http://schemas.openxmlformats.org/presentationml/2006/main">
+<file path=ppt/slideMasters/slideMaster1.xml><?xml version="1.0" encoding="utf-8"?>
+<p:sldMaster xmlns:a="http://schemas.openxmlformats.org/drawingml/2006/main" xmlns:r="http://schemas.openxmlformats.org/officeDocument/2006/relationships" xmlns:p="http://schemas.openxmlformats.org/presentationml/2006/main">
   <p:cSld>
-    <p:spTree>
-      <p:nvGrpSpPr>
-        <p:cNvPr id="1" name=""/>
-        <p:cNvGrpSpPr/>
-        <p:nvPr/>
-      </p:nvGrpSpPr>
-      <p:grpSpPr>
-        <a:xfrm>
-          <a:off x="0" y="0"/>
-          <a:ext cx="0" cy="0"/>
-          <a:chOff x="0" y="0"/>
-          <a:chExt cx="0" cy="0"/>
-        </a:xfrm>
-      </p:grpSpPr>
-      <p:sp>
-        <p:nvSpPr>
-          <p:cNvPr id="2" name="Slide Image Placeholder 1"/>
-          <p:cNvSpPr>
-            <a:spLocks noGrp="1" noRot="1" noChangeAspect="1"/>
-          </p:cNvSpPr>
-          <p:nvPr>
-            <p:ph type="sldImg"/>
-          </p:nvPr>
-        </p:nvSpPr>
-        <p:spPr/>
-      </p:sp>
-      <p:sp>
-        <p:nvSpPr>
-          <p:cNvPr id="3" name="Notes Placeholder 2"/>
-          <p:cNvSpPr>
-            <a:spLocks noGrp="1"/>
-          </p:cNvSpPr>
-          <p:nvPr>
-            <p:ph type="body" idx="1"/>
-          </p:nvPr>
-        </p:nvSpPr>
-        <p:spPr/>
-        <p:txBody>
-          <a:bodyPr/>
-          <a:lstStyle/>
-          <a:p>
-            <a:r>
-              <a:rPr lang="en-US" dirty="0" smtClean="0"/>
-              <a:t>Hit</a:t>
-            </a:r>
-            <a:r>
-              <a:rPr lang="en-US" baseline="0" dirty="0" smtClean="0"/>
-              <a:t> hello/</a:t>
-            </a:r>
-            <a:r>
-              <a:rPr lang="en-US" baseline="0" dirty="0" err="1" smtClean="0"/>
-              <a:t>cmd</a:t>
-            </a:r>
-            <a:r>
-              <a:rPr lang="en-US" baseline="0" dirty="0" smtClean="0"/>
-              <a:t> endpoint.  Walk through code.</a:t>
-            </a:r>
-            <a:endParaRPr lang="en-US" dirty="0"/>
-          </a:p>
-        </p:txBody>
-      </p:sp>
-      <p:sp>
-        <p:nvSpPr>
-          <p:cNvPr id="4" name="Slide Number Placeholder 3"/>
-          <p:cNvSpPr>
-            <a:spLocks noGrp="1"/>
-          </p:cNvSpPr>
-          <p:nvPr>
-            <p:ph type="sldNum" sz="quarter" idx="10"/>
-          </p:nvPr>
-        </p:nvSpPr>
-        <p:spPr/>
-        <p:txBody>
-          <a:bodyPr/>
-          <a:lstStyle/>
-          <a:p>
-            <a:fld id="{65A32FF3-A69B-B74C-A27F-B287F6153BB5}" type="slidenum">
-              <a:rPr lang="en-US" smtClean="0"/>
-              <a:t>5</a:t>
-            </a:fld>
-            <a:endParaRPr lang="en-US" dirty="0"/>
-          </a:p>
-        </p:txBody>
-      </p:sp>
-    </p:spTree>
-    <p:extLst>
-      <p:ext uri="{BB962C8B-B14F-4D97-AF65-F5344CB8AC3E}">
-        <p14:creationId xmlns:p14="http://schemas.microsoft.com/office/powerpoint/2010/main" val="591830853"/>
-      </p:ext>
-    </p:extLst>
-  </p:cSld>
-  <p:clrMapOvr>
-    <a:masterClrMapping/>
-  </p:clrMapOvr>
-</p:notes>
-</file>
-
-<file path=ppt/notesSlides/notesSlide6.xml><?xml version="1.0" encoding="utf-8"?>
-<p:notes xmlns:a="http://schemas.openxmlformats.org/drawingml/2006/main" xmlns:r="http://schemas.openxmlformats.org/officeDocument/2006/relationships" xmlns:p="http://schemas.openxmlformats.org/presentationml/2006/main">
-  <p:cSld>
-    <p:spTree>
-      <p:nvGrpSpPr>
-        <p:cNvPr id="1" name=""/>
-        <p:cNvGrpSpPr/>
-        <p:nvPr/>
-      </p:nvGrpSpPr>
-      <p:grpSpPr>
-        <a:xfrm>
-          <a:off x="0" y="0"/>
-          <a:ext cx="0" cy="0"/>
-          <a:chOff x="0" y="0"/>
-          <a:chExt cx="0" cy="0"/>
-        </a:xfrm>
-      </p:grpSpPr>
-      <p:sp>
-        <p:nvSpPr>
-          <p:cNvPr id="2" name="Slide Image Placeholder 1"/>
-          <p:cNvSpPr>
-            <a:spLocks noGrp="1" noRot="1" noChangeAspect="1"/>
-          </p:cNvSpPr>
-          <p:nvPr>
-            <p:ph type="sldImg"/>
-          </p:nvPr>
-        </p:nvSpPr>
-        <p:spPr/>
-      </p:sp>
-      <p:sp>
-        <p:nvSpPr>
-          <p:cNvPr id="3" name="Notes Placeholder 2"/>
-          <p:cNvSpPr>
-            <a:spLocks noGrp="1"/>
-          </p:cNvSpPr>
-          <p:nvPr>
-            <p:ph type="body" idx="1"/>
-          </p:nvPr>
-        </p:nvSpPr>
-        <p:spPr/>
-        <p:txBody>
-          <a:bodyPr/>
-          <a:lstStyle/>
-          <a:p>
-            <a:endParaRPr lang="en-US" dirty="0"/>
-          </a:p>
-        </p:txBody>
-      </p:sp>
-      <p:sp>
-        <p:nvSpPr>
-          <p:cNvPr id="4" name="Slide Number Placeholder 3"/>
-          <p:cNvSpPr>
-            <a:spLocks noGrp="1"/>
-          </p:cNvSpPr>
-          <p:nvPr>
-            <p:ph type="sldNum" sz="quarter" idx="10"/>
-          </p:nvPr>
-        </p:nvSpPr>
-        <p:spPr/>
-        <p:txBody>
-          <a:bodyPr/>
-          <a:lstStyle/>
-          <a:p>
-            <a:fld id="{65A32FF3-A69B-B74C-A27F-B287F6153BB5}" type="slidenum">
-              <a:rPr lang="en-US" smtClean="0"/>
-              <a:t>6</a:t>
-            </a:fld>
-            <a:endParaRPr lang="en-US" dirty="0"/>
-          </a:p>
-        </p:txBody>
-      </p:sp>
-    </p:spTree>
-    <p:extLst>
-      <p:ext uri="{BB962C8B-B14F-4D97-AF65-F5344CB8AC3E}">
-        <p14:creationId xmlns:p14="http://schemas.microsoft.com/office/powerpoint/2010/main" val="2084361588"/>
-      </p:ext>
-    </p:extLst>
-  </p:cSld>
-  <p:clrMapOvr>
-    <a:masterClrMapping/>
-  </p:clrMapOvr>
-</p:notes>
-</file>
-
-<file path=ppt/notesSlides/notesSlide7.xml><?xml version="1.0" encoding="utf-8"?>
-<p:notes xmlns:a="http://schemas.openxmlformats.org/drawingml/2006/main" xmlns:r="http://schemas.openxmlformats.org/officeDocument/2006/relationships" xmlns:p="http://schemas.openxmlformats.org/presentationml/2006/main">
-  <p:cSld>
-    <p:spTree>
-      <p:nvGrpSpPr>
-        <p:cNvPr id="1" name=""/>
-        <p:cNvGrpSpPr/>
-        <p:nvPr/>
-      </p:nvGrpSpPr>
-      <p:grpSpPr>
-        <a:xfrm>
-          <a:off x="0" y="0"/>
-          <a:ext cx="0" cy="0"/>
-          <a:chOff x="0" y="0"/>
-          <a:chExt cx="0" cy="0"/>
-        </a:xfrm>
-      </p:grpSpPr>
-      <p:sp>
-        <p:nvSpPr>
-          <p:cNvPr id="2" name="Slide Image Placeholder 1"/>
-          <p:cNvSpPr>
-            <a:spLocks noGrp="1" noRot="1" noChangeAspect="1"/>
-          </p:cNvSpPr>
-          <p:nvPr>
-            <p:ph type="sldImg"/>
-          </p:nvPr>
-        </p:nvSpPr>
-        <p:spPr/>
-      </p:sp>
-      <p:sp>
-        <p:nvSpPr>
-          <p:cNvPr id="3" name="Notes Placeholder 2"/>
-          <p:cNvSpPr>
-            <a:spLocks noGrp="1"/>
-          </p:cNvSpPr>
-          <p:nvPr>
-            <p:ph type="body" idx="1"/>
-          </p:nvPr>
-        </p:nvSpPr>
-        <p:spPr/>
-        <p:txBody>
-          <a:bodyPr/>
-          <a:lstStyle/>
-          <a:p>
-            <a:endParaRPr lang="en-US" dirty="0"/>
-          </a:p>
-        </p:txBody>
-      </p:sp>
-      <p:sp>
-        <p:nvSpPr>
-          <p:cNvPr id="4" name="Slide Number Placeholder 3"/>
-          <p:cNvSpPr>
-            <a:spLocks noGrp="1"/>
-          </p:cNvSpPr>
-          <p:nvPr>
-            <p:ph type="sldNum" sz="quarter" idx="10"/>
-          </p:nvPr>
-        </p:nvSpPr>
-        <p:spPr/>
-        <p:txBody>
-          <a:bodyPr/>
-          <a:lstStyle/>
-          <a:p>
-            <a:fld id="{65A32FF3-A69B-B74C-A27F-B287F6153BB5}" type="slidenum">
-              <a:rPr lang="en-US" smtClean="0"/>
-              <a:t>7</a:t>
-            </a:fld>
-            <a:endParaRPr lang="en-US" dirty="0"/>
-          </a:p>
-        </p:txBody>
-      </p:sp>
-    </p:spTree>
-    <p:extLst>
-      <p:ext uri="{BB962C8B-B14F-4D97-AF65-F5344CB8AC3E}">
-        <p14:creationId xmlns:p14="http://schemas.microsoft.com/office/powerpoint/2010/main" val="1704669145"/>
-      </p:ext>
-    </p:extLst>
-  </p:cSld>
-  <p:clrMapOvr>
-    <a:masterClrMapping/>
-  </p:clrMapOvr>
-</p:notes>
-</file>
-
-<file path=ppt/notesSlides/notesSlide8.xml><?xml version="1.0" encoding="utf-8"?>
-<p:notes xmlns:a="http://schemas.openxmlformats.org/drawingml/2006/main" xmlns:r="http://schemas.openxmlformats.org/officeDocument/2006/relationships" xmlns:p="http://schemas.openxmlformats.org/presentationml/2006/main">
-  <p:cSld>
-    <p:spTree>
-      <p:nvGrpSpPr>
-        <p:cNvPr id="1" name=""/>
-        <p:cNvGrpSpPr/>
-        <p:nvPr/>
-      </p:nvGrpSpPr>
-      <p:grpSpPr>
-        <a:xfrm>
-          <a:off x="0" y="0"/>
-          <a:ext cx="0" cy="0"/>
-          <a:chOff x="0" y="0"/>
-          <a:chExt cx="0" cy="0"/>
-        </a:xfrm>
-      </p:grpSpPr>
-      <p:sp>
-        <p:nvSpPr>
-          <p:cNvPr id="2" name="Slide Image Placeholder 1"/>
-          <p:cNvSpPr>
-            <a:spLocks noGrp="1" noRot="1" noChangeAspect="1"/>
-          </p:cNvSpPr>
-          <p:nvPr>
-            <p:ph type="sldImg"/>
-          </p:nvPr>
-        </p:nvSpPr>
-        <p:spPr/>
-      </p:sp>
-      <p:sp>
-        <p:nvSpPr>
-          <p:cNvPr id="3" name="Notes Placeholder 2"/>
-          <p:cNvSpPr>
-            <a:spLocks noGrp="1"/>
-          </p:cNvSpPr>
-          <p:nvPr>
-            <p:ph type="body" idx="1"/>
-          </p:nvPr>
-        </p:nvSpPr>
-        <p:spPr/>
-        <p:txBody>
-          <a:bodyPr/>
-          <a:lstStyle/>
-          <a:p>
-            <a:endParaRPr lang="en-US" dirty="0"/>
-          </a:p>
-        </p:txBody>
-      </p:sp>
-      <p:sp>
-        <p:nvSpPr>
-          <p:cNvPr id="4" name="Slide Number Placeholder 3"/>
-          <p:cNvSpPr>
-            <a:spLocks noGrp="1"/>
-          </p:cNvSpPr>
-          <p:nvPr>
-            <p:ph type="sldNum" sz="quarter" idx="10"/>
-          </p:nvPr>
-        </p:nvSpPr>
-        <p:spPr/>
-        <p:txBody>
-          <a:bodyPr/>
-          <a:lstStyle/>
-          <a:p>
-            <a:fld id="{65A32FF3-A69B-B74C-A27F-B287F6153BB5}" type="slidenum">
-              <a:rPr lang="en-US" smtClean="0"/>
-              <a:t>8</a:t>
-            </a:fld>
-            <a:endParaRPr lang="en-US" dirty="0"/>
-          </a:p>
-        </p:txBody>
-      </p:sp>
-    </p:spTree>
-    <p:extLst>
-      <p:ext uri="{BB962C8B-B14F-4D97-AF65-F5344CB8AC3E}">
-        <p14:creationId xmlns:p14="http://schemas.microsoft.com/office/powerpoint/2010/main" val="2053929610"/>
-      </p:ext>
-    </p:extLst>
-  </p:cSld>
-  <p:clrMapOvr>
-    <a:masterClrMapping/>
-  </p:clrMapOvr>
-</p:notes>
-</file>
-
-<file path=ppt/slideLayouts/slideLayout1.xml><?xml version="1.0" encoding="utf-8"?>
-<p:sldLayout xmlns:a="http://schemas.openxmlformats.org/drawingml/2006/main" xmlns:r="http://schemas.openxmlformats.org/officeDocument/2006/relationships" xmlns:p="http://schemas.openxmlformats.org/presentationml/2006/main" preserve="1" userDrawn="1">
-  <p:cSld name="Title Slide">
     <p:bg>
       <p:bgPr>
-        <a:blipFill dpi="0" rotWithShape="1">
-          <a:blip r:embed="rId2">
-            <a:lum/>
-          </a:blip>
-          <a:srcRect/>
-          <a:stretch>
-            <a:fillRect t="-1000" b="-1000"/>
-          </a:stretch>
-        </a:blipFill>
+        <a:solidFill>
+          <a:schemeClr val="bg1"/>
+        </a:solidFill>
         <a:effectLst/>
       </p:bgPr>
     </p:bg>
@@ -1407,538 +1192,6 @@
       </p:grpSpPr>
       <p:sp>
         <p:nvSpPr>
-          <p:cNvPr id="2" name="Title 1"/>
-          <p:cNvSpPr>
-            <a:spLocks noGrp="1"/>
-          </p:cNvSpPr>
-          <p:nvPr>
-            <p:ph type="ctrTitle" hasCustomPrompt="1"/>
-          </p:nvPr>
-        </p:nvSpPr>
-        <p:spPr>
-          <a:xfrm rot="-5400000">
-            <a:off x="-2209800" y="3352800"/>
-            <a:ext cx="5562600" cy="533400"/>
-          </a:xfrm>
-          <a:noFill/>
-          <a:ln>
-            <a:noFill/>
-          </a:ln>
-        </p:spPr>
-        <p:txBody>
-          <a:bodyPr>
-            <a:normAutofit/>
-          </a:bodyPr>
-          <a:lstStyle>
-            <a:lvl1pPr algn="l">
-              <a:defRPr sz="2800" baseline="0">
-                <a:solidFill>
-                  <a:srgbClr val="ACC0C6"/>
-                </a:solidFill>
-              </a:defRPr>
-            </a:lvl1pPr>
-          </a:lstStyle>
-          <a:p>
-            <a:r>
-              <a:rPr lang="en-US" dirty="0" smtClean="0"/>
-              <a:t>MEETING TITLE GOES HERE</a:t>
-            </a:r>
-            <a:endParaRPr lang="en-US" dirty="0"/>
-          </a:p>
-        </p:txBody>
-      </p:sp>
-      <p:sp>
-        <p:nvSpPr>
-          <p:cNvPr id="10" name="Text Placeholder 9"/>
-          <p:cNvSpPr>
-            <a:spLocks noGrp="1"/>
-          </p:cNvSpPr>
-          <p:nvPr>
-            <p:ph type="body" sz="quarter" idx="10" hasCustomPrompt="1"/>
-          </p:nvPr>
-        </p:nvSpPr>
-        <p:spPr>
-          <a:xfrm>
-            <a:off x="1143000" y="1984248"/>
-            <a:ext cx="6934200" cy="1295400"/>
-          </a:xfrm>
-        </p:spPr>
-        <p:txBody>
-          <a:bodyPr>
-            <a:normAutofit/>
-          </a:bodyPr>
-          <a:lstStyle>
-            <a:lvl1pPr marL="0" indent="0" algn="ctr">
-              <a:buNone/>
-              <a:defRPr sz="4800" baseline="0">
-                <a:solidFill>
-                  <a:schemeClr val="bg1"/>
-                </a:solidFill>
-              </a:defRPr>
-            </a:lvl1pPr>
-          </a:lstStyle>
-          <a:p>
-            <a:pPr lvl="0"/>
-            <a:r>
-              <a:rPr lang="en-US" dirty="0" smtClean="0"/>
-              <a:t>TITLE HERE</a:t>
-            </a:r>
-          </a:p>
-        </p:txBody>
-      </p:sp>
-    </p:spTree>
-    <p:extLst>
-      <p:ext uri="{BB962C8B-B14F-4D97-AF65-F5344CB8AC3E}">
-        <p14:creationId xmlns:p14="http://schemas.microsoft.com/office/powerpoint/2010/main" val="2940004339"/>
-      </p:ext>
-    </p:extLst>
-  </p:cSld>
-  <p:clrMapOvr>
-    <a:masterClrMapping/>
-  </p:clrMapOvr>
-  <p:timing>
-    <p:tnLst>
-      <p:par>
-        <p:cTn id="1" dur="indefinite" restart="never" nodeType="tmRoot"/>
-      </p:par>
-    </p:tnLst>
-  </p:timing>
-</p:sldLayout>
-</file>
-
-<file path=ppt/slideLayouts/slideLayout2.xml><?xml version="1.0" encoding="utf-8"?>
-<p:sldLayout xmlns:a="http://schemas.openxmlformats.org/drawingml/2006/main" xmlns:r="http://schemas.openxmlformats.org/officeDocument/2006/relationships" xmlns:p="http://schemas.openxmlformats.org/presentationml/2006/main" preserve="1" userDrawn="1">
-  <p:cSld name="Title and Content">
-    <p:bg>
-      <p:bgPr>
-        <a:blipFill dpi="0" rotWithShape="1">
-          <a:blip r:embed="rId2">
-            <a:lum/>
-          </a:blip>
-          <a:srcRect/>
-          <a:stretch>
-            <a:fillRect t="-1000" b="-1000"/>
-          </a:stretch>
-        </a:blipFill>
-        <a:effectLst/>
-      </p:bgPr>
-    </p:bg>
-    <p:spTree>
-      <p:nvGrpSpPr>
-        <p:cNvPr id="1" name=""/>
-        <p:cNvGrpSpPr/>
-        <p:nvPr/>
-      </p:nvGrpSpPr>
-      <p:grpSpPr>
-        <a:xfrm>
-          <a:off x="0" y="0"/>
-          <a:ext cx="0" cy="0"/>
-          <a:chOff x="0" y="0"/>
-          <a:chExt cx="0" cy="0"/>
-        </a:xfrm>
-      </p:grpSpPr>
-      <p:sp>
-        <p:nvSpPr>
-          <p:cNvPr id="2" name="Title 1"/>
-          <p:cNvSpPr>
-            <a:spLocks noGrp="1"/>
-          </p:cNvSpPr>
-          <p:nvPr>
-            <p:ph type="title" hasCustomPrompt="1"/>
-          </p:nvPr>
-        </p:nvSpPr>
-        <p:spPr>
-          <a:xfrm>
-            <a:off x="1143000" y="2057400"/>
-            <a:ext cx="6781800" cy="1143000"/>
-          </a:xfrm>
-        </p:spPr>
-        <p:txBody>
-          <a:bodyPr/>
-          <a:lstStyle>
-            <a:lvl1pPr>
-              <a:defRPr>
-                <a:solidFill>
-                  <a:schemeClr val="bg1"/>
-                </a:solidFill>
-              </a:defRPr>
-            </a:lvl1pPr>
-          </a:lstStyle>
-          <a:p>
-            <a:r>
-              <a:rPr lang="en-US" dirty="0" smtClean="0"/>
-              <a:t>TRANSITIONS</a:t>
-            </a:r>
-            <a:endParaRPr lang="en-US" dirty="0"/>
-          </a:p>
-        </p:txBody>
-      </p:sp>
-      <p:sp>
-        <p:nvSpPr>
-          <p:cNvPr id="8" name="Text Placeholder 7"/>
-          <p:cNvSpPr>
-            <a:spLocks noGrp="1"/>
-          </p:cNvSpPr>
-          <p:nvPr>
-            <p:ph type="body" sz="quarter" idx="10" hasCustomPrompt="1"/>
-          </p:nvPr>
-        </p:nvSpPr>
-        <p:spPr>
-          <a:xfrm rot="16200000">
-            <a:off x="-2628899" y="2558275"/>
-            <a:ext cx="6781800" cy="914400"/>
-          </a:xfrm>
-        </p:spPr>
-        <p:txBody>
-          <a:bodyPr>
-            <a:normAutofit/>
-          </a:bodyPr>
-          <a:lstStyle>
-            <a:lvl1pPr marL="0" indent="0">
-              <a:buNone/>
-              <a:defRPr sz="2800">
-                <a:solidFill>
-                  <a:srgbClr val="ACC0C6"/>
-                </a:solidFill>
-              </a:defRPr>
-            </a:lvl1pPr>
-          </a:lstStyle>
-          <a:p>
-            <a:r>
-              <a:rPr lang="en-US" dirty="0" smtClean="0"/>
-              <a:t>MEETING TITLE GOES HERE</a:t>
-            </a:r>
-            <a:endParaRPr lang="en-US" dirty="0"/>
-          </a:p>
-        </p:txBody>
-      </p:sp>
-    </p:spTree>
-    <p:extLst>
-      <p:ext uri="{BB962C8B-B14F-4D97-AF65-F5344CB8AC3E}">
-        <p14:creationId xmlns:p14="http://schemas.microsoft.com/office/powerpoint/2010/main" val="1063474967"/>
-      </p:ext>
-    </p:extLst>
-  </p:cSld>
-  <p:clrMapOvr>
-    <a:masterClrMapping/>
-  </p:clrMapOvr>
-  <p:timing>
-    <p:tnLst>
-      <p:par>
-        <p:cTn id="1" dur="indefinite" restart="never" nodeType="tmRoot"/>
-      </p:par>
-    </p:tnLst>
-  </p:timing>
-</p:sldLayout>
-</file>
-
-<file path=ppt/slideLayouts/slideLayout3.xml><?xml version="1.0" encoding="utf-8"?>
-<p:sldLayout xmlns:a="http://schemas.openxmlformats.org/drawingml/2006/main" xmlns:r="http://schemas.openxmlformats.org/officeDocument/2006/relationships" xmlns:p="http://schemas.openxmlformats.org/presentationml/2006/main" preserve="1" userDrawn="1">
-  <p:cSld name="Content Slide">
-    <p:bg>
-      <p:bgPr>
-        <a:blipFill dpi="0" rotWithShape="1">
-          <a:blip r:embed="rId2">
-            <a:lum/>
-          </a:blip>
-          <a:srcRect/>
-          <a:stretch>
-            <a:fillRect t="-1000" b="-1000"/>
-          </a:stretch>
-        </a:blipFill>
-        <a:effectLst/>
-      </p:bgPr>
-    </p:bg>
-    <p:spTree>
-      <p:nvGrpSpPr>
-        <p:cNvPr id="1" name=""/>
-        <p:cNvGrpSpPr/>
-        <p:nvPr/>
-      </p:nvGrpSpPr>
-      <p:grpSpPr>
-        <a:xfrm>
-          <a:off x="0" y="0"/>
-          <a:ext cx="0" cy="0"/>
-          <a:chOff x="0" y="0"/>
-          <a:chExt cx="0" cy="0"/>
-        </a:xfrm>
-      </p:grpSpPr>
-      <p:sp>
-        <p:nvSpPr>
-          <p:cNvPr id="2" name="Title 1"/>
-          <p:cNvSpPr>
-            <a:spLocks noGrp="1"/>
-          </p:cNvSpPr>
-          <p:nvPr>
-            <p:ph type="title"/>
-          </p:nvPr>
-        </p:nvSpPr>
-        <p:spPr>
-          <a:xfrm>
-            <a:off x="914400" y="838200"/>
-            <a:ext cx="7772400" cy="579438"/>
-          </a:xfrm>
-        </p:spPr>
-        <p:txBody>
-          <a:bodyPr>
-            <a:noAutofit/>
-          </a:bodyPr>
-          <a:lstStyle>
-            <a:lvl1pPr algn="l">
-              <a:defRPr sz="4000"/>
-            </a:lvl1pPr>
-          </a:lstStyle>
-          <a:p>
-            <a:r>
-              <a:rPr lang="en-US" dirty="0" smtClean="0"/>
-              <a:t>Click to edit Master title style</a:t>
-            </a:r>
-            <a:endParaRPr lang="en-US" dirty="0"/>
-          </a:p>
-        </p:txBody>
-      </p:sp>
-      <p:sp>
-        <p:nvSpPr>
-          <p:cNvPr id="5" name="Text Placeholder 4"/>
-          <p:cNvSpPr>
-            <a:spLocks noGrp="1"/>
-          </p:cNvSpPr>
-          <p:nvPr>
-            <p:ph type="body" sz="quarter" idx="10"/>
-          </p:nvPr>
-        </p:nvSpPr>
-        <p:spPr>
-          <a:xfrm>
-            <a:off x="914400" y="1752600"/>
-            <a:ext cx="7772400" cy="3886200"/>
-          </a:xfrm>
-        </p:spPr>
-        <p:txBody>
-          <a:bodyPr/>
-          <a:lstStyle>
-            <a:lvl2pPr marL="914400" indent="-457200">
-              <a:buFont typeface="Arial" pitchFamily="34" charset="0"/>
-              <a:buChar char="•"/>
-              <a:defRPr/>
-            </a:lvl2pPr>
-            <a:lvl3pPr marL="1257300" indent="-342900">
-              <a:buFont typeface="Arial" pitchFamily="34" charset="0"/>
-              <a:buChar char="•"/>
-              <a:defRPr/>
-            </a:lvl3pPr>
-            <a:lvl4pPr marL="1714500" indent="-342900">
-              <a:buFont typeface="Arial" pitchFamily="34" charset="0"/>
-              <a:buChar char="•"/>
-              <a:defRPr/>
-            </a:lvl4pPr>
-            <a:lvl5pPr marL="2171700" indent="-342900">
-              <a:buFont typeface="Arial" pitchFamily="34" charset="0"/>
-              <a:buChar char="•"/>
-              <a:defRPr/>
-            </a:lvl5pPr>
-          </a:lstStyle>
-          <a:p>
-            <a:pPr lvl="0"/>
-            <a:r>
-              <a:rPr lang="en-US" dirty="0" smtClean="0"/>
-              <a:t>Click to edit Master text styles</a:t>
-            </a:r>
-          </a:p>
-          <a:p>
-            <a:pPr lvl="1"/>
-            <a:r>
-              <a:rPr lang="en-US" dirty="0" smtClean="0"/>
-              <a:t>Second level</a:t>
-            </a:r>
-          </a:p>
-          <a:p>
-            <a:pPr lvl="2"/>
-            <a:r>
-              <a:rPr lang="en-US" dirty="0" smtClean="0"/>
-              <a:t>Third level</a:t>
-            </a:r>
-          </a:p>
-          <a:p>
-            <a:pPr lvl="3"/>
-            <a:r>
-              <a:rPr lang="en-US" dirty="0" smtClean="0"/>
-              <a:t>Fourth level</a:t>
-            </a:r>
-          </a:p>
-          <a:p>
-            <a:pPr lvl="4"/>
-            <a:r>
-              <a:rPr lang="en-US" dirty="0" smtClean="0"/>
-              <a:t>Fifth level</a:t>
-            </a:r>
-            <a:endParaRPr lang="en-US" dirty="0"/>
-          </a:p>
-        </p:txBody>
-      </p:sp>
-      <p:sp>
-        <p:nvSpPr>
-          <p:cNvPr id="6" name="Text Placeholder 5"/>
-          <p:cNvSpPr>
-            <a:spLocks noGrp="1"/>
-          </p:cNvSpPr>
-          <p:nvPr>
-            <p:ph type="body" sz="quarter" idx="12" hasCustomPrompt="1"/>
-          </p:nvPr>
-        </p:nvSpPr>
-        <p:spPr>
-          <a:xfrm rot="16200000">
-            <a:off x="-2019299" y="3016650"/>
-            <a:ext cx="5715000" cy="1066800"/>
-          </a:xfrm>
-        </p:spPr>
-        <p:txBody>
-          <a:bodyPr>
-            <a:normAutofit/>
-          </a:bodyPr>
-          <a:lstStyle>
-            <a:lvl1pPr marL="0" marR="0" indent="0" algn="l" defTabSz="914400" rtl="0" eaLnBrk="1" fontAlgn="auto" latinLnBrk="0" hangingPunct="1">
-              <a:lnSpc>
-                <a:spcPct val="100000"/>
-              </a:lnSpc>
-              <a:spcBef>
-                <a:spcPct val="20000"/>
-              </a:spcBef>
-              <a:spcAft>
-                <a:spcPts val="0"/>
-              </a:spcAft>
-              <a:buClrTx/>
-              <a:buSzTx/>
-              <a:buFont typeface="Arial" pitchFamily="34" charset="0"/>
-              <a:buNone/>
-              <a:tabLst/>
-              <a:defRPr sz="2800">
-                <a:solidFill>
-                  <a:srgbClr val="E0E6E6"/>
-                </a:solidFill>
-              </a:defRPr>
-            </a:lvl1pPr>
-          </a:lstStyle>
-          <a:p>
-            <a:pPr marL="0" marR="0" lvl="0" indent="0" algn="l" defTabSz="914400" rtl="0" eaLnBrk="1" fontAlgn="auto" latinLnBrk="0" hangingPunct="1">
-              <a:lnSpc>
-                <a:spcPct val="100000"/>
-              </a:lnSpc>
-              <a:spcBef>
-                <a:spcPct val="20000"/>
-              </a:spcBef>
-              <a:spcAft>
-                <a:spcPts val="0"/>
-              </a:spcAft>
-              <a:buClrTx/>
-              <a:buSzTx/>
-              <a:buFont typeface="Arial" pitchFamily="34" charset="0"/>
-              <a:buNone/>
-              <a:tabLst/>
-              <a:defRPr/>
-            </a:pPr>
-            <a:r>
-              <a:rPr lang="en-US" dirty="0" smtClean="0"/>
-              <a:t>MEETING TITLE GOES HERE</a:t>
-            </a:r>
-          </a:p>
-        </p:txBody>
-      </p:sp>
-      <p:sp>
-        <p:nvSpPr>
-          <p:cNvPr id="7" name="TextBox 6"/>
-          <p:cNvSpPr txBox="1"/>
-          <p:nvPr userDrawn="1"/>
-        </p:nvSpPr>
-        <p:spPr>
-          <a:xfrm>
-            <a:off x="8534400" y="6248401"/>
-            <a:ext cx="381000" cy="276999"/>
-          </a:xfrm>
-          <a:prstGeom prst="rect">
-            <a:avLst/>
-          </a:prstGeom>
-          <a:noFill/>
-        </p:spPr>
-        <p:txBody>
-          <a:bodyPr wrap="square" rtlCol="0">
-            <a:spAutoFit/>
-          </a:bodyPr>
-          <a:lstStyle/>
-          <a:p>
-            <a:fld id="{C7A93176-E71E-1B43-9EA9-72937F42D2F7}" type="slidenum">
-              <a:rPr lang="en-US" sz="1200" b="0" i="0" smtClean="0">
-                <a:solidFill>
-                  <a:schemeClr val="tx1"/>
-                </a:solidFill>
-                <a:latin typeface="Calibri"/>
-                <a:cs typeface="Calibri"/>
-              </a:rPr>
-              <a:t>‹#›</a:t>
-            </a:fld>
-            <a:r>
-              <a:rPr lang="en-US" sz="1200" b="0" i="0" dirty="0" smtClean="0">
-                <a:solidFill>
-                  <a:schemeClr val="tx1"/>
-                </a:solidFill>
-                <a:latin typeface="Calibri"/>
-                <a:cs typeface="Calibri"/>
-              </a:rPr>
-              <a:t> </a:t>
-            </a:r>
-            <a:endParaRPr lang="en-US" sz="1200" b="0" i="0" dirty="0">
-              <a:solidFill>
-                <a:schemeClr val="tx1"/>
-              </a:solidFill>
-              <a:latin typeface="Calibri"/>
-              <a:cs typeface="Calibri"/>
-            </a:endParaRPr>
-          </a:p>
-        </p:txBody>
-      </p:sp>
-    </p:spTree>
-    <p:extLst>
-      <p:ext uri="{BB962C8B-B14F-4D97-AF65-F5344CB8AC3E}">
-        <p14:creationId xmlns:p14="http://schemas.microsoft.com/office/powerpoint/2010/main" val="2583571012"/>
-      </p:ext>
-    </p:extLst>
-  </p:cSld>
-  <p:clrMapOvr>
-    <a:masterClrMapping/>
-  </p:clrMapOvr>
-  <p:timing>
-    <p:tnLst>
-      <p:par>
-        <p:cTn id="1" dur="indefinite" restart="never" nodeType="tmRoot"/>
-      </p:par>
-    </p:tnLst>
-  </p:timing>
-</p:sldLayout>
-</file>
-
-<file path=ppt/slideMasters/slideMaster1.xml><?xml version="1.0" encoding="utf-8"?>
-<p:sldMaster xmlns:a="http://schemas.openxmlformats.org/drawingml/2006/main" xmlns:r="http://schemas.openxmlformats.org/officeDocument/2006/relationships" xmlns:p="http://schemas.openxmlformats.org/presentationml/2006/main">
-  <p:cSld>
-    <p:bg>
-      <p:bgRef idx="1001">
-        <a:schemeClr val="bg1"/>
-      </p:bgRef>
-    </p:bg>
-    <p:spTree>
-      <p:nvGrpSpPr>
-        <p:cNvPr id="1" name=""/>
-        <p:cNvGrpSpPr/>
-        <p:nvPr/>
-      </p:nvGrpSpPr>
-      <p:grpSpPr>
-        <a:xfrm>
-          <a:off x="0" y="0"/>
-          <a:ext cx="0" cy="0"/>
-          <a:chOff x="0" y="0"/>
-          <a:chExt cx="0" cy="0"/>
-        </a:xfrm>
-      </p:grpSpPr>
-      <p:sp>
-        <p:nvSpPr>
           <p:cNvPr id="2" name="Title Placeholder 1"/>
           <p:cNvSpPr>
             <a:spLocks noGrp="1"/>
@@ -2032,142 +1285,49 @@
           </a:p>
         </p:txBody>
       </p:sp>
-      <p:sp>
-        <p:nvSpPr>
-          <p:cNvPr id="4" name="Date Placeholder 3"/>
-          <p:cNvSpPr>
-            <a:spLocks noGrp="1"/>
-          </p:cNvSpPr>
-          <p:nvPr>
-            <p:ph type="dt" sz="half" idx="2"/>
-          </p:nvPr>
-        </p:nvSpPr>
+      <p:pic>
+        <p:nvPicPr>
+          <p:cNvPr id="5" name="Picture 4"/>
+          <p:cNvPicPr>
+            <a:picLocks noChangeAspect="1"/>
+          </p:cNvPicPr>
+          <p:nvPr/>
+        </p:nvPicPr>
+        <p:blipFill>
+          <a:blip r:embed="rId5" cstate="print">
+            <a:extLst>
+              <a:ext uri="{28A0092B-C50C-407E-A947-70E740481C1C}">
+                <a14:useLocalDpi xmlns:a14="http://schemas.microsoft.com/office/drawing/2010/main" val="0"/>
+              </a:ext>
+            </a:extLst>
+          </a:blip>
+          <a:stretch>
+            <a:fillRect/>
+          </a:stretch>
+        </p:blipFill>
         <p:spPr>
           <a:xfrm>
-            <a:off x="457200" y="6356350"/>
-            <a:ext cx="2133600" cy="365125"/>
+            <a:off x="0" y="-205678"/>
+            <a:ext cx="9144000" cy="7063678"/>
           </a:xfrm>
           <a:prstGeom prst="rect">
             <a:avLst/>
           </a:prstGeom>
         </p:spPr>
-        <p:txBody>
-          <a:bodyPr vert="horz" lIns="91440" tIns="45720" rIns="91440" bIns="45720" rtlCol="0" anchor="ctr"/>
-          <a:lstStyle>
-            <a:lvl1pPr algn="l">
-              <a:defRPr sz="1200">
-                <a:solidFill>
-                  <a:schemeClr val="tx1">
-                    <a:tint val="75000"/>
-                  </a:schemeClr>
-                </a:solidFill>
-              </a:defRPr>
-            </a:lvl1pPr>
-          </a:lstStyle>
-          <a:p>
-            <a:endParaRPr lang="en-US" dirty="0"/>
-          </a:p>
-        </p:txBody>
-      </p:sp>
-      <p:sp>
-        <p:nvSpPr>
-          <p:cNvPr id="5" name="Footer Placeholder 4"/>
-          <p:cNvSpPr>
-            <a:spLocks noGrp="1"/>
-          </p:cNvSpPr>
-          <p:nvPr>
-            <p:ph type="ftr" sz="quarter" idx="3"/>
-          </p:nvPr>
-        </p:nvSpPr>
-        <p:spPr>
-          <a:xfrm>
-            <a:off x="3124200" y="6356350"/>
-            <a:ext cx="2895600" cy="365125"/>
-          </a:xfrm>
-          <a:prstGeom prst="rect">
-            <a:avLst/>
-          </a:prstGeom>
-        </p:spPr>
-        <p:txBody>
-          <a:bodyPr vert="horz" lIns="91440" tIns="45720" rIns="91440" bIns="45720" rtlCol="0" anchor="ctr"/>
-          <a:lstStyle>
-            <a:lvl1pPr algn="ctr">
-              <a:defRPr sz="1200">
-                <a:solidFill>
-                  <a:schemeClr val="tx1">
-                    <a:tint val="75000"/>
-                  </a:schemeClr>
-                </a:solidFill>
-              </a:defRPr>
-            </a:lvl1pPr>
-          </a:lstStyle>
-          <a:p>
-            <a:endParaRPr lang="en-US" dirty="0"/>
-          </a:p>
-        </p:txBody>
-      </p:sp>
-      <p:sp>
-        <p:nvSpPr>
-          <p:cNvPr id="6" name="Slide Number Placeholder 5"/>
-          <p:cNvSpPr>
-            <a:spLocks noGrp="1"/>
-          </p:cNvSpPr>
-          <p:nvPr>
-            <p:ph type="sldNum" sz="quarter" idx="4"/>
-          </p:nvPr>
-        </p:nvSpPr>
-        <p:spPr>
-          <a:xfrm>
-            <a:off x="6553200" y="6356350"/>
-            <a:ext cx="2133600" cy="365125"/>
-          </a:xfrm>
-          <a:prstGeom prst="rect">
-            <a:avLst/>
-          </a:prstGeom>
-        </p:spPr>
-        <p:txBody>
-          <a:bodyPr vert="horz" lIns="91440" tIns="45720" rIns="91440" bIns="45720" rtlCol="0" anchor="ctr"/>
-          <a:lstStyle>
-            <a:lvl1pPr algn="r">
-              <a:defRPr sz="1200">
-                <a:solidFill>
-                  <a:schemeClr val="tx1">
-                    <a:tint val="75000"/>
-                  </a:schemeClr>
-                </a:solidFill>
-              </a:defRPr>
-            </a:lvl1pPr>
-          </a:lstStyle>
-          <a:p>
-            <a:fld id="{B39ABBCD-9760-4644-823F-45F0EC2041DD}" type="slidenum">
-              <a:rPr lang="en-US" smtClean="0"/>
-              <a:t>‹#›</a:t>
-            </a:fld>
-            <a:endParaRPr lang="en-US" dirty="0"/>
-          </a:p>
-        </p:txBody>
-      </p:sp>
+      </p:pic>
     </p:spTree>
     <p:extLst>
       <p:ext uri="{BB962C8B-B14F-4D97-AF65-F5344CB8AC3E}">
-        <p14:creationId xmlns:p14="http://schemas.microsoft.com/office/powerpoint/2010/main" val="366392317"/>
+        <p14:creationId xmlns:p14="http://schemas.microsoft.com/office/powerpoint/2010/main" val="4084490062"/>
       </p:ext>
     </p:extLst>
   </p:cSld>
   <p:clrMap bg1="lt1" tx1="dk1" bg2="lt2" tx2="dk2" accent1="accent1" accent2="accent2" accent3="accent3" accent4="accent4" accent5="accent5" accent6="accent6" hlink="hlink" folHlink="folHlink"/>
   <p:sldLayoutIdLst>
     <p:sldLayoutId id="2147483649" r:id="rId1"/>
-    <p:sldLayoutId id="2147483650" r:id="rId2"/>
+    <p:sldLayoutId id="2147483652" r:id="rId2"/>
     <p:sldLayoutId id="2147483651" r:id="rId3"/>
   </p:sldLayoutIdLst>
-  <p:timing>
-    <p:tnLst>
-      <p:par>
-        <p:cTn id="1" dur="indefinite" restart="never" nodeType="tmRoot"/>
-      </p:par>
-    </p:tnLst>
-  </p:timing>
-  <p:hf hdr="0" ftr="0" dt="0"/>
   <p:txStyles>
     <p:titleStyle>
       <a:lvl1pPr algn="ctr" defTabSz="914400" rtl="0" eaLnBrk="1" latinLnBrk="0" hangingPunct="1">
@@ -2190,7 +1350,7 @@
         <a:spcBef>
           <a:spcPct val="20000"/>
         </a:spcBef>
-        <a:buFont typeface="Arial" pitchFamily="34" charset="0"/>
+        <a:buFont typeface="Arial" panose="020B0604020202020204" pitchFamily="34" charset="0"/>
         <a:buChar char="•"/>
         <a:defRPr sz="3200" kern="1200">
           <a:solidFill>
@@ -2205,7 +1365,7 @@
         <a:spcBef>
           <a:spcPct val="20000"/>
         </a:spcBef>
-        <a:buFont typeface="Arial" pitchFamily="34" charset="0"/>
+        <a:buFont typeface="Arial" panose="020B0604020202020204" pitchFamily="34" charset="0"/>
         <a:buChar char="–"/>
         <a:defRPr sz="2800" kern="1200">
           <a:solidFill>
@@ -2220,7 +1380,7 @@
         <a:spcBef>
           <a:spcPct val="20000"/>
         </a:spcBef>
-        <a:buFont typeface="Arial" pitchFamily="34" charset="0"/>
+        <a:buFont typeface="Arial" panose="020B0604020202020204" pitchFamily="34" charset="0"/>
         <a:buChar char="•"/>
         <a:defRPr sz="2400" kern="1200">
           <a:solidFill>
@@ -2235,7 +1395,7 @@
         <a:spcBef>
           <a:spcPct val="20000"/>
         </a:spcBef>
-        <a:buFont typeface="Arial" pitchFamily="34" charset="0"/>
+        <a:buFont typeface="Arial" panose="020B0604020202020204" pitchFamily="34" charset="0"/>
         <a:buChar char="–"/>
         <a:defRPr sz="2000" kern="1200">
           <a:solidFill>
@@ -2250,7 +1410,7 @@
         <a:spcBef>
           <a:spcPct val="20000"/>
         </a:spcBef>
-        <a:buFont typeface="Arial" pitchFamily="34" charset="0"/>
+        <a:buFont typeface="Arial" panose="020B0604020202020204" pitchFamily="34" charset="0"/>
         <a:buChar char="»"/>
         <a:defRPr sz="2000" kern="1200">
           <a:solidFill>
@@ -2265,7 +1425,7 @@
         <a:spcBef>
           <a:spcPct val="20000"/>
         </a:spcBef>
-        <a:buFont typeface="Arial" pitchFamily="34" charset="0"/>
+        <a:buFont typeface="Arial" panose="020B0604020202020204" pitchFamily="34" charset="0"/>
         <a:buChar char="•"/>
         <a:defRPr sz="2000" kern="1200">
           <a:solidFill>
@@ -2280,7 +1440,7 @@
         <a:spcBef>
           <a:spcPct val="20000"/>
         </a:spcBef>
-        <a:buFont typeface="Arial" pitchFamily="34" charset="0"/>
+        <a:buFont typeface="Arial" panose="020B0604020202020204" pitchFamily="34" charset="0"/>
         <a:buChar char="•"/>
         <a:defRPr sz="2000" kern="1200">
           <a:solidFill>
@@ -2295,7 +1455,7 @@
         <a:spcBef>
           <a:spcPct val="20000"/>
         </a:spcBef>
-        <a:buFont typeface="Arial" pitchFamily="34" charset="0"/>
+        <a:buFont typeface="Arial" panose="020B0604020202020204" pitchFamily="34" charset="0"/>
         <a:buChar char="•"/>
         <a:defRPr sz="2000" kern="1200">
           <a:solidFill>
@@ -2310,7 +1470,7 @@
         <a:spcBef>
           <a:spcPct val="20000"/>
         </a:spcBef>
-        <a:buFont typeface="Arial" pitchFamily="34" charset="0"/>
+        <a:buFont typeface="Arial" panose="020B0604020202020204" pitchFamily="34" charset="0"/>
         <a:buChar char="•"/>
         <a:defRPr sz="2000" kern="1200">
           <a:solidFill>
@@ -2440,62 +1600,7 @@
       </p:grpSpPr>
       <p:sp>
         <p:nvSpPr>
-          <p:cNvPr id="4" name="Text Placeholder 3"/>
-          <p:cNvSpPr>
-            <a:spLocks noGrp="1"/>
-          </p:cNvSpPr>
-          <p:nvPr>
-            <p:ph type="body" sz="quarter" idx="12"/>
-          </p:nvPr>
-        </p:nvSpPr>
-        <p:spPr/>
-        <p:txBody>
-          <a:bodyPr/>
-          <a:lstStyle/>
-          <a:p>
-            <a:endParaRPr lang="en-US" dirty="0"/>
-          </a:p>
-        </p:txBody>
-      </p:sp>
-      <p:sp>
-        <p:nvSpPr>
-          <p:cNvPr id="5" name="Text Placeholder 4"/>
-          <p:cNvSpPr>
-            <a:spLocks noGrp="1"/>
-          </p:cNvSpPr>
-          <p:nvPr>
-            <p:ph type="body" sz="quarter" idx="10"/>
-          </p:nvPr>
-        </p:nvSpPr>
-        <p:spPr/>
-        <p:txBody>
-          <a:bodyPr/>
-          <a:lstStyle/>
-          <a:p>
-            <a:pPr marL="0" marR="0" lvl="0" indent="0" defTabSz="914400" eaLnBrk="1" fontAlgn="auto" latinLnBrk="0" hangingPunct="1">
-              <a:lnSpc>
-                <a:spcPct val="100000"/>
-              </a:lnSpc>
-              <a:spcBef>
-                <a:spcPts val="0"/>
-              </a:spcBef>
-              <a:spcAft>
-                <a:spcPts val="0"/>
-              </a:spcAft>
-              <a:buClrTx/>
-              <a:buSzTx/>
-              <a:buFontTx/>
-              <a:buNone/>
-              <a:tabLst/>
-              <a:defRPr/>
-            </a:pPr>
-            <a:endParaRPr lang="en-US"/>
-          </a:p>
-        </p:txBody>
-      </p:sp>
-      <p:sp>
-        <p:nvSpPr>
-          <p:cNvPr id="6" name="Title 5"/>
+          <p:cNvPr id="2" name="Title 1"/>
           <p:cNvSpPr>
             <a:spLocks noGrp="1"/>
           </p:cNvSpPr>
@@ -2508,27 +1613,27 @@
           <a:bodyPr/>
           <a:lstStyle/>
           <a:p>
-            <a:endParaRPr lang="en-US"/>
+            <a:endParaRPr lang="en-US" dirty="0"/>
           </a:p>
         </p:txBody>
       </p:sp>
       <p:pic>
         <p:nvPicPr>
-          <p:cNvPr id="9" name="Picture 8"/>
+          <p:cNvPr id="3" name="Picture 2"/>
           <p:cNvPicPr>
             <a:picLocks noChangeAspect="1"/>
           </p:cNvPicPr>
           <p:nvPr/>
         </p:nvPicPr>
         <p:blipFill>
-          <a:blip r:embed="rId3"/>
+          <a:blip r:embed="rId2"/>
           <a:stretch>
             <a:fillRect/>
           </a:stretch>
         </p:blipFill>
         <p:spPr>
           <a:xfrm>
-            <a:off x="330631" y="2133600"/>
+            <a:off x="304800" y="914400"/>
             <a:ext cx="8128000" cy="2298700"/>
           </a:xfrm>
           <a:prstGeom prst="rect">
@@ -2539,7 +1644,7 @@
     </p:spTree>
     <p:extLst>
       <p:ext uri="{BB962C8B-B14F-4D97-AF65-F5344CB8AC3E}">
-        <p14:creationId xmlns:p14="http://schemas.microsoft.com/office/powerpoint/2010/main" val="901347963"/>
+        <p14:creationId xmlns:p14="http://schemas.microsoft.com/office/powerpoint/2010/main" val="3180214167"/>
       </p:ext>
     </p:extLst>
   </p:cSld>
@@ -2608,55 +1713,30 @@
         </p:nvSpPr>
         <p:spPr/>
         <p:txBody>
-          <a:bodyPr>
-            <a:normAutofit/>
-          </a:bodyPr>
-          <a:lstStyle/>
-          <a:p>
-            <a:r>
-              <a:rPr lang="en-US" dirty="0" smtClean="0"/>
-              <a:t>Clarify </a:t>
-            </a:r>
-            <a:r>
-              <a:rPr lang="en-US" dirty="0" err="1" smtClean="0"/>
-              <a:t>Hystrix</a:t>
-            </a:r>
-            <a:r>
-              <a:rPr lang="en-US" dirty="0" smtClean="0"/>
-              <a:t> and implementation</a:t>
-            </a:r>
-          </a:p>
-          <a:p>
-            <a:r>
-              <a:rPr lang="en-US" dirty="0" err="1" smtClean="0"/>
-              <a:t>Hystrix</a:t>
-            </a:r>
-            <a:r>
-              <a:rPr lang="en-US" dirty="0" smtClean="0"/>
-              <a:t> Dashboard</a:t>
-            </a:r>
-            <a:endParaRPr lang="en-US" dirty="0"/>
-          </a:p>
-        </p:txBody>
-      </p:sp>
-      <p:sp>
-        <p:nvSpPr>
-          <p:cNvPr id="4" name="Text Placeholder 3"/>
-          <p:cNvSpPr>
-            <a:spLocks noGrp="1"/>
-          </p:cNvSpPr>
-          <p:nvPr>
-            <p:ph type="body" sz="quarter" idx="12"/>
-          </p:nvPr>
-        </p:nvSpPr>
-        <p:spPr/>
-        <p:txBody>
           <a:bodyPr/>
           <a:lstStyle/>
           <a:p>
             <a:r>
-              <a:rPr lang="en-US" dirty="0" err="1" smtClean="0"/>
+              <a:rPr lang="en-US" dirty="0"/>
+              <a:t>Clarify </a:t>
+            </a:r>
+            <a:r>
+              <a:rPr lang="en-US" dirty="0" err="1"/>
               <a:t>Hystrix</a:t>
+            </a:r>
+            <a:r>
+              <a:rPr lang="en-US" dirty="0"/>
+              <a:t> and implementation</a:t>
+            </a:r>
+          </a:p>
+          <a:p>
+            <a:r>
+              <a:rPr lang="en-US" dirty="0" err="1"/>
+              <a:t>Hystrix</a:t>
+            </a:r>
+            <a:r>
+              <a:rPr lang="en-US" dirty="0"/>
+              <a:t> Dashboard</a:t>
             </a:r>
             <a:endParaRPr lang="en-US" dirty="0"/>
           </a:p>
@@ -2665,7 +1745,7 @@
     </p:spTree>
     <p:extLst>
       <p:ext uri="{BB962C8B-B14F-4D97-AF65-F5344CB8AC3E}">
-        <p14:creationId xmlns:p14="http://schemas.microsoft.com/office/powerpoint/2010/main" val="475018909"/>
+        <p14:creationId xmlns:p14="http://schemas.microsoft.com/office/powerpoint/2010/main" val="1816582952"/>
       </p:ext>
     </p:extLst>
   </p:cSld>
@@ -2714,7 +1794,7 @@
           <a:bodyPr/>
           <a:lstStyle/>
           <a:p>
-            <a:endParaRPr lang="en-US" dirty="0"/>
+            <a:endParaRPr lang="en-US"/>
           </a:p>
         </p:txBody>
       </p:sp>
@@ -2730,48 +1810,23 @@
         </p:nvSpPr>
         <p:spPr/>
         <p:txBody>
-          <a:bodyPr>
-            <a:normAutofit/>
-          </a:bodyPr>
-          <a:lstStyle/>
-          <a:p>
-            <a:endParaRPr lang="en-US" dirty="0"/>
-          </a:p>
-        </p:txBody>
-      </p:sp>
-      <p:sp>
-        <p:nvSpPr>
-          <p:cNvPr id="4" name="Text Placeholder 3"/>
-          <p:cNvSpPr>
-            <a:spLocks noGrp="1"/>
-          </p:cNvSpPr>
-          <p:nvPr>
-            <p:ph type="body" sz="quarter" idx="12"/>
-          </p:nvPr>
-        </p:nvSpPr>
-        <p:spPr/>
-        <p:txBody>
           <a:bodyPr/>
           <a:lstStyle/>
           <a:p>
-            <a:r>
-              <a:rPr lang="en-US" dirty="0" err="1" smtClean="0"/>
-              <a:t>Hystrix</a:t>
-            </a:r>
-            <a:endParaRPr lang="en-US" dirty="0"/>
+            <a:endParaRPr lang="en-US"/>
           </a:p>
         </p:txBody>
       </p:sp>
       <p:pic>
         <p:nvPicPr>
-          <p:cNvPr id="7" name="Picture 6"/>
+          <p:cNvPr id="4" name="Picture 3"/>
           <p:cNvPicPr>
             <a:picLocks noChangeAspect="1"/>
           </p:cNvPicPr>
           <p:nvPr/>
         </p:nvPicPr>
         <p:blipFill>
-          <a:blip r:embed="rId3"/>
+          <a:blip r:embed="rId2"/>
           <a:stretch>
             <a:fillRect/>
           </a:stretch>
@@ -2789,7 +1844,7 @@
     </p:spTree>
     <p:extLst>
       <p:ext uri="{BB962C8B-B14F-4D97-AF65-F5344CB8AC3E}">
-        <p14:creationId xmlns:p14="http://schemas.microsoft.com/office/powerpoint/2010/main" val="2136898140"/>
+        <p14:creationId xmlns:p14="http://schemas.microsoft.com/office/powerpoint/2010/main" val="1422107167"/>
       </p:ext>
     </p:extLst>
   </p:cSld>
@@ -2838,6 +1893,10 @@
           <a:bodyPr/>
           <a:lstStyle/>
           <a:p>
+            <a:r>
+              <a:rPr lang="en-US" dirty="0" smtClean="0"/>
+              <a:t>SOA</a:t>
+            </a:r>
             <a:endParaRPr lang="en-US" dirty="0"/>
           </a:p>
         </p:txBody>
@@ -2854,58 +1913,16 @@
         </p:nvSpPr>
         <p:spPr/>
         <p:txBody>
-          <a:bodyPr>
-            <a:normAutofit/>
-          </a:bodyPr>
-          <a:lstStyle/>
-          <a:p>
-            <a:pPr marL="0" marR="0" lvl="0" indent="0" defTabSz="914400" eaLnBrk="1" fontAlgn="auto" latinLnBrk="0" hangingPunct="1">
-              <a:lnSpc>
-                <a:spcPct val="100000"/>
-              </a:lnSpc>
-              <a:spcBef>
-                <a:spcPts val="0"/>
-              </a:spcBef>
-              <a:spcAft>
-                <a:spcPts val="0"/>
-              </a:spcAft>
-              <a:buClrTx/>
-              <a:buSzTx/>
-              <a:buFontTx/>
-              <a:buNone/>
-              <a:tabLst/>
-              <a:defRPr/>
-            </a:pPr>
-            <a:endParaRPr lang="en-US" dirty="0"/>
-          </a:p>
-        </p:txBody>
-      </p:sp>
-      <p:sp>
-        <p:nvSpPr>
-          <p:cNvPr id="4" name="Text Placeholder 3"/>
-          <p:cNvSpPr>
-            <a:spLocks noGrp="1"/>
-          </p:cNvSpPr>
-          <p:nvPr>
-            <p:ph type="body" sz="quarter" idx="12"/>
-          </p:nvPr>
-        </p:nvSpPr>
-        <p:spPr/>
-        <p:txBody>
           <a:bodyPr/>
           <a:lstStyle/>
           <a:p>
-            <a:r>
-              <a:rPr lang="en-US" dirty="0" err="1" smtClean="0"/>
-              <a:t>Hystrix</a:t>
-            </a:r>
             <a:endParaRPr lang="en-US" dirty="0"/>
           </a:p>
         </p:txBody>
       </p:sp>
       <p:sp>
         <p:nvSpPr>
-          <p:cNvPr id="5" name="Rectangle 4"/>
+          <p:cNvPr id="4" name="Rectangle 3"/>
           <p:cNvSpPr/>
           <p:nvPr/>
         </p:nvSpPr>
@@ -2967,7 +1984,7 @@
       </p:sp>
       <p:sp>
         <p:nvSpPr>
-          <p:cNvPr id="6" name="TextBox 5"/>
+          <p:cNvPr id="5" name="TextBox 4"/>
           <p:cNvSpPr txBox="1"/>
           <p:nvPr/>
         </p:nvSpPr>
@@ -2996,7 +2013,7 @@
       </p:sp>
       <p:sp>
         <p:nvSpPr>
-          <p:cNvPr id="7" name="Rectangle 6"/>
+          <p:cNvPr id="6" name="Rectangle 5"/>
           <p:cNvSpPr/>
           <p:nvPr/>
         </p:nvSpPr>
@@ -3058,7 +2075,7 @@
       </p:sp>
       <p:sp>
         <p:nvSpPr>
-          <p:cNvPr id="8" name="Rectangle 7"/>
+          <p:cNvPr id="7" name="Rectangle 6"/>
           <p:cNvSpPr/>
           <p:nvPr/>
         </p:nvSpPr>
@@ -3120,9 +2137,9 @@
       </p:sp>
       <p:cxnSp>
         <p:nvCxnSpPr>
-          <p:cNvPr id="10" name="Straight Arrow Connector 9"/>
+          <p:cNvPr id="8" name="Straight Arrow Connector 7"/>
           <p:cNvCxnSpPr>
-            <a:endCxn id="8" idx="1"/>
+            <a:endCxn id="10" idx="1"/>
           </p:cNvCxnSpPr>
           <p:nvPr/>
         </p:nvCxnSpPr>
@@ -3155,7 +2172,7 @@
       </p:cxnSp>
       <p:cxnSp>
         <p:nvCxnSpPr>
-          <p:cNvPr id="12" name="Straight Arrow Connector 11"/>
+          <p:cNvPr id="9" name="Straight Arrow Connector 8"/>
           <p:cNvCxnSpPr/>
           <p:nvPr/>
         </p:nvCxnSpPr>
@@ -3188,7 +2205,7 @@
       </p:cxnSp>
       <p:cxnSp>
         <p:nvCxnSpPr>
-          <p:cNvPr id="14" name="Straight Connector 13"/>
+          <p:cNvPr id="10" name="Straight Connector 9"/>
           <p:cNvCxnSpPr/>
           <p:nvPr/>
         </p:nvCxnSpPr>
@@ -3219,7 +2236,7 @@
     </p:spTree>
     <p:extLst>
       <p:ext uri="{BB962C8B-B14F-4D97-AF65-F5344CB8AC3E}">
-        <p14:creationId xmlns:p14="http://schemas.microsoft.com/office/powerpoint/2010/main" val="1767048322"/>
+        <p14:creationId xmlns:p14="http://schemas.microsoft.com/office/powerpoint/2010/main" val="251042823"/>
       </p:ext>
     </p:extLst>
   </p:cSld>
@@ -3268,7 +2285,7 @@
           <a:bodyPr/>
           <a:lstStyle/>
           <a:p>
-            <a:endParaRPr lang="en-US" dirty="0"/>
+            <a:endParaRPr lang="en-US"/>
           </a:p>
         </p:txBody>
       </p:sp>
@@ -3284,58 +2301,16 @@
         </p:nvSpPr>
         <p:spPr/>
         <p:txBody>
-          <a:bodyPr>
-            <a:normAutofit/>
-          </a:bodyPr>
-          <a:lstStyle/>
-          <a:p>
-            <a:pPr marL="0" marR="0" lvl="0" indent="0" defTabSz="914400" eaLnBrk="1" fontAlgn="auto" latinLnBrk="0" hangingPunct="1">
-              <a:lnSpc>
-                <a:spcPct val="100000"/>
-              </a:lnSpc>
-              <a:spcBef>
-                <a:spcPts val="0"/>
-              </a:spcBef>
-              <a:spcAft>
-                <a:spcPts val="0"/>
-              </a:spcAft>
-              <a:buClrTx/>
-              <a:buSzTx/>
-              <a:buFontTx/>
-              <a:buNone/>
-              <a:tabLst/>
-              <a:defRPr/>
-            </a:pPr>
-            <a:endParaRPr lang="en-US" dirty="0"/>
-          </a:p>
-        </p:txBody>
-      </p:sp>
-      <p:sp>
-        <p:nvSpPr>
-          <p:cNvPr id="4" name="Text Placeholder 3"/>
-          <p:cNvSpPr>
-            <a:spLocks noGrp="1"/>
-          </p:cNvSpPr>
-          <p:nvPr>
-            <p:ph type="body" sz="quarter" idx="12"/>
-          </p:nvPr>
-        </p:nvSpPr>
-        <p:spPr/>
-        <p:txBody>
           <a:bodyPr/>
           <a:lstStyle/>
           <a:p>
-            <a:r>
-              <a:rPr lang="en-US" dirty="0" err="1" smtClean="0"/>
-              <a:t>Hystrix</a:t>
-            </a:r>
             <a:endParaRPr lang="en-US" dirty="0"/>
           </a:p>
         </p:txBody>
       </p:sp>
       <p:sp>
         <p:nvSpPr>
-          <p:cNvPr id="5" name="Rectangle 4"/>
+          <p:cNvPr id="4" name="Rectangle 3"/>
           <p:cNvSpPr/>
           <p:nvPr/>
         </p:nvSpPr>
@@ -3397,7 +2372,7 @@
       </p:sp>
       <p:sp>
         <p:nvSpPr>
-          <p:cNvPr id="6" name="TextBox 5"/>
+          <p:cNvPr id="5" name="TextBox 4"/>
           <p:cNvSpPr txBox="1"/>
           <p:nvPr/>
         </p:nvSpPr>
@@ -3426,7 +2401,7 @@
       </p:sp>
       <p:sp>
         <p:nvSpPr>
-          <p:cNvPr id="7" name="Rectangle 6"/>
+          <p:cNvPr id="6" name="Rectangle 5"/>
           <p:cNvSpPr/>
           <p:nvPr/>
         </p:nvSpPr>
@@ -3488,7 +2463,7 @@
       </p:sp>
       <p:sp>
         <p:nvSpPr>
-          <p:cNvPr id="8" name="Rectangle 7"/>
+          <p:cNvPr id="7" name="Rectangle 6"/>
           <p:cNvSpPr/>
           <p:nvPr/>
         </p:nvSpPr>
@@ -3570,7 +2545,7 @@
       </p:sp>
       <p:cxnSp>
         <p:nvCxnSpPr>
-          <p:cNvPr id="10" name="Straight Arrow Connector 9"/>
+          <p:cNvPr id="8" name="Straight Arrow Connector 7"/>
           <p:cNvCxnSpPr/>
           <p:nvPr/>
         </p:nvCxnSpPr>
@@ -3603,7 +2578,7 @@
       </p:cxnSp>
       <p:cxnSp>
         <p:nvCxnSpPr>
-          <p:cNvPr id="12" name="Straight Arrow Connector 11"/>
+          <p:cNvPr id="9" name="Straight Arrow Connector 8"/>
           <p:cNvCxnSpPr/>
           <p:nvPr/>
         </p:nvCxnSpPr>
@@ -3636,7 +2611,7 @@
       </p:cxnSp>
       <p:cxnSp>
         <p:nvCxnSpPr>
-          <p:cNvPr id="14" name="Straight Connector 13"/>
+          <p:cNvPr id="10" name="Straight Connector 9"/>
           <p:cNvCxnSpPr/>
           <p:nvPr/>
         </p:nvCxnSpPr>
@@ -3666,7 +2641,7 @@
       </p:cxnSp>
       <p:cxnSp>
         <p:nvCxnSpPr>
-          <p:cNvPr id="16" name="Straight Arrow Connector 15"/>
+          <p:cNvPr id="11" name="Straight Arrow Connector 10"/>
           <p:cNvCxnSpPr/>
           <p:nvPr/>
         </p:nvCxnSpPr>
@@ -3699,7 +2674,7 @@
       </p:cxnSp>
       <p:sp>
         <p:nvSpPr>
-          <p:cNvPr id="17" name="Rectangle 16"/>
+          <p:cNvPr id="12" name="Rectangle 11"/>
           <p:cNvSpPr/>
           <p:nvPr/>
         </p:nvSpPr>
@@ -3762,7 +2737,7 @@
     </p:spTree>
     <p:extLst>
       <p:ext uri="{BB962C8B-B14F-4D97-AF65-F5344CB8AC3E}">
-        <p14:creationId xmlns:p14="http://schemas.microsoft.com/office/powerpoint/2010/main" val="204216737"/>
+        <p14:creationId xmlns:p14="http://schemas.microsoft.com/office/powerpoint/2010/main" val="1618843453"/>
       </p:ext>
     </p:extLst>
   </p:cSld>
@@ -3811,7 +2786,7 @@
           <a:bodyPr/>
           <a:lstStyle/>
           <a:p>
-            <a:endParaRPr lang="en-US" dirty="0"/>
+            <a:endParaRPr lang="en-US"/>
           </a:p>
         </p:txBody>
       </p:sp>
@@ -3827,101 +2802,30 @@
         </p:nvSpPr>
         <p:spPr/>
         <p:txBody>
-          <a:bodyPr>
-            <a:normAutofit/>
-          </a:bodyPr>
-          <a:lstStyle/>
-          <a:p>
-            <a:pPr marL="0" marR="0" lvl="0" indent="0" defTabSz="914400" eaLnBrk="1" fontAlgn="auto" latinLnBrk="0" hangingPunct="1">
-              <a:lnSpc>
-                <a:spcPct val="100000"/>
-              </a:lnSpc>
-              <a:spcBef>
-                <a:spcPts val="0"/>
-              </a:spcBef>
-              <a:spcAft>
-                <a:spcPts val="0"/>
-              </a:spcAft>
-              <a:buClrTx/>
-              <a:buSzTx/>
-              <a:buFontTx/>
-              <a:buNone/>
-              <a:tabLst/>
-              <a:defRPr/>
-            </a:pPr>
-            <a:endParaRPr lang="en-US" dirty="0"/>
-          </a:p>
-        </p:txBody>
-      </p:sp>
-      <p:sp>
-        <p:nvSpPr>
-          <p:cNvPr id="4" name="Text Placeholder 3"/>
-          <p:cNvSpPr>
-            <a:spLocks noGrp="1"/>
-          </p:cNvSpPr>
-          <p:nvPr>
-            <p:ph type="body" sz="quarter" idx="12"/>
-          </p:nvPr>
-        </p:nvSpPr>
-        <p:spPr/>
-        <p:txBody>
           <a:bodyPr/>
           <a:lstStyle/>
           <a:p>
-            <a:r>
-              <a:rPr lang="en-US" dirty="0" err="1" smtClean="0"/>
-              <a:t>Hystrix</a:t>
-            </a:r>
             <a:endParaRPr lang="en-US" dirty="0"/>
-          </a:p>
-        </p:txBody>
-      </p:sp>
-      <p:sp>
-        <p:nvSpPr>
-          <p:cNvPr id="6" name="TextBox 5"/>
-          <p:cNvSpPr txBox="1"/>
-          <p:nvPr/>
-        </p:nvSpPr>
-        <p:spPr>
-          <a:xfrm>
-            <a:off x="2836190" y="3471620"/>
-            <a:ext cx="914400" cy="914400"/>
-          </a:xfrm>
-          <a:prstGeom prst="rect">
-            <a:avLst/>
-          </a:prstGeom>
-          <a:noFill/>
-          <a:ln>
-            <a:noFill/>
-          </a:ln>
-        </p:spPr>
-        <p:txBody>
-          <a:bodyPr vert="horz" wrap="none" lIns="91440" tIns="45720" rIns="91440" bIns="45720" rtlCol="0" anchor="ctr">
-            <a:normAutofit/>
-          </a:bodyPr>
-          <a:lstStyle/>
-          <a:p>
-            <a:endParaRPr lang="en-US" dirty="0" smtClean="0"/>
           </a:p>
         </p:txBody>
       </p:sp>
       <p:pic>
         <p:nvPicPr>
-          <p:cNvPr id="5" name="Picture 4"/>
+          <p:cNvPr id="4" name="Picture 3"/>
           <p:cNvPicPr>
             <a:picLocks noChangeAspect="1"/>
           </p:cNvPicPr>
           <p:nvPr/>
         </p:nvPicPr>
         <p:blipFill>
-          <a:blip r:embed="rId3"/>
+          <a:blip r:embed="rId2"/>
           <a:stretch>
             <a:fillRect/>
           </a:stretch>
         </p:blipFill>
         <p:spPr>
           <a:xfrm>
-            <a:off x="2402633" y="457200"/>
+            <a:off x="2209800" y="98502"/>
             <a:ext cx="4049486" cy="6096000"/>
           </a:xfrm>
           <a:prstGeom prst="rect">
@@ -3932,7 +2836,7 @@
     </p:spTree>
     <p:extLst>
       <p:ext uri="{BB962C8B-B14F-4D97-AF65-F5344CB8AC3E}">
-        <p14:creationId xmlns:p14="http://schemas.microsoft.com/office/powerpoint/2010/main" val="289785791"/>
+        <p14:creationId xmlns:p14="http://schemas.microsoft.com/office/powerpoint/2010/main" val="1431590728"/>
       </p:ext>
     </p:extLst>
   </p:cSld>
@@ -3981,7 +2885,7 @@
           <a:bodyPr/>
           <a:lstStyle/>
           <a:p>
-            <a:endParaRPr lang="en-US" dirty="0"/>
+            <a:endParaRPr lang="en-US"/>
           </a:p>
         </p:txBody>
       </p:sp>
@@ -3997,94 +2901,23 @@
         </p:nvSpPr>
         <p:spPr/>
         <p:txBody>
-          <a:bodyPr>
-            <a:normAutofit/>
-          </a:bodyPr>
-          <a:lstStyle/>
-          <a:p>
-            <a:pPr marL="0" marR="0" lvl="0" indent="0" defTabSz="914400" eaLnBrk="1" fontAlgn="auto" latinLnBrk="0" hangingPunct="1">
-              <a:lnSpc>
-                <a:spcPct val="100000"/>
-              </a:lnSpc>
-              <a:spcBef>
-                <a:spcPts val="0"/>
-              </a:spcBef>
-              <a:spcAft>
-                <a:spcPts val="0"/>
-              </a:spcAft>
-              <a:buClrTx/>
-              <a:buSzTx/>
-              <a:buFontTx/>
-              <a:buNone/>
-              <a:tabLst/>
-              <a:defRPr/>
-            </a:pPr>
-            <a:endParaRPr lang="en-US" dirty="0"/>
-          </a:p>
-        </p:txBody>
-      </p:sp>
-      <p:sp>
-        <p:nvSpPr>
-          <p:cNvPr id="4" name="Text Placeholder 3"/>
-          <p:cNvSpPr>
-            <a:spLocks noGrp="1"/>
-          </p:cNvSpPr>
-          <p:nvPr>
-            <p:ph type="body" sz="quarter" idx="12"/>
-          </p:nvPr>
-        </p:nvSpPr>
-        <p:spPr/>
-        <p:txBody>
           <a:bodyPr/>
           <a:lstStyle/>
           <a:p>
-            <a:r>
-              <a:rPr lang="en-US" dirty="0" err="1" smtClean="0"/>
-              <a:t>Hystrix</a:t>
-            </a:r>
             <a:endParaRPr lang="en-US" dirty="0"/>
-          </a:p>
-        </p:txBody>
-      </p:sp>
-      <p:sp>
-        <p:nvSpPr>
-          <p:cNvPr id="6" name="TextBox 5"/>
-          <p:cNvSpPr txBox="1"/>
-          <p:nvPr/>
-        </p:nvSpPr>
-        <p:spPr>
-          <a:xfrm>
-            <a:off x="2836190" y="3471620"/>
-            <a:ext cx="914400" cy="914400"/>
-          </a:xfrm>
-          <a:prstGeom prst="rect">
-            <a:avLst/>
-          </a:prstGeom>
-          <a:noFill/>
-          <a:ln>
-            <a:noFill/>
-          </a:ln>
-        </p:spPr>
-        <p:txBody>
-          <a:bodyPr vert="horz" wrap="none" lIns="91440" tIns="45720" rIns="91440" bIns="45720" rtlCol="0" anchor="ctr">
-            <a:normAutofit/>
-          </a:bodyPr>
-          <a:lstStyle/>
-          <a:p>
-            <a:endParaRPr lang="en-US" dirty="0" smtClean="0"/>
           </a:p>
         </p:txBody>
       </p:sp>
       <p:pic>
         <p:nvPicPr>
-          <p:cNvPr id="9" name="Picture 8"/>
+          <p:cNvPr id="4" name="Picture 3"/>
           <p:cNvPicPr>
             <a:picLocks noChangeAspect="1"/>
           </p:cNvPicPr>
           <p:nvPr/>
         </p:nvPicPr>
         <p:blipFill>
-          <a:blip r:embed="rId3"/>
+          <a:blip r:embed="rId2"/>
           <a:stretch>
             <a:fillRect/>
           </a:stretch>
@@ -4102,7 +2935,7 @@
     </p:spTree>
     <p:extLst>
       <p:ext uri="{BB962C8B-B14F-4D97-AF65-F5344CB8AC3E}">
-        <p14:creationId xmlns:p14="http://schemas.microsoft.com/office/powerpoint/2010/main" val="2036166870"/>
+        <p14:creationId xmlns:p14="http://schemas.microsoft.com/office/powerpoint/2010/main" val="651160674"/>
       </p:ext>
     </p:extLst>
   </p:cSld>
@@ -4153,7 +2986,7 @@
           <a:p>
             <a:r>
               <a:rPr lang="en-US" dirty="0" smtClean="0"/>
-              <a:t>Additional interesting configuration:</a:t>
+              <a:t>Configuration options:</a:t>
             </a:r>
             <a:endParaRPr lang="en-US" dirty="0"/>
           </a:p>
@@ -4171,9 +3004,7 @@
         </p:nvSpPr>
         <p:spPr/>
         <p:txBody>
-          <a:bodyPr>
-            <a:normAutofit/>
-          </a:bodyPr>
+          <a:bodyPr/>
           <a:lstStyle/>
           <a:p>
             <a:pPr>
@@ -4183,11 +3014,11 @@
               <a:defRPr/>
             </a:pPr>
             <a:r>
-              <a:rPr lang="en-US" dirty="0" err="1" smtClean="0"/>
+              <a:rPr lang="en-US" dirty="0" err="1"/>
               <a:t>timeoutInMilliseconds</a:t>
             </a:r>
             <a:r>
-              <a:rPr lang="en-US" dirty="0" smtClean="0"/>
+              <a:rPr lang="en-US" dirty="0"/>
               <a:t> (1000)</a:t>
             </a:r>
           </a:p>
@@ -4199,14 +3030,13 @@
               <a:defRPr/>
             </a:pPr>
             <a:r>
-              <a:rPr lang="en-US" dirty="0" err="1" smtClean="0"/>
+              <a:rPr lang="en-US" dirty="0" err="1"/>
               <a:t>requestVolumeThreshold</a:t>
             </a:r>
             <a:r>
-              <a:rPr lang="en-US" dirty="0" smtClean="0"/>
+              <a:rPr lang="en-US" dirty="0"/>
               <a:t> (20)</a:t>
             </a:r>
-            <a:endParaRPr lang="en-US" dirty="0"/>
           </a:p>
           <a:p>
             <a:pPr>
@@ -4216,14 +3046,13 @@
               <a:defRPr/>
             </a:pPr>
             <a:r>
-              <a:rPr lang="en-US" dirty="0" err="1" smtClean="0"/>
+              <a:rPr lang="en-US" dirty="0" err="1"/>
               <a:t>sleepWindowInMilliseconds</a:t>
             </a:r>
             <a:r>
-              <a:rPr lang="en-US" dirty="0" smtClean="0"/>
+              <a:rPr lang="en-US" dirty="0"/>
               <a:t> (5000)</a:t>
             </a:r>
-            <a:endParaRPr lang="en-US" dirty="0"/>
           </a:p>
           <a:p>
             <a:pPr>
@@ -4233,102 +3062,23 @@
               <a:defRPr/>
             </a:pPr>
             <a:r>
-              <a:rPr lang="en-US" dirty="0" err="1" smtClean="0"/>
+              <a:rPr lang="en-US" dirty="0" err="1"/>
               <a:t>errorThresholdPercentage</a:t>
             </a:r>
             <a:r>
-              <a:rPr lang="en-US" dirty="0" smtClean="0"/>
+              <a:rPr lang="en-US" dirty="0"/>
               <a:t> (50)</a:t>
             </a:r>
+          </a:p>
+          <a:p>
             <a:endParaRPr lang="en-US" dirty="0"/>
-          </a:p>
-          <a:p>
-            <a:pPr>
-              <a:spcBef>
-                <a:spcPts val="0"/>
-              </a:spcBef>
-              <a:defRPr/>
-            </a:pPr>
-            <a:endParaRPr lang="en-US" dirty="0"/>
-          </a:p>
-          <a:p>
-            <a:pPr marL="0" marR="0" lvl="0" indent="0" defTabSz="914400" eaLnBrk="1" fontAlgn="auto" latinLnBrk="0" hangingPunct="1">
-              <a:lnSpc>
-                <a:spcPct val="100000"/>
-              </a:lnSpc>
-              <a:spcBef>
-                <a:spcPts val="0"/>
-              </a:spcBef>
-              <a:spcAft>
-                <a:spcPts val="0"/>
-              </a:spcAft>
-              <a:buClrTx/>
-              <a:buSzTx/>
-              <a:buFontTx/>
-              <a:buNone/>
-              <a:tabLst/>
-              <a:defRPr/>
-            </a:pPr>
-            <a:endParaRPr lang="en-US" dirty="0"/>
-          </a:p>
-        </p:txBody>
-      </p:sp>
-      <p:sp>
-        <p:nvSpPr>
-          <p:cNvPr id="4" name="Text Placeholder 3"/>
-          <p:cNvSpPr>
-            <a:spLocks noGrp="1"/>
-          </p:cNvSpPr>
-          <p:nvPr>
-            <p:ph type="body" sz="quarter" idx="12"/>
-          </p:nvPr>
-        </p:nvSpPr>
-        <p:spPr/>
-        <p:txBody>
-          <a:bodyPr/>
-          <a:lstStyle/>
-          <a:p>
-            <a:r>
-              <a:rPr lang="en-US" dirty="0" err="1" smtClean="0"/>
-              <a:t>Hystrix</a:t>
-            </a:r>
-            <a:endParaRPr lang="en-US" dirty="0"/>
-          </a:p>
-        </p:txBody>
-      </p:sp>
-      <p:sp>
-        <p:nvSpPr>
-          <p:cNvPr id="6" name="TextBox 5"/>
-          <p:cNvSpPr txBox="1"/>
-          <p:nvPr/>
-        </p:nvSpPr>
-        <p:spPr>
-          <a:xfrm>
-            <a:off x="2836190" y="3471620"/>
-            <a:ext cx="914400" cy="914400"/>
-          </a:xfrm>
-          <a:prstGeom prst="rect">
-            <a:avLst/>
-          </a:prstGeom>
-          <a:noFill/>
-          <a:ln>
-            <a:noFill/>
-          </a:ln>
-        </p:spPr>
-        <p:txBody>
-          <a:bodyPr vert="horz" wrap="none" lIns="91440" tIns="45720" rIns="91440" bIns="45720" rtlCol="0" anchor="ctr">
-            <a:normAutofit/>
-          </a:bodyPr>
-          <a:lstStyle/>
-          <a:p>
-            <a:endParaRPr lang="en-US" dirty="0" smtClean="0"/>
           </a:p>
         </p:txBody>
       </p:sp>
     </p:spTree>
     <p:extLst>
       <p:ext uri="{BB962C8B-B14F-4D97-AF65-F5344CB8AC3E}">
-        <p14:creationId xmlns:p14="http://schemas.microsoft.com/office/powerpoint/2010/main" val="1574543192"/>
+        <p14:creationId xmlns:p14="http://schemas.microsoft.com/office/powerpoint/2010/main" val="1886575112"/>
       </p:ext>
     </p:extLst>
   </p:cSld>
@@ -4346,9 +3096,9 @@
 </file>
 
 <file path=ppt/theme/theme1.xml><?xml version="1.0" encoding="utf-8"?>
-<a:theme xmlns:a="http://schemas.openxmlformats.org/drawingml/2006/main" name="Office Theme">
+<a:theme xmlns:a="http://schemas.openxmlformats.org/drawingml/2006/main" name="2014.09 WhitePPT-AT3">
   <a:themeElements>
-    <a:clrScheme name="Cars.com Color Palette">
+    <a:clrScheme name="Cars Palette">
       <a:dk1>
         <a:sysClr val="windowText" lastClr="000000"/>
       </a:dk1>
@@ -4356,31 +3106,31 @@
         <a:sysClr val="window" lastClr="FFFFFF"/>
       </a:lt1>
       <a:dk2>
-        <a:srgbClr val="532380"/>
+        <a:srgbClr val="552380"/>
       </a:dk2>
       <a:lt2>
-        <a:srgbClr val="EEECE1"/>
+        <a:srgbClr val="95A1AA"/>
       </a:lt2>
       <a:accent1>
-        <a:srgbClr val="77A1AA"/>
+        <a:srgbClr val="250858"/>
       </a:accent1>
       <a:accent2>
-        <a:srgbClr val="5C707C"/>
+        <a:srgbClr val="7B2B83"/>
       </a:accent2>
       <a:accent3>
-        <a:srgbClr val="7B2B83"/>
+        <a:srgbClr val="5C707C"/>
       </a:accent3>
       <a:accent4>
-        <a:srgbClr val="250858"/>
+        <a:srgbClr val="0B61A8"/>
       </a:accent4>
       <a:accent5>
-        <a:srgbClr val="3A4951"/>
+        <a:srgbClr val="00A1A4"/>
       </a:accent5>
       <a:accent6>
-        <a:srgbClr val="00A1A4"/>
+        <a:srgbClr val="3A4951"/>
       </a:accent6>
       <a:hlink>
-        <a:srgbClr val="93A445"/>
+        <a:srgbClr val="0000FF"/>
       </a:hlink>
       <a:folHlink>
         <a:srgbClr val="800080"/>
@@ -4625,24 +3375,7 @@
       </a:bgFillStyleLst>
     </a:fmtScheme>
   </a:themeElements>
-  <a:objectDefaults>
-    <a:txDef>
-      <a:spPr>
-        <a:noFill/>
-        <a:ln>
-          <a:noFill/>
-        </a:ln>
-      </a:spPr>
-      <a:bodyPr vert="horz" lIns="91440" tIns="45720" rIns="91440" bIns="45720" rtlCol="0" anchor="ctr">
-        <a:normAutofit/>
-      </a:bodyPr>
-      <a:lstStyle>
-        <a:defPPr>
-          <a:defRPr dirty="0" smtClean="0"/>
-        </a:defPPr>
-      </a:lstStyle>
-    </a:txDef>
-  </a:objectDefaults>
+  <a:objectDefaults/>
   <a:extraClrSchemeLst/>
 </a:theme>
 </file>
@@ -4792,16 +3525,20 @@
           <a:gsLst>
             <a:gs pos="0">
               <a:schemeClr val="phClr">
-                <a:tint val="100000"/>
-                <a:shade val="100000"/>
+                <a:shade val="51000"/>
+                <a:satMod val="130000"/>
+              </a:schemeClr>
+            </a:gs>
+            <a:gs pos="80000">
+              <a:schemeClr val="phClr">
+                <a:shade val="93000"/>
                 <a:satMod val="130000"/>
               </a:schemeClr>
             </a:gs>
             <a:gs pos="100000">
               <a:schemeClr val="phClr">
-                <a:tint val="50000"/>
-                <a:shade val="100000"/>
-                <a:satMod val="350000"/>
+                <a:shade val="94000"/>
+                <a:satMod val="135000"/>
               </a:schemeClr>
             </a:gs>
           </a:gsLst>
@@ -4923,703 +3660,7 @@
       </a:bgFillStyleLst>
     </a:fmtScheme>
   </a:themeElements>
-  <a:objectDefaults>
-    <a:spDef>
-      <a:spPr/>
-      <a:bodyPr/>
-      <a:lstStyle/>
-      <a:style>
-        <a:lnRef idx="1">
-          <a:schemeClr val="accent1"/>
-        </a:lnRef>
-        <a:fillRef idx="3">
-          <a:schemeClr val="accent1"/>
-        </a:fillRef>
-        <a:effectRef idx="2">
-          <a:schemeClr val="accent1"/>
-        </a:effectRef>
-        <a:fontRef idx="minor">
-          <a:schemeClr val="lt1"/>
-        </a:fontRef>
-      </a:style>
-    </a:spDef>
-    <a:lnDef>
-      <a:spPr/>
-      <a:bodyPr/>
-      <a:lstStyle/>
-      <a:style>
-        <a:lnRef idx="2">
-          <a:schemeClr val="accent1"/>
-        </a:lnRef>
-        <a:fillRef idx="0">
-          <a:schemeClr val="accent1"/>
-        </a:fillRef>
-        <a:effectRef idx="1">
-          <a:schemeClr val="accent1"/>
-        </a:effectRef>
-        <a:fontRef idx="minor">
-          <a:schemeClr val="tx1"/>
-        </a:fontRef>
-      </a:style>
-    </a:lnDef>
-  </a:objectDefaults>
+  <a:objectDefaults/>
   <a:extraClrSchemeLst/>
 </a:theme>
-</file>
-
-<file path=ppt/theme/theme3.xml><?xml version="1.0" encoding="utf-8"?>
-<a:theme xmlns:a="http://schemas.openxmlformats.org/drawingml/2006/main" name="Office Theme">
-  <a:themeElements>
-    <a:clrScheme name="Office">
-      <a:dk1>
-        <a:sysClr val="windowText" lastClr="000000"/>
-      </a:dk1>
-      <a:lt1>
-        <a:sysClr val="window" lastClr="FFFFFF"/>
-      </a:lt1>
-      <a:dk2>
-        <a:srgbClr val="1F497D"/>
-      </a:dk2>
-      <a:lt2>
-        <a:srgbClr val="EEECE1"/>
-      </a:lt2>
-      <a:accent1>
-        <a:srgbClr val="4F81BD"/>
-      </a:accent1>
-      <a:accent2>
-        <a:srgbClr val="C0504D"/>
-      </a:accent2>
-      <a:accent3>
-        <a:srgbClr val="9BBB59"/>
-      </a:accent3>
-      <a:accent4>
-        <a:srgbClr val="8064A2"/>
-      </a:accent4>
-      <a:accent5>
-        <a:srgbClr val="4BACC6"/>
-      </a:accent5>
-      <a:accent6>
-        <a:srgbClr val="F79646"/>
-      </a:accent6>
-      <a:hlink>
-        <a:srgbClr val="0000FF"/>
-      </a:hlink>
-      <a:folHlink>
-        <a:srgbClr val="800080"/>
-      </a:folHlink>
-    </a:clrScheme>
-    <a:fontScheme name="Office">
-      <a:majorFont>
-        <a:latin typeface="Calibri"/>
-        <a:ea typeface=""/>
-        <a:cs typeface=""/>
-        <a:font script="Jpan" typeface="ＭＳ Ｐゴシック"/>
-        <a:font script="Hang" typeface="맑은 고딕"/>
-        <a:font script="Hans" typeface="宋体"/>
-        <a:font script="Hant" typeface="新細明體"/>
-        <a:font script="Arab" typeface="Times New Roman"/>
-        <a:font script="Hebr" typeface="Times New Roman"/>
-        <a:font script="Thai" typeface="Angsana New"/>
-        <a:font script="Ethi" typeface="Nyala"/>
-        <a:font script="Beng" typeface="Vrinda"/>
-        <a:font script="Gujr" typeface="Shruti"/>
-        <a:font script="Khmr" typeface="MoolBoran"/>
-        <a:font script="Knda" typeface="Tunga"/>
-        <a:font script="Guru" typeface="Raavi"/>
-        <a:font script="Cans" typeface="Euphemia"/>
-        <a:font script="Cher" typeface="Plantagenet Cherokee"/>
-        <a:font script="Yiii" typeface="Microsoft Yi Baiti"/>
-        <a:font script="Tibt" typeface="Microsoft Himalaya"/>
-        <a:font script="Thaa" typeface="MV Boli"/>
-        <a:font script="Deva" typeface="Mangal"/>
-        <a:font script="Telu" typeface="Gautami"/>
-        <a:font script="Taml" typeface="Latha"/>
-        <a:font script="Syrc" typeface="Estrangelo Edessa"/>
-        <a:font script="Orya" typeface="Kalinga"/>
-        <a:font script="Mlym" typeface="Kartika"/>
-        <a:font script="Laoo" typeface="DokChampa"/>
-        <a:font script="Sinh" typeface="Iskoola Pota"/>
-        <a:font script="Mong" typeface="Mongolian Baiti"/>
-        <a:font script="Viet" typeface="Times New Roman"/>
-        <a:font script="Uigh" typeface="Microsoft Uighur"/>
-        <a:font script="Geor" typeface="Sylfaen"/>
-      </a:majorFont>
-      <a:minorFont>
-        <a:latin typeface="Calibri"/>
-        <a:ea typeface=""/>
-        <a:cs typeface=""/>
-        <a:font script="Jpan" typeface="ＭＳ Ｐゴシック"/>
-        <a:font script="Hang" typeface="맑은 고딕"/>
-        <a:font script="Hans" typeface="宋体"/>
-        <a:font script="Hant" typeface="新細明體"/>
-        <a:font script="Arab" typeface="Arial"/>
-        <a:font script="Hebr" typeface="Arial"/>
-        <a:font script="Thai" typeface="Cordia New"/>
-        <a:font script="Ethi" typeface="Nyala"/>
-        <a:font script="Beng" typeface="Vrinda"/>
-        <a:font script="Gujr" typeface="Shruti"/>
-        <a:font script="Khmr" typeface="DaunPenh"/>
-        <a:font script="Knda" typeface="Tunga"/>
-        <a:font script="Guru" typeface="Raavi"/>
-        <a:font script="Cans" typeface="Euphemia"/>
-        <a:font script="Cher" typeface="Plantagenet Cherokee"/>
-        <a:font script="Yiii" typeface="Microsoft Yi Baiti"/>
-        <a:font script="Tibt" typeface="Microsoft Himalaya"/>
-        <a:font script="Thaa" typeface="MV Boli"/>
-        <a:font script="Deva" typeface="Mangal"/>
-        <a:font script="Telu" typeface="Gautami"/>
-        <a:font script="Taml" typeface="Latha"/>
-        <a:font script="Syrc" typeface="Estrangelo Edessa"/>
-        <a:font script="Orya" typeface="Kalinga"/>
-        <a:font script="Mlym" typeface="Kartika"/>
-        <a:font script="Laoo" typeface="DokChampa"/>
-        <a:font script="Sinh" typeface="Iskoola Pota"/>
-        <a:font script="Mong" typeface="Mongolian Baiti"/>
-        <a:font script="Viet" typeface="Arial"/>
-        <a:font script="Uigh" typeface="Microsoft Uighur"/>
-        <a:font script="Geor" typeface="Sylfaen"/>
-      </a:minorFont>
-    </a:fontScheme>
-    <a:fmtScheme name="Office">
-      <a:fillStyleLst>
-        <a:solidFill>
-          <a:schemeClr val="phClr"/>
-        </a:solidFill>
-        <a:gradFill rotWithShape="1">
-          <a:gsLst>
-            <a:gs pos="0">
-              <a:schemeClr val="phClr">
-                <a:tint val="50000"/>
-                <a:satMod val="300000"/>
-              </a:schemeClr>
-            </a:gs>
-            <a:gs pos="35000">
-              <a:schemeClr val="phClr">
-                <a:tint val="37000"/>
-                <a:satMod val="300000"/>
-              </a:schemeClr>
-            </a:gs>
-            <a:gs pos="100000">
-              <a:schemeClr val="phClr">
-                <a:tint val="15000"/>
-                <a:satMod val="350000"/>
-              </a:schemeClr>
-            </a:gs>
-          </a:gsLst>
-          <a:lin ang="16200000" scaled="1"/>
-        </a:gradFill>
-        <a:gradFill rotWithShape="1">
-          <a:gsLst>
-            <a:gs pos="0">
-              <a:schemeClr val="phClr">
-                <a:tint val="100000"/>
-                <a:shade val="100000"/>
-                <a:satMod val="130000"/>
-              </a:schemeClr>
-            </a:gs>
-            <a:gs pos="100000">
-              <a:schemeClr val="phClr">
-                <a:tint val="50000"/>
-                <a:shade val="100000"/>
-                <a:satMod val="350000"/>
-              </a:schemeClr>
-            </a:gs>
-          </a:gsLst>
-          <a:lin ang="16200000" scaled="0"/>
-        </a:gradFill>
-      </a:fillStyleLst>
-      <a:lnStyleLst>
-        <a:ln w="9525" cap="flat" cmpd="sng" algn="ctr">
-          <a:solidFill>
-            <a:schemeClr val="phClr">
-              <a:shade val="95000"/>
-              <a:satMod val="105000"/>
-            </a:schemeClr>
-          </a:solidFill>
-          <a:prstDash val="solid"/>
-        </a:ln>
-        <a:ln w="25400" cap="flat" cmpd="sng" algn="ctr">
-          <a:solidFill>
-            <a:schemeClr val="phClr"/>
-          </a:solidFill>
-          <a:prstDash val="solid"/>
-        </a:ln>
-        <a:ln w="38100" cap="flat" cmpd="sng" algn="ctr">
-          <a:solidFill>
-            <a:schemeClr val="phClr"/>
-          </a:solidFill>
-          <a:prstDash val="solid"/>
-        </a:ln>
-      </a:lnStyleLst>
-      <a:effectStyleLst>
-        <a:effectStyle>
-          <a:effectLst>
-            <a:outerShdw blurRad="40000" dist="20000" dir="5400000" rotWithShape="0">
-              <a:srgbClr val="000000">
-                <a:alpha val="38000"/>
-              </a:srgbClr>
-            </a:outerShdw>
-          </a:effectLst>
-        </a:effectStyle>
-        <a:effectStyle>
-          <a:effectLst>
-            <a:outerShdw blurRad="40000" dist="23000" dir="5400000" rotWithShape="0">
-              <a:srgbClr val="000000">
-                <a:alpha val="35000"/>
-              </a:srgbClr>
-            </a:outerShdw>
-          </a:effectLst>
-        </a:effectStyle>
-        <a:effectStyle>
-          <a:effectLst>
-            <a:outerShdw blurRad="40000" dist="23000" dir="5400000" rotWithShape="0">
-              <a:srgbClr val="000000">
-                <a:alpha val="35000"/>
-              </a:srgbClr>
-            </a:outerShdw>
-          </a:effectLst>
-          <a:scene3d>
-            <a:camera prst="orthographicFront">
-              <a:rot lat="0" lon="0" rev="0"/>
-            </a:camera>
-            <a:lightRig rig="threePt" dir="t">
-              <a:rot lat="0" lon="0" rev="1200000"/>
-            </a:lightRig>
-          </a:scene3d>
-          <a:sp3d>
-            <a:bevelT w="63500" h="25400"/>
-          </a:sp3d>
-        </a:effectStyle>
-      </a:effectStyleLst>
-      <a:bgFillStyleLst>
-        <a:solidFill>
-          <a:schemeClr val="phClr"/>
-        </a:solidFill>
-        <a:gradFill rotWithShape="1">
-          <a:gsLst>
-            <a:gs pos="0">
-              <a:schemeClr val="phClr">
-                <a:tint val="40000"/>
-                <a:satMod val="350000"/>
-              </a:schemeClr>
-            </a:gs>
-            <a:gs pos="40000">
-              <a:schemeClr val="phClr">
-                <a:tint val="45000"/>
-                <a:shade val="99000"/>
-                <a:satMod val="350000"/>
-              </a:schemeClr>
-            </a:gs>
-            <a:gs pos="100000">
-              <a:schemeClr val="phClr">
-                <a:shade val="20000"/>
-                <a:satMod val="255000"/>
-              </a:schemeClr>
-            </a:gs>
-          </a:gsLst>
-          <a:path path="circle">
-            <a:fillToRect l="50000" t="-80000" r="50000" b="180000"/>
-          </a:path>
-        </a:gradFill>
-        <a:gradFill rotWithShape="1">
-          <a:gsLst>
-            <a:gs pos="0">
-              <a:schemeClr val="phClr">
-                <a:tint val="80000"/>
-                <a:satMod val="300000"/>
-              </a:schemeClr>
-            </a:gs>
-            <a:gs pos="100000">
-              <a:schemeClr val="phClr">
-                <a:shade val="30000"/>
-                <a:satMod val="200000"/>
-              </a:schemeClr>
-            </a:gs>
-          </a:gsLst>
-          <a:path path="circle">
-            <a:fillToRect l="50000" t="50000" r="50000" b="50000"/>
-          </a:path>
-        </a:gradFill>
-      </a:bgFillStyleLst>
-    </a:fmtScheme>
-  </a:themeElements>
-  <a:objectDefaults>
-    <a:spDef>
-      <a:spPr/>
-      <a:bodyPr/>
-      <a:lstStyle/>
-      <a:style>
-        <a:lnRef idx="1">
-          <a:schemeClr val="accent1"/>
-        </a:lnRef>
-        <a:fillRef idx="3">
-          <a:schemeClr val="accent1"/>
-        </a:fillRef>
-        <a:effectRef idx="2">
-          <a:schemeClr val="accent1"/>
-        </a:effectRef>
-        <a:fontRef idx="minor">
-          <a:schemeClr val="lt1"/>
-        </a:fontRef>
-      </a:style>
-    </a:spDef>
-    <a:lnDef>
-      <a:spPr/>
-      <a:bodyPr/>
-      <a:lstStyle/>
-      <a:style>
-        <a:lnRef idx="2">
-          <a:schemeClr val="accent1"/>
-        </a:lnRef>
-        <a:fillRef idx="0">
-          <a:schemeClr val="accent1"/>
-        </a:fillRef>
-        <a:effectRef idx="1">
-          <a:schemeClr val="accent1"/>
-        </a:effectRef>
-        <a:fontRef idx="minor">
-          <a:schemeClr val="tx1"/>
-        </a:fontRef>
-      </a:style>
-    </a:lnDef>
-  </a:objectDefaults>
-  <a:extraClrSchemeLst/>
-</a:theme>
-</file>
-
-<file path=customXml/item1.xml><?xml version="1.0" encoding="utf-8"?>
-<p:properties xmlns:p="http://schemas.microsoft.com/office/2006/metadata/properties" xmlns:xsi="http://www.w3.org/2001/XMLSchema-instance" xmlns:pc="http://schemas.microsoft.com/office/infopath/2007/PartnerControls">
-  <documentManagement>
-    <CV_x0020_Vertical xmlns="1c258580-1f67-4ffd-aa27-dcf04f590ca5">
-      <Value>Cars</Value>
-    </CV_x0020_Vertical>
-    <Vertical xmlns="9fe4fb5c-240b-46ce-9978-ffcfcfcf7c56">Cars</Vertical>
-    <PublishingExpirationDate xmlns="http://schemas.microsoft.com/sharepoint/v3" xsi:nil="true"/>
-    <PublishingStartDate xmlns="http://schemas.microsoft.com/sharepoint/v3" xsi:nil="true"/>
-    <Category xmlns="9fe4fb5c-240b-46ce-9978-ffcfcfcf7c56">Template</Category>
-    <_dlc_DocId xmlns="2c5d6657-27cd-44c4-b2f7-fcf765a6665c">YFYYVRUUR4R6-84-56</_dlc_DocId>
-    <_dlc_DocIdUrl xmlns="2c5d6657-27cd-44c4-b2f7-fcf765a6665c">
-      <Url>https://intranet.cars.com/communications/_layouts/DocIdRedir.aspx?ID=YFYYVRUUR4R6-84-56</Url>
-      <Description>YFYYVRUUR4R6-84-56</Description>
-    </_dlc_DocIdUrl>
-  </documentManagement>
-</p:properties>
-</file>
-
-<file path=customXml/item2.xml><?xml version="1.0" encoding="utf-8"?>
-<ct:contentTypeSchema xmlns:ct="http://schemas.microsoft.com/office/2006/metadata/contentType" xmlns:ma="http://schemas.microsoft.com/office/2006/metadata/properties/metaAttributes" ct:_="" ma:_="" ma:contentTypeName="Document" ma:contentTypeID="0x010100D274F48EAD1B3841AC9A0802B0A1E531" ma:contentTypeVersion="4" ma:contentTypeDescription="Create a new document." ma:contentTypeScope="" ma:versionID="31a2d1013e38c6efbe6ab52320b98526">
-  <xsd:schema xmlns:xsd="http://www.w3.org/2001/XMLSchema" xmlns:xs="http://www.w3.org/2001/XMLSchema" xmlns:p="http://schemas.microsoft.com/office/2006/metadata/properties" xmlns:ns1="http://schemas.microsoft.com/sharepoint/v3" xmlns:ns2="2c5d6657-27cd-44c4-b2f7-fcf765a6665c" xmlns:ns3="1c258580-1f67-4ffd-aa27-dcf04f590ca5" xmlns:ns4="9fe4fb5c-240b-46ce-9978-ffcfcfcf7c56" targetNamespace="http://schemas.microsoft.com/office/2006/metadata/properties" ma:root="true" ma:fieldsID="8c8f0e3985cbab06d7919d021c008c64" ns1:_="" ns2:_="" ns3:_="" ns4:_="">
-    <xsd:import namespace="http://schemas.microsoft.com/sharepoint/v3"/>
-    <xsd:import namespace="2c5d6657-27cd-44c4-b2f7-fcf765a6665c"/>
-    <xsd:import namespace="1c258580-1f67-4ffd-aa27-dcf04f590ca5"/>
-    <xsd:import namespace="9fe4fb5c-240b-46ce-9978-ffcfcfcf7c56"/>
-    <xsd:element name="properties">
-      <xsd:complexType>
-        <xsd:sequence>
-          <xsd:element name="documentManagement">
-            <xsd:complexType>
-              <xsd:all>
-                <xsd:element ref="ns1:PublishingStartDate" minOccurs="0"/>
-                <xsd:element ref="ns1:PublishingExpirationDate" minOccurs="0"/>
-                <xsd:element ref="ns2:_dlc_DocId" minOccurs="0"/>
-                <xsd:element ref="ns2:_dlc_DocIdUrl" minOccurs="0"/>
-                <xsd:element ref="ns2:_dlc_DocIdPersistId" minOccurs="0"/>
-                <xsd:element ref="ns3:CV_x0020_Vertical" minOccurs="0"/>
-                <xsd:element ref="ns4:Category" minOccurs="0"/>
-                <xsd:element ref="ns4:Vertical" minOccurs="0"/>
-              </xsd:all>
-            </xsd:complexType>
-          </xsd:element>
-        </xsd:sequence>
-      </xsd:complexType>
-    </xsd:element>
-  </xsd:schema>
-  <xsd:schema xmlns:xsd="http://www.w3.org/2001/XMLSchema" xmlns:xs="http://www.w3.org/2001/XMLSchema" xmlns:dms="http://schemas.microsoft.com/office/2006/documentManagement/types" xmlns:pc="http://schemas.microsoft.com/office/infopath/2007/PartnerControls" targetNamespace="http://schemas.microsoft.com/sharepoint/v3" elementFormDefault="qualified">
-    <xsd:import namespace="http://schemas.microsoft.com/office/2006/documentManagement/types"/>
-    <xsd:import namespace="http://schemas.microsoft.com/office/infopath/2007/PartnerControls"/>
-    <xsd:element name="PublishingStartDate" ma:index="8" nillable="true" ma:displayName="Scheduling Start Date" ma:description="" ma:hidden="true" ma:internalName="PublishingStartDate">
-      <xsd:simpleType>
-        <xsd:restriction base="dms:Unknown"/>
-      </xsd:simpleType>
-    </xsd:element>
-    <xsd:element name="PublishingExpirationDate" ma:index="9" nillable="true" ma:displayName="Scheduling End Date" ma:description="" ma:hidden="true" ma:internalName="PublishingExpirationDate">
-      <xsd:simpleType>
-        <xsd:restriction base="dms:Unknown"/>
-      </xsd:simpleType>
-    </xsd:element>
-  </xsd:schema>
-  <xsd:schema xmlns:xsd="http://www.w3.org/2001/XMLSchema" xmlns:xs="http://www.w3.org/2001/XMLSchema" xmlns:dms="http://schemas.microsoft.com/office/2006/documentManagement/types" xmlns:pc="http://schemas.microsoft.com/office/infopath/2007/PartnerControls" targetNamespace="2c5d6657-27cd-44c4-b2f7-fcf765a6665c" elementFormDefault="qualified">
-    <xsd:import namespace="http://schemas.microsoft.com/office/2006/documentManagement/types"/>
-    <xsd:import namespace="http://schemas.microsoft.com/office/infopath/2007/PartnerControls"/>
-    <xsd:element name="_dlc_DocId" ma:index="10" nillable="true" ma:displayName="Document ID Value" ma:description="The value of the document ID assigned to this item." ma:internalName="_dlc_DocId" ma:readOnly="true">
-      <xsd:simpleType>
-        <xsd:restriction base="dms:Text"/>
-      </xsd:simpleType>
-    </xsd:element>
-    <xsd:element name="_dlc_DocIdUrl" ma:index="11" nillable="true" ma:displayName="Document ID" ma:description="Permanent link to this document." ma:hidden="true" ma:internalName="_dlc_DocIdUrl" ma:readOnly="true">
-      <xsd:complexType>
-        <xsd:complexContent>
-          <xsd:extension base="dms:URL">
-            <xsd:sequence>
-              <xsd:element name="Url" type="dms:ValidUrl" minOccurs="0" nillable="true"/>
-              <xsd:element name="Description" type="xsd:string" nillable="true"/>
-            </xsd:sequence>
-          </xsd:extension>
-        </xsd:complexContent>
-      </xsd:complexType>
-    </xsd:element>
-    <xsd:element name="_dlc_DocIdPersistId" ma:index="12" nillable="true" ma:displayName="Persist ID" ma:description="Keep ID on add." ma:hidden="true" ma:internalName="_dlc_DocIdPersistId" ma:readOnly="true">
-      <xsd:simpleType>
-        <xsd:restriction base="dms:Boolean"/>
-      </xsd:simpleType>
-    </xsd:element>
-  </xsd:schema>
-  <xsd:schema xmlns:xsd="http://www.w3.org/2001/XMLSchema" xmlns:xs="http://www.w3.org/2001/XMLSchema" xmlns:dms="http://schemas.microsoft.com/office/2006/documentManagement/types" xmlns:pc="http://schemas.microsoft.com/office/infopath/2007/PartnerControls" targetNamespace="1c258580-1f67-4ffd-aa27-dcf04f590ca5" elementFormDefault="qualified">
-    <xsd:import namespace="http://schemas.microsoft.com/office/2006/documentManagement/types"/>
-    <xsd:import namespace="http://schemas.microsoft.com/office/infopath/2007/PartnerControls"/>
-    <xsd:element name="CV_x0020_Vertical" ma:index="13" nillable="true" ma:displayName="CV Vertical" ma:default="Cars" ma:hidden="true" ma:internalName="CV_x0020_Vertical" ma:readOnly="false">
-      <xsd:complexType>
-        <xsd:complexContent>
-          <xsd:extension base="dms:MultiChoice">
-            <xsd:sequence>
-              <xsd:element name="Value" maxOccurs="unbounded" minOccurs="0" nillable="true">
-                <xsd:simpleType>
-                  <xsd:restriction base="dms:Choice">
-                    <xsd:enumeration value="Apartments"/>
-                    <xsd:enumeration value="Cars"/>
-                    <xsd:enumeration value="Corporate"/>
-                  </xsd:restriction>
-                </xsd:simpleType>
-              </xsd:element>
-            </xsd:sequence>
-          </xsd:extension>
-        </xsd:complexContent>
-      </xsd:complexType>
-    </xsd:element>
-  </xsd:schema>
-  <xsd:schema xmlns:xsd="http://www.w3.org/2001/XMLSchema" xmlns:xs="http://www.w3.org/2001/XMLSchema" xmlns:dms="http://schemas.microsoft.com/office/2006/documentManagement/types" xmlns:pc="http://schemas.microsoft.com/office/infopath/2007/PartnerControls" targetNamespace="9fe4fb5c-240b-46ce-9978-ffcfcfcf7c56" elementFormDefault="qualified">
-    <xsd:import namespace="http://schemas.microsoft.com/office/2006/documentManagement/types"/>
-    <xsd:import namespace="http://schemas.microsoft.com/office/infopath/2007/PartnerControls"/>
-    <xsd:element name="Category" ma:index="14" nillable="true" ma:displayName="Category" ma:default="Template" ma:format="Dropdown" ma:internalName="Category">
-      <xsd:simpleType>
-        <xsd:restriction base="dms:Choice">
-          <xsd:enumeration value="Template"/>
-          <xsd:enumeration value="Logo"/>
-          <xsd:enumeration value="Branding Standards"/>
-          <xsd:enumeration value="Other"/>
-        </xsd:restriction>
-      </xsd:simpleType>
-    </xsd:element>
-    <xsd:element name="Vertical" ma:index="15" nillable="true" ma:displayName="Vertical" ma:default="Cars" ma:format="Dropdown" ma:internalName="Vertical">
-      <xsd:simpleType>
-        <xsd:restriction base="dms:Choice">
-          <xsd:enumeration value="Apartments"/>
-          <xsd:enumeration value="Cars"/>
-          <xsd:enumeration value="Corporate"/>
-        </xsd:restriction>
-      </xsd:simpleType>
-    </xsd:element>
-  </xsd:schema>
-  <xsd:schema xmlns="http://schemas.openxmlformats.org/package/2006/metadata/core-properties" xmlns:xsd="http://www.w3.org/2001/XMLSchema" xmlns:xsi="http://www.w3.org/2001/XMLSchema-instance" xmlns:dc="http://purl.org/dc/elements/1.1/" xmlns:dcterms="http://purl.org/dc/terms/" xmlns:odoc="http://schemas.microsoft.com/internal/obd" targetNamespace="http://schemas.openxmlformats.org/package/2006/metadata/core-properties" elementFormDefault="qualified" attributeFormDefault="unqualified" blockDefault="#all">
-    <xsd:import namespace="http://purl.org/dc/elements/1.1/" schemaLocation="http://dublincore.org/schemas/xmls/qdc/2003/04/02/dc.xsd"/>
-    <xsd:import namespace="http://purl.org/dc/terms/" schemaLocation="http://dublincore.org/schemas/xmls/qdc/2003/04/02/dcterms.xsd"/>
-    <xsd:element name="coreProperties" type="CT_coreProperties"/>
-    <xsd:complexType name="CT_coreProperties">
-      <xsd:all>
-        <xsd:element ref="dc:creator" minOccurs="0" maxOccurs="1"/>
-        <xsd:element ref="dcterms:created" minOccurs="0" maxOccurs="1"/>
-        <xsd:element ref="dc:identifier" minOccurs="0" maxOccurs="1"/>
-        <xsd:element name="contentType" minOccurs="0" maxOccurs="1" type="xsd:string" ma:index="0" ma:displayName="Content Type"/>
-        <xsd:element ref="dc:title" minOccurs="0" maxOccurs="1" ma:index="4" ma:displayName="Title"/>
-        <xsd:element ref="dc:subject" minOccurs="0" maxOccurs="1"/>
-        <xsd:element ref="dc:description" minOccurs="0" maxOccurs="1"/>
-        <xsd:element name="keywords" minOccurs="0" maxOccurs="1" type="xsd:string"/>
-        <xsd:element ref="dc:language" minOccurs="0" maxOccurs="1"/>
-        <xsd:element name="category" minOccurs="0" maxOccurs="1" type="xsd:string"/>
-        <xsd:element name="version" minOccurs="0" maxOccurs="1" type="xsd:string"/>
-        <xsd:element name="revision" minOccurs="0" maxOccurs="1" type="xsd:string">
-          <xsd:annotation>
-            <xsd:documentation>
-                        This value indicates the number of saves or revisions. The application is responsible for updating this value after each revision.
-                    </xsd:documentation>
-          </xsd:annotation>
-        </xsd:element>
-        <xsd:element name="lastModifiedBy" minOccurs="0" maxOccurs="1" type="xsd:string"/>
-        <xsd:element ref="dcterms:modified" minOccurs="0" maxOccurs="1"/>
-        <xsd:element name="contentStatus" minOccurs="0" maxOccurs="1" type="xsd:string"/>
-      </xsd:all>
-    </xsd:complexType>
-  </xsd:schema>
-  <xs:schema xmlns:pc="http://schemas.microsoft.com/office/infopath/2007/PartnerControls" xmlns:xs="http://www.w3.org/2001/XMLSchema" targetNamespace="http://schemas.microsoft.com/office/infopath/2007/PartnerControls" elementFormDefault="qualified" attributeFormDefault="unqualified">
-    <xs:element name="Person">
-      <xs:complexType>
-        <xs:sequence>
-          <xs:element ref="pc:DisplayName" minOccurs="0"/>
-          <xs:element ref="pc:AccountId" minOccurs="0"/>
-          <xs:element ref="pc:AccountType" minOccurs="0"/>
-        </xs:sequence>
-      </xs:complexType>
-    </xs:element>
-    <xs:element name="DisplayName" type="xs:string"/>
-    <xs:element name="AccountId" type="xs:string"/>
-    <xs:element name="AccountType" type="xs:string"/>
-    <xs:element name="BDCAssociatedEntity">
-      <xs:complexType>
-        <xs:sequence>
-          <xs:element ref="pc:BDCEntity" minOccurs="0" maxOccurs="unbounded"/>
-        </xs:sequence>
-        <xs:attribute ref="pc:EntityNamespace"/>
-        <xs:attribute ref="pc:EntityName"/>
-        <xs:attribute ref="pc:SystemInstanceName"/>
-        <xs:attribute ref="pc:AssociationName"/>
-      </xs:complexType>
-    </xs:element>
-    <xs:attribute name="EntityNamespace" type="xs:string"/>
-    <xs:attribute name="EntityName" type="xs:string"/>
-    <xs:attribute name="SystemInstanceName" type="xs:string"/>
-    <xs:attribute name="AssociationName" type="xs:string"/>
-    <xs:element name="BDCEntity">
-      <xs:complexType>
-        <xs:sequence>
-          <xs:element ref="pc:EntityDisplayName" minOccurs="0"/>
-          <xs:element ref="pc:EntityInstanceReference" minOccurs="0"/>
-          <xs:element ref="pc:EntityId1" minOccurs="0"/>
-          <xs:element ref="pc:EntityId2" minOccurs="0"/>
-          <xs:element ref="pc:EntityId3" minOccurs="0"/>
-          <xs:element ref="pc:EntityId4" minOccurs="0"/>
-          <xs:element ref="pc:EntityId5" minOccurs="0"/>
-        </xs:sequence>
-      </xs:complexType>
-    </xs:element>
-    <xs:element name="EntityDisplayName" type="xs:string"/>
-    <xs:element name="EntityInstanceReference" type="xs:string"/>
-    <xs:element name="EntityId1" type="xs:string"/>
-    <xs:element name="EntityId2" type="xs:string"/>
-    <xs:element name="EntityId3" type="xs:string"/>
-    <xs:element name="EntityId4" type="xs:string"/>
-    <xs:element name="EntityId5" type="xs:string"/>
-    <xs:element name="Terms">
-      <xs:complexType>
-        <xs:sequence>
-          <xs:element ref="pc:TermInfo" minOccurs="0" maxOccurs="unbounded"/>
-        </xs:sequence>
-      </xs:complexType>
-    </xs:element>
-    <xs:element name="TermInfo">
-      <xs:complexType>
-        <xs:sequence>
-          <xs:element ref="pc:TermName" minOccurs="0"/>
-          <xs:element ref="pc:TermId" minOccurs="0"/>
-        </xs:sequence>
-      </xs:complexType>
-    </xs:element>
-    <xs:element name="TermName" type="xs:string"/>
-    <xs:element name="TermId" type="xs:string"/>
-  </xs:schema>
-</ct:contentTypeSchema>
-</file>
-
-<file path=customXml/item3.xml><?xml version="1.0" encoding="utf-8"?>
-<?mso-contentType ?>
-<FormTemplates xmlns="http://schemas.microsoft.com/sharepoint/v3/contenttype/forms">
-  <Display>DocumentLibraryForm</Display>
-  <Edit>DocumentLibraryForm</Edit>
-  <New>DocumentLibraryForm</New>
-</FormTemplates>
-</file>
-
-<file path=customXml/item4.xml><?xml version="1.0" encoding="utf-8"?>
-<?mso-contentType ?>
-<spe:Receivers xmlns:spe="http://schemas.microsoft.com/sharepoint/events">
-  <Receiver>
-    <Name>Document ID Generator</Name>
-    <Synchronization>Synchronous</Synchronization>
-    <Type>10001</Type>
-    <SequenceNumber>1000</SequenceNumber>
-    <Assembly>Microsoft.Office.DocumentManagement, Version=14.0.0.0, Culture=neutral, PublicKeyToken=71e9bce111e9429c</Assembly>
-    <Class>Microsoft.Office.DocumentManagement.Internal.DocIdHandler</Class>
-    <Data/>
-    <Filter/>
-  </Receiver>
-  <Receiver>
-    <Name>Document ID Generator</Name>
-    <Synchronization>Synchronous</Synchronization>
-    <Type>10002</Type>
-    <SequenceNumber>1001</SequenceNumber>
-    <Assembly>Microsoft.Office.DocumentManagement, Version=14.0.0.0, Culture=neutral, PublicKeyToken=71e9bce111e9429c</Assembly>
-    <Class>Microsoft.Office.DocumentManagement.Internal.DocIdHandler</Class>
-    <Data/>
-    <Filter/>
-  </Receiver>
-  <Receiver>
-    <Name>Document ID Generator</Name>
-    <Synchronization>Synchronous</Synchronization>
-    <Type>10004</Type>
-    <SequenceNumber>1002</SequenceNumber>
-    <Assembly>Microsoft.Office.DocumentManagement, Version=14.0.0.0, Culture=neutral, PublicKeyToken=71e9bce111e9429c</Assembly>
-    <Class>Microsoft.Office.DocumentManagement.Internal.DocIdHandler</Class>
-    <Data/>
-    <Filter/>
-  </Receiver>
-  <Receiver>
-    <Name>Document ID Generator</Name>
-    <Synchronization>Synchronous</Synchronization>
-    <Type>10006</Type>
-    <SequenceNumber>1003</SequenceNumber>
-    <Assembly>Microsoft.Office.DocumentManagement, Version=14.0.0.0, Culture=neutral, PublicKeyToken=71e9bce111e9429c</Assembly>
-    <Class>Microsoft.Office.DocumentManagement.Internal.DocIdHandler</Class>
-    <Data/>
-    <Filter/>
-  </Receiver>
-</spe:Receivers>
-</file>
-
-<file path=customXml/itemProps1.xml><?xml version="1.0" encoding="utf-8"?>
-<ds:datastoreItem xmlns:ds="http://schemas.openxmlformats.org/officeDocument/2006/customXml" ds:itemID="{F288FA0F-02A7-485B-A84F-41F6301A2063}">
-  <ds:schemaRefs>
-    <ds:schemaRef ds:uri="http://schemas.microsoft.com/office/2006/metadata/properties"/>
-    <ds:schemaRef ds:uri="http://schemas.microsoft.com/office/infopath/2007/PartnerControls"/>
-    <ds:schemaRef ds:uri="1c258580-1f67-4ffd-aa27-dcf04f590ca5"/>
-    <ds:schemaRef ds:uri="9fe4fb5c-240b-46ce-9978-ffcfcfcf7c56"/>
-    <ds:schemaRef ds:uri="http://schemas.microsoft.com/sharepoint/v3"/>
-    <ds:schemaRef ds:uri="2c5d6657-27cd-44c4-b2f7-fcf765a6665c"/>
-  </ds:schemaRefs>
-</ds:datastoreItem>
-</file>
-
-<file path=customXml/itemProps2.xml><?xml version="1.0" encoding="utf-8"?>
-<ds:datastoreItem xmlns:ds="http://schemas.openxmlformats.org/officeDocument/2006/customXml" ds:itemID="{1C4C6E20-A887-4716-971A-55987674A5A4}">
-  <ds:schemaRefs>
-    <ds:schemaRef ds:uri="http://schemas.microsoft.com/office/2006/metadata/contentType"/>
-    <ds:schemaRef ds:uri="http://schemas.microsoft.com/office/2006/metadata/properties/metaAttributes"/>
-    <ds:schemaRef ds:uri="http://www.w3.org/2001/XMLSchema"/>
-    <ds:schemaRef ds:uri="http://schemas.microsoft.com/office/2006/metadata/properties"/>
-    <ds:schemaRef ds:uri="http://schemas.microsoft.com/sharepoint/v3"/>
-    <ds:schemaRef ds:uri="2c5d6657-27cd-44c4-b2f7-fcf765a6665c"/>
-    <ds:schemaRef ds:uri="1c258580-1f67-4ffd-aa27-dcf04f590ca5"/>
-    <ds:schemaRef ds:uri="9fe4fb5c-240b-46ce-9978-ffcfcfcf7c56"/>
-    <ds:schemaRef ds:uri="http://schemas.microsoft.com/office/2006/documentManagement/types"/>
-    <ds:schemaRef ds:uri="http://schemas.microsoft.com/office/infopath/2007/PartnerControls"/>
-    <ds:schemaRef ds:uri="http://schemas.openxmlformats.org/package/2006/metadata/core-properties"/>
-    <ds:schemaRef ds:uri="http://purl.org/dc/elements/1.1/"/>
-    <ds:schemaRef ds:uri="http://purl.org/dc/terms/"/>
-    <ds:schemaRef ds:uri="http://schemas.microsoft.com/internal/obd"/>
-  </ds:schemaRefs>
-</ds:datastoreItem>
-</file>
-
-<file path=customXml/itemProps3.xml><?xml version="1.0" encoding="utf-8"?>
-<ds:datastoreItem xmlns:ds="http://schemas.openxmlformats.org/officeDocument/2006/customXml" ds:itemID="{A77187B1-29AF-4938-99E4-34794B992C82}">
-  <ds:schemaRefs>
-    <ds:schemaRef ds:uri="http://schemas.microsoft.com/sharepoint/v3/contenttype/forms"/>
-  </ds:schemaRefs>
-</ds:datastoreItem>
-</file>
-
-<file path=customXml/itemProps4.xml><?xml version="1.0" encoding="utf-8"?>
-<ds:datastoreItem xmlns:ds="http://schemas.openxmlformats.org/officeDocument/2006/customXml" ds:itemID="{19F753BB-C741-4CBA-8CC5-A941C3D3D6B6}">
-  <ds:schemaRefs>
-    <ds:schemaRef ds:uri="http://schemas.microsoft.com/sharepoint/events"/>
-  </ds:schemaRefs>
-</ds:datastoreItem>
 </file>
--- a/hystrix-demo/demo-slides.pptx
+++ b/hystrix-demo/demo-slides.pptx
@@ -5,7 +5,7 @@
     <p:sldMasterId id="2147483648" r:id="rId1"/>
   </p:sldMasterIdLst>
   <p:notesMasterIdLst>
-    <p:notesMasterId r:id="rId10"/>
+    <p:notesMasterId r:id="rId11"/>
   </p:notesMasterIdLst>
   <p:sldIdLst>
     <p:sldId id="257" r:id="rId2"/>
@@ -16,6 +16,7 @@
     <p:sldId id="264" r:id="rId7"/>
     <p:sldId id="265" r:id="rId8"/>
     <p:sldId id="266" r:id="rId9"/>
+    <p:sldId id="267" r:id="rId10"/>
   </p:sldIdLst>
   <p:sldSz cx="9144000" cy="6858000" type="screen4x3"/>
   <p:notesSz cx="6858000" cy="9144000"/>
@@ -215,7 +216,7 @@
           <a:p>
             <a:fld id="{EC8A2BE7-7790-4473-ACA7-2E7D92BE81C7}" type="datetimeFigureOut">
               <a:rPr lang="en-US" smtClean="0"/>
-              <a:t>11/7/16</a:t>
+              <a:t>11/8/16</a:t>
             </a:fld>
             <a:endParaRPr lang="en-US"/>
           </a:p>
@@ -484,6 +485,587 @@
 </file>
 
 <file path=ppt/notesSlides/notesSlide1.xml><?xml version="1.0" encoding="utf-8"?>
+<p:notes xmlns:a="http://schemas.openxmlformats.org/drawingml/2006/main" xmlns:r="http://schemas.openxmlformats.org/officeDocument/2006/relationships" xmlns:p="http://schemas.openxmlformats.org/presentationml/2006/main">
+  <p:cSld>
+    <p:spTree>
+      <p:nvGrpSpPr>
+        <p:cNvPr id="1" name=""/>
+        <p:cNvGrpSpPr/>
+        <p:nvPr/>
+      </p:nvGrpSpPr>
+      <p:grpSpPr>
+        <a:xfrm>
+          <a:off x="0" y="0"/>
+          <a:ext cx="0" cy="0"/>
+          <a:chOff x="0" y="0"/>
+          <a:chExt cx="0" cy="0"/>
+        </a:xfrm>
+      </p:grpSpPr>
+      <p:sp>
+        <p:nvSpPr>
+          <p:cNvPr id="2" name="Slide Image Placeholder 1"/>
+          <p:cNvSpPr>
+            <a:spLocks noGrp="1" noRot="1" noChangeAspect="1"/>
+          </p:cNvSpPr>
+          <p:nvPr>
+            <p:ph type="sldImg"/>
+          </p:nvPr>
+        </p:nvSpPr>
+        <p:spPr/>
+      </p:sp>
+      <p:sp>
+        <p:nvSpPr>
+          <p:cNvPr id="3" name="Notes Placeholder 2"/>
+          <p:cNvSpPr>
+            <a:spLocks noGrp="1"/>
+          </p:cNvSpPr>
+          <p:nvPr>
+            <p:ph type="body" idx="1"/>
+          </p:nvPr>
+        </p:nvSpPr>
+        <p:spPr/>
+        <p:txBody>
+          <a:bodyPr/>
+          <a:lstStyle/>
+          <a:p>
+            <a:endParaRPr lang="en-US" dirty="0"/>
+          </a:p>
+        </p:txBody>
+      </p:sp>
+      <p:sp>
+        <p:nvSpPr>
+          <p:cNvPr id="4" name="Slide Number Placeholder 3"/>
+          <p:cNvSpPr>
+            <a:spLocks noGrp="1"/>
+          </p:cNvSpPr>
+          <p:nvPr>
+            <p:ph type="sldNum" sz="quarter" idx="10"/>
+          </p:nvPr>
+        </p:nvSpPr>
+        <p:spPr/>
+        <p:txBody>
+          <a:bodyPr/>
+          <a:lstStyle/>
+          <a:p>
+            <a:fld id="{CDFF7155-4804-4F1C-B784-85EC3599DB14}" type="slidenum">
+              <a:rPr lang="en-US" smtClean="0"/>
+              <a:t>1</a:t>
+            </a:fld>
+            <a:endParaRPr lang="en-US"/>
+          </a:p>
+        </p:txBody>
+      </p:sp>
+    </p:spTree>
+    <p:extLst>
+      <p:ext uri="{BB962C8B-B14F-4D97-AF65-F5344CB8AC3E}">
+        <p14:creationId xmlns:p14="http://schemas.microsoft.com/office/powerpoint/2010/main" val="1897956172"/>
+      </p:ext>
+    </p:extLst>
+  </p:cSld>
+  <p:clrMapOvr>
+    <a:masterClrMapping/>
+  </p:clrMapOvr>
+</p:notes>
+</file>
+
+<file path=ppt/notesSlides/notesSlide2.xml><?xml version="1.0" encoding="utf-8"?>
+<p:notes xmlns:a="http://schemas.openxmlformats.org/drawingml/2006/main" xmlns:r="http://schemas.openxmlformats.org/officeDocument/2006/relationships" xmlns:p="http://schemas.openxmlformats.org/presentationml/2006/main">
+  <p:cSld>
+    <p:spTree>
+      <p:nvGrpSpPr>
+        <p:cNvPr id="1" name=""/>
+        <p:cNvGrpSpPr/>
+        <p:nvPr/>
+      </p:nvGrpSpPr>
+      <p:grpSpPr>
+        <a:xfrm>
+          <a:off x="0" y="0"/>
+          <a:ext cx="0" cy="0"/>
+          <a:chOff x="0" y="0"/>
+          <a:chExt cx="0" cy="0"/>
+        </a:xfrm>
+      </p:grpSpPr>
+      <p:sp>
+        <p:nvSpPr>
+          <p:cNvPr id="2" name="Slide Image Placeholder 1"/>
+          <p:cNvSpPr>
+            <a:spLocks noGrp="1" noRot="1" noChangeAspect="1"/>
+          </p:cNvSpPr>
+          <p:nvPr>
+            <p:ph type="sldImg"/>
+          </p:nvPr>
+        </p:nvSpPr>
+        <p:spPr/>
+      </p:sp>
+      <p:sp>
+        <p:nvSpPr>
+          <p:cNvPr id="3" name="Notes Placeholder 2"/>
+          <p:cNvSpPr>
+            <a:spLocks noGrp="1"/>
+          </p:cNvSpPr>
+          <p:nvPr>
+            <p:ph type="body" idx="1"/>
+          </p:nvPr>
+        </p:nvSpPr>
+        <p:spPr/>
+        <p:txBody>
+          <a:bodyPr/>
+          <a:lstStyle/>
+          <a:p>
+            <a:r>
+              <a:rPr lang="en-US" dirty="0" smtClean="0"/>
+              <a:t>Demo</a:t>
+            </a:r>
+            <a:r>
+              <a:rPr lang="en-US" baseline="0" dirty="0" smtClean="0"/>
+              <a:t> project you can tinker in</a:t>
+            </a:r>
+            <a:endParaRPr lang="en-US" dirty="0"/>
+          </a:p>
+        </p:txBody>
+      </p:sp>
+      <p:sp>
+        <p:nvSpPr>
+          <p:cNvPr id="4" name="Slide Number Placeholder 3"/>
+          <p:cNvSpPr>
+            <a:spLocks noGrp="1"/>
+          </p:cNvSpPr>
+          <p:nvPr>
+            <p:ph type="sldNum" sz="quarter" idx="10"/>
+          </p:nvPr>
+        </p:nvSpPr>
+        <p:spPr/>
+        <p:txBody>
+          <a:bodyPr/>
+          <a:lstStyle/>
+          <a:p>
+            <a:fld id="{CDFF7155-4804-4F1C-B784-85EC3599DB14}" type="slidenum">
+              <a:rPr lang="en-US" smtClean="0"/>
+              <a:t>2</a:t>
+            </a:fld>
+            <a:endParaRPr lang="en-US"/>
+          </a:p>
+        </p:txBody>
+      </p:sp>
+    </p:spTree>
+    <p:extLst>
+      <p:ext uri="{BB962C8B-B14F-4D97-AF65-F5344CB8AC3E}">
+        <p14:creationId xmlns:p14="http://schemas.microsoft.com/office/powerpoint/2010/main" val="1018956268"/>
+      </p:ext>
+    </p:extLst>
+  </p:cSld>
+  <p:clrMapOvr>
+    <a:masterClrMapping/>
+  </p:clrMapOvr>
+</p:notes>
+</file>
+
+<file path=ppt/notesSlides/notesSlide3.xml><?xml version="1.0" encoding="utf-8"?>
+<p:notes xmlns:a="http://schemas.openxmlformats.org/drawingml/2006/main" xmlns:r="http://schemas.openxmlformats.org/officeDocument/2006/relationships" xmlns:p="http://schemas.openxmlformats.org/presentationml/2006/main">
+  <p:cSld>
+    <p:spTree>
+      <p:nvGrpSpPr>
+        <p:cNvPr id="1" name=""/>
+        <p:cNvGrpSpPr/>
+        <p:nvPr/>
+      </p:nvGrpSpPr>
+      <p:grpSpPr>
+        <a:xfrm>
+          <a:off x="0" y="0"/>
+          <a:ext cx="0" cy="0"/>
+          <a:chOff x="0" y="0"/>
+          <a:chExt cx="0" cy="0"/>
+        </a:xfrm>
+      </p:grpSpPr>
+      <p:sp>
+        <p:nvSpPr>
+          <p:cNvPr id="2" name="Slide Image Placeholder 1"/>
+          <p:cNvSpPr>
+            <a:spLocks noGrp="1" noRot="1" noChangeAspect="1"/>
+          </p:cNvSpPr>
+          <p:nvPr>
+            <p:ph type="sldImg"/>
+          </p:nvPr>
+        </p:nvSpPr>
+        <p:spPr/>
+      </p:sp>
+      <p:sp>
+        <p:nvSpPr>
+          <p:cNvPr id="3" name="Notes Placeholder 2"/>
+          <p:cNvSpPr>
+            <a:spLocks noGrp="1"/>
+          </p:cNvSpPr>
+          <p:nvPr>
+            <p:ph type="body" idx="1"/>
+          </p:nvPr>
+        </p:nvSpPr>
+        <p:spPr/>
+        <p:txBody>
+          <a:bodyPr/>
+          <a:lstStyle/>
+          <a:p>
+            <a:r>
+              <a:rPr lang="en-US" dirty="0" smtClean="0"/>
+              <a:t>Resilience, fault-tolerance distributed system</a:t>
+            </a:r>
+          </a:p>
+          <a:p>
+            <a:r>
+              <a:rPr lang="en-US" dirty="0" smtClean="0"/>
+              <a:t>Defense,</a:t>
+            </a:r>
+            <a:r>
+              <a:rPr lang="en-US" baseline="0" dirty="0" smtClean="0"/>
+              <a:t> protection, isolation</a:t>
+            </a:r>
+          </a:p>
+          <a:p>
+            <a:r>
+              <a:rPr lang="en-US" baseline="0" dirty="0" smtClean="0"/>
+              <a:t>Parallel to electronics circuit</a:t>
+            </a:r>
+          </a:p>
+          <a:p>
+            <a:r>
+              <a:rPr lang="en-US" baseline="0" dirty="0" smtClean="0"/>
+              <a:t>“Bulkhead”</a:t>
+            </a:r>
+            <a:endParaRPr lang="en-US" dirty="0"/>
+          </a:p>
+        </p:txBody>
+      </p:sp>
+      <p:sp>
+        <p:nvSpPr>
+          <p:cNvPr id="4" name="Slide Number Placeholder 3"/>
+          <p:cNvSpPr>
+            <a:spLocks noGrp="1"/>
+          </p:cNvSpPr>
+          <p:nvPr>
+            <p:ph type="sldNum" sz="quarter" idx="10"/>
+          </p:nvPr>
+        </p:nvSpPr>
+        <p:spPr/>
+        <p:txBody>
+          <a:bodyPr/>
+          <a:lstStyle/>
+          <a:p>
+            <a:fld id="{CDFF7155-4804-4F1C-B784-85EC3599DB14}" type="slidenum">
+              <a:rPr lang="en-US" smtClean="0"/>
+              <a:t>3</a:t>
+            </a:fld>
+            <a:endParaRPr lang="en-US"/>
+          </a:p>
+        </p:txBody>
+      </p:sp>
+    </p:spTree>
+    <p:extLst>
+      <p:ext uri="{BB962C8B-B14F-4D97-AF65-F5344CB8AC3E}">
+        <p14:creationId xmlns:p14="http://schemas.microsoft.com/office/powerpoint/2010/main" val="227290266"/>
+      </p:ext>
+    </p:extLst>
+  </p:cSld>
+  <p:clrMapOvr>
+    <a:masterClrMapping/>
+  </p:clrMapOvr>
+</p:notes>
+</file>
+
+<file path=ppt/notesSlides/notesSlide4.xml><?xml version="1.0" encoding="utf-8"?>
+<p:notes xmlns:a="http://schemas.openxmlformats.org/drawingml/2006/main" xmlns:r="http://schemas.openxmlformats.org/officeDocument/2006/relationships" xmlns:p="http://schemas.openxmlformats.org/presentationml/2006/main">
+  <p:cSld>
+    <p:spTree>
+      <p:nvGrpSpPr>
+        <p:cNvPr id="1" name=""/>
+        <p:cNvGrpSpPr/>
+        <p:nvPr/>
+      </p:nvGrpSpPr>
+      <p:grpSpPr>
+        <a:xfrm>
+          <a:off x="0" y="0"/>
+          <a:ext cx="0" cy="0"/>
+          <a:chOff x="0" y="0"/>
+          <a:chExt cx="0" cy="0"/>
+        </a:xfrm>
+      </p:grpSpPr>
+      <p:sp>
+        <p:nvSpPr>
+          <p:cNvPr id="2" name="Slide Image Placeholder 1"/>
+          <p:cNvSpPr>
+            <a:spLocks noGrp="1" noRot="1" noChangeAspect="1"/>
+          </p:cNvSpPr>
+          <p:nvPr>
+            <p:ph type="sldImg"/>
+          </p:nvPr>
+        </p:nvSpPr>
+        <p:spPr/>
+      </p:sp>
+      <p:sp>
+        <p:nvSpPr>
+          <p:cNvPr id="3" name="Notes Placeholder 2"/>
+          <p:cNvSpPr>
+            <a:spLocks noGrp="1"/>
+          </p:cNvSpPr>
+          <p:nvPr>
+            <p:ph type="body" idx="1"/>
+          </p:nvPr>
+        </p:nvSpPr>
+        <p:spPr/>
+        <p:txBody>
+          <a:bodyPr/>
+          <a:lstStyle/>
+          <a:p>
+            <a:r>
+              <a:rPr lang="en-US" dirty="0" smtClean="0"/>
+              <a:t>Command Pattern</a:t>
+            </a:r>
+          </a:p>
+          <a:p>
+            <a:r>
+              <a:rPr lang="en-US" dirty="0" smtClean="0"/>
+              <a:t>Overhead:  </a:t>
+            </a:r>
+            <a:r>
+              <a:rPr lang="en-US" dirty="0" err="1" smtClean="0"/>
+              <a:t>obj</a:t>
+            </a:r>
+            <a:r>
+              <a:rPr lang="en-US" dirty="0" smtClean="0"/>
+              <a:t> allocation, thread execution</a:t>
+            </a:r>
+          </a:p>
+          <a:p>
+            <a:r>
+              <a:rPr lang="en-US" dirty="0" smtClean="0"/>
+              <a:t>Variation</a:t>
+            </a:r>
+            <a:r>
+              <a:rPr lang="en-US" baseline="0" dirty="0" smtClean="0"/>
+              <a:t>s:  asynchronous with Observer</a:t>
+            </a:r>
+            <a:endParaRPr lang="en-US" dirty="0"/>
+          </a:p>
+        </p:txBody>
+      </p:sp>
+      <p:sp>
+        <p:nvSpPr>
+          <p:cNvPr id="4" name="Slide Number Placeholder 3"/>
+          <p:cNvSpPr>
+            <a:spLocks noGrp="1"/>
+          </p:cNvSpPr>
+          <p:nvPr>
+            <p:ph type="sldNum" sz="quarter" idx="10"/>
+          </p:nvPr>
+        </p:nvSpPr>
+        <p:spPr/>
+        <p:txBody>
+          <a:bodyPr/>
+          <a:lstStyle/>
+          <a:p>
+            <a:fld id="{CDFF7155-4804-4F1C-B784-85EC3599DB14}" type="slidenum">
+              <a:rPr lang="en-US" smtClean="0"/>
+              <a:t>5</a:t>
+            </a:fld>
+            <a:endParaRPr lang="en-US"/>
+          </a:p>
+        </p:txBody>
+      </p:sp>
+    </p:spTree>
+    <p:extLst>
+      <p:ext uri="{BB962C8B-B14F-4D97-AF65-F5344CB8AC3E}">
+        <p14:creationId xmlns:p14="http://schemas.microsoft.com/office/powerpoint/2010/main" val="70120848"/>
+      </p:ext>
+    </p:extLst>
+  </p:cSld>
+  <p:clrMapOvr>
+    <a:masterClrMapping/>
+  </p:clrMapOvr>
+</p:notes>
+</file>
+
+<file path=ppt/notesSlides/notesSlide5.xml><?xml version="1.0" encoding="utf-8"?>
+<p:notes xmlns:a="http://schemas.openxmlformats.org/drawingml/2006/main" xmlns:r="http://schemas.openxmlformats.org/officeDocument/2006/relationships" xmlns:p="http://schemas.openxmlformats.org/presentationml/2006/main">
+  <p:cSld>
+    <p:spTree>
+      <p:nvGrpSpPr>
+        <p:cNvPr id="1" name=""/>
+        <p:cNvGrpSpPr/>
+        <p:nvPr/>
+      </p:nvGrpSpPr>
+      <p:grpSpPr>
+        <a:xfrm>
+          <a:off x="0" y="0"/>
+          <a:ext cx="0" cy="0"/>
+          <a:chOff x="0" y="0"/>
+          <a:chExt cx="0" cy="0"/>
+        </a:xfrm>
+      </p:grpSpPr>
+      <p:sp>
+        <p:nvSpPr>
+          <p:cNvPr id="2" name="Slide Image Placeholder 1"/>
+          <p:cNvSpPr>
+            <a:spLocks noGrp="1" noRot="1" noChangeAspect="1"/>
+          </p:cNvSpPr>
+          <p:nvPr>
+            <p:ph type="sldImg"/>
+          </p:nvPr>
+        </p:nvSpPr>
+        <p:spPr/>
+      </p:sp>
+      <p:sp>
+        <p:nvSpPr>
+          <p:cNvPr id="3" name="Notes Placeholder 2"/>
+          <p:cNvSpPr>
+            <a:spLocks noGrp="1"/>
+          </p:cNvSpPr>
+          <p:nvPr>
+            <p:ph type="body" idx="1"/>
+          </p:nvPr>
+        </p:nvSpPr>
+        <p:spPr/>
+        <p:txBody>
+          <a:bodyPr/>
+          <a:lstStyle/>
+          <a:p>
+            <a:r>
+              <a:rPr lang="en-US" dirty="0" smtClean="0"/>
+              <a:t>Hello </a:t>
+            </a:r>
+            <a:r>
+              <a:rPr lang="en-US" dirty="0" err="1" smtClean="0"/>
+              <a:t>cmd</a:t>
+            </a:r>
+            <a:r>
+              <a:rPr lang="en-US" dirty="0" smtClean="0"/>
+              <a:t> NOW</a:t>
+            </a:r>
+            <a:endParaRPr lang="en-US" dirty="0"/>
+          </a:p>
+        </p:txBody>
+      </p:sp>
+      <p:sp>
+        <p:nvSpPr>
+          <p:cNvPr id="4" name="Slide Number Placeholder 3"/>
+          <p:cNvSpPr>
+            <a:spLocks noGrp="1"/>
+          </p:cNvSpPr>
+          <p:nvPr>
+            <p:ph type="sldNum" sz="quarter" idx="10"/>
+          </p:nvPr>
+        </p:nvSpPr>
+        <p:spPr/>
+        <p:txBody>
+          <a:bodyPr/>
+          <a:lstStyle/>
+          <a:p>
+            <a:fld id="{CDFF7155-4804-4F1C-B784-85EC3599DB14}" type="slidenum">
+              <a:rPr lang="en-US" smtClean="0"/>
+              <a:t>6</a:t>
+            </a:fld>
+            <a:endParaRPr lang="en-US"/>
+          </a:p>
+        </p:txBody>
+      </p:sp>
+    </p:spTree>
+    <p:extLst>
+      <p:ext uri="{BB962C8B-B14F-4D97-AF65-F5344CB8AC3E}">
+        <p14:creationId xmlns:p14="http://schemas.microsoft.com/office/powerpoint/2010/main" val="1016717760"/>
+      </p:ext>
+    </p:extLst>
+  </p:cSld>
+  <p:clrMapOvr>
+    <a:masterClrMapping/>
+  </p:clrMapOvr>
+</p:notes>
+</file>
+
+<file path=ppt/notesSlides/notesSlide6.xml><?xml version="1.0" encoding="utf-8"?>
+<p:notes xmlns:a="http://schemas.openxmlformats.org/drawingml/2006/main" xmlns:r="http://schemas.openxmlformats.org/officeDocument/2006/relationships" xmlns:p="http://schemas.openxmlformats.org/presentationml/2006/main">
+  <p:cSld>
+    <p:spTree>
+      <p:nvGrpSpPr>
+        <p:cNvPr id="1" name=""/>
+        <p:cNvGrpSpPr/>
+        <p:nvPr/>
+      </p:nvGrpSpPr>
+      <p:grpSpPr>
+        <a:xfrm>
+          <a:off x="0" y="0"/>
+          <a:ext cx="0" cy="0"/>
+          <a:chOff x="0" y="0"/>
+          <a:chExt cx="0" cy="0"/>
+        </a:xfrm>
+      </p:grpSpPr>
+      <p:sp>
+        <p:nvSpPr>
+          <p:cNvPr id="2" name="Slide Image Placeholder 1"/>
+          <p:cNvSpPr>
+            <a:spLocks noGrp="1" noRot="1" noChangeAspect="1"/>
+          </p:cNvSpPr>
+          <p:nvPr>
+            <p:ph type="sldImg"/>
+          </p:nvPr>
+        </p:nvSpPr>
+        <p:spPr/>
+      </p:sp>
+      <p:sp>
+        <p:nvSpPr>
+          <p:cNvPr id="3" name="Notes Placeholder 2"/>
+          <p:cNvSpPr>
+            <a:spLocks noGrp="1"/>
+          </p:cNvSpPr>
+          <p:nvPr>
+            <p:ph type="body" idx="1"/>
+          </p:nvPr>
+        </p:nvSpPr>
+        <p:spPr/>
+        <p:txBody>
+          <a:bodyPr/>
+          <a:lstStyle/>
+          <a:p>
+            <a:pPr marL="228600" indent="-228600">
+              <a:buAutoNum type="arabicParenR"/>
+            </a:pPr>
+            <a:endParaRPr lang="en-US" dirty="0"/>
+          </a:p>
+        </p:txBody>
+      </p:sp>
+      <p:sp>
+        <p:nvSpPr>
+          <p:cNvPr id="4" name="Slide Number Placeholder 3"/>
+          <p:cNvSpPr>
+            <a:spLocks noGrp="1"/>
+          </p:cNvSpPr>
+          <p:nvPr>
+            <p:ph type="sldNum" sz="quarter" idx="10"/>
+          </p:nvPr>
+        </p:nvSpPr>
+        <p:spPr/>
+        <p:txBody>
+          <a:bodyPr/>
+          <a:lstStyle/>
+          <a:p>
+            <a:fld id="{CDFF7155-4804-4F1C-B784-85EC3599DB14}" type="slidenum">
+              <a:rPr lang="en-US" smtClean="0"/>
+              <a:t>7</a:t>
+            </a:fld>
+            <a:endParaRPr lang="en-US"/>
+          </a:p>
+        </p:txBody>
+      </p:sp>
+    </p:spTree>
+    <p:extLst>
+      <p:ext uri="{BB962C8B-B14F-4D97-AF65-F5344CB8AC3E}">
+        <p14:creationId xmlns:p14="http://schemas.microsoft.com/office/powerpoint/2010/main" val="84381962"/>
+      </p:ext>
+    </p:extLst>
+  </p:cSld>
+  <p:clrMapOvr>
+    <a:masterClrMapping/>
+  </p:clrMapOvr>
+</p:notes>
+</file>
+
+<file path=ppt/notesSlides/notesSlide7.xml><?xml version="1.0" encoding="utf-8"?>
 <p:notes xmlns:a="http://schemas.openxmlformats.org/drawingml/2006/main" xmlns:r="http://schemas.openxmlformats.org/officeDocument/2006/relationships" xmlns:p="http://schemas.openxmlformats.org/presentationml/2006/main">
   <p:cSld>
     <p:spTree>
@@ -1626,14 +2208,14 @@
           <p:nvPr/>
         </p:nvPicPr>
         <p:blipFill>
-          <a:blip r:embed="rId2"/>
+          <a:blip r:embed="rId3"/>
           <a:stretch>
             <a:fillRect/>
           </a:stretch>
         </p:blipFill>
         <p:spPr>
           <a:xfrm>
-            <a:off x="304800" y="914400"/>
+            <a:off x="228600" y="-30562"/>
             <a:ext cx="8128000" cy="2298700"/>
           </a:xfrm>
           <a:prstGeom prst="rect">
@@ -1641,6 +2223,83 @@
           </a:prstGeom>
         </p:spPr>
       </p:pic>
+      <p:sp>
+        <p:nvSpPr>
+          <p:cNvPr id="4" name="Rectangle 3"/>
+          <p:cNvSpPr/>
+          <p:nvPr/>
+        </p:nvSpPr>
+        <p:spPr>
+          <a:xfrm>
+            <a:off x="2286000" y="2690336"/>
+            <a:ext cx="4572000" cy="1477328"/>
+          </a:xfrm>
+          <a:prstGeom prst="rect">
+            <a:avLst/>
+          </a:prstGeom>
+        </p:spPr>
+        <p:txBody>
+          <a:bodyPr>
+            <a:spAutoFit/>
+          </a:bodyPr>
+          <a:lstStyle/>
+          <a:p>
+            <a:r>
+              <a:rPr lang="en-US" dirty="0">
+                <a:solidFill>
+                  <a:srgbClr val="4B2477"/>
+                </a:solidFill>
+                <a:latin typeface="Arial" charset="0"/>
+              </a:rPr>
+              <a:t>Programming and Algorithms</a:t>
+            </a:r>
+            <a:endParaRPr lang="en-US" dirty="0"/>
+          </a:p>
+          <a:p>
+            <a:r>
+              <a:rPr lang="en-US" dirty="0" err="1">
+                <a:solidFill>
+                  <a:srgbClr val="4B2477"/>
+                </a:solidFill>
+                <a:latin typeface="Arial" charset="0"/>
+              </a:rPr>
+              <a:t>Cars.com</a:t>
+            </a:r>
+            <a:r>
+              <a:rPr lang="en-US" dirty="0">
+                <a:solidFill>
+                  <a:srgbClr val="4B2477"/>
+                </a:solidFill>
+                <a:latin typeface="Arial" charset="0"/>
+              </a:rPr>
+              <a:t> Tech Tailgate 2016</a:t>
+            </a:r>
+            <a:endParaRPr lang="en-US" dirty="0"/>
+          </a:p>
+          <a:p>
+            <a:r>
+              <a:rPr lang="en-US" dirty="0" smtClean="0">
+                <a:solidFill>
+                  <a:srgbClr val="4B2477"/>
+                </a:solidFill>
+                <a:latin typeface="Arial" charset="0"/>
+              </a:rPr>
+              <a:t>Michael Michalak</a:t>
+            </a:r>
+            <a:endParaRPr lang="en-US" dirty="0"/>
+          </a:p>
+          <a:p>
+            <a:r>
+              <a:rPr lang="en-US" dirty="0"/>
+              <a:t/>
+            </a:r>
+            <a:br>
+              <a:rPr lang="en-US" dirty="0"/>
+            </a:br>
+            <a:endParaRPr lang="en-US" dirty="0"/>
+          </a:p>
+        </p:txBody>
+      </p:sp>
     </p:spTree>
     <p:extLst>
       <p:ext uri="{BB962C8B-B14F-4D97-AF65-F5344CB8AC3E}">
@@ -1738,7 +2397,6 @@
               <a:rPr lang="en-US" dirty="0"/>
               <a:t> Dashboard</a:t>
             </a:r>
-            <a:endParaRPr lang="en-US" dirty="0"/>
           </a:p>
         </p:txBody>
       </p:sp>
@@ -1813,7 +2471,7 @@
           <a:bodyPr/>
           <a:lstStyle/>
           <a:p>
-            <a:endParaRPr lang="en-US"/>
+            <a:endParaRPr lang="en-US" dirty="0"/>
           </a:p>
         </p:txBody>
       </p:sp>
@@ -1826,15 +2484,39 @@
           <p:nvPr/>
         </p:nvPicPr>
         <p:blipFill>
-          <a:blip r:embed="rId2"/>
+          <a:blip r:embed="rId3"/>
           <a:stretch>
             <a:fillRect/>
           </a:stretch>
         </p:blipFill>
         <p:spPr>
           <a:xfrm>
-            <a:off x="825286" y="1809735"/>
-            <a:ext cx="8084626" cy="2800350"/>
+            <a:off x="609600" y="76200"/>
+            <a:ext cx="7398826" cy="2800350"/>
+          </a:xfrm>
+          <a:prstGeom prst="rect">
+            <a:avLst/>
+          </a:prstGeom>
+        </p:spPr>
+      </p:pic>
+      <p:pic>
+        <p:nvPicPr>
+          <p:cNvPr id="5" name="Picture 4"/>
+          <p:cNvPicPr>
+            <a:picLocks noChangeAspect="1"/>
+          </p:cNvPicPr>
+          <p:nvPr/>
+        </p:nvPicPr>
+        <p:blipFill>
+          <a:blip r:embed="rId4"/>
+          <a:stretch>
+            <a:fillRect/>
+          </a:stretch>
+        </p:blipFill>
+        <p:spPr>
+          <a:xfrm>
+            <a:off x="4191000" y="2802363"/>
+            <a:ext cx="3556000" cy="3111500"/>
           </a:xfrm>
           <a:prstGeom prst="rect">
             <a:avLst/>
@@ -2372,35 +3054,6 @@
       </p:sp>
       <p:sp>
         <p:nvSpPr>
-          <p:cNvPr id="5" name="TextBox 4"/>
-          <p:cNvSpPr txBox="1"/>
-          <p:nvPr/>
-        </p:nvSpPr>
-        <p:spPr>
-          <a:xfrm>
-            <a:off x="2836190" y="3471620"/>
-            <a:ext cx="914400" cy="914400"/>
-          </a:xfrm>
-          <a:prstGeom prst="rect">
-            <a:avLst/>
-          </a:prstGeom>
-          <a:noFill/>
-          <a:ln>
-            <a:noFill/>
-          </a:ln>
-        </p:spPr>
-        <p:txBody>
-          <a:bodyPr vert="horz" wrap="none" lIns="91440" tIns="45720" rIns="91440" bIns="45720" rtlCol="0" anchor="ctr">
-            <a:normAutofit/>
-          </a:bodyPr>
-          <a:lstStyle/>
-          <a:p>
-            <a:endParaRPr lang="en-US" dirty="0" smtClean="0"/>
-          </a:p>
-        </p:txBody>
-      </p:sp>
-      <p:sp>
-        <p:nvSpPr>
           <p:cNvPr id="6" name="Rectangle 5"/>
           <p:cNvSpPr/>
           <p:nvPr/>
@@ -2734,6 +3387,36 @@
           </a:p>
         </p:txBody>
       </p:sp>
+      <p:sp>
+        <p:nvSpPr>
+          <p:cNvPr id="13" name="TextBox 12"/>
+          <p:cNvSpPr txBox="1"/>
+          <p:nvPr/>
+        </p:nvSpPr>
+        <p:spPr>
+          <a:xfrm>
+            <a:off x="4238451" y="3623625"/>
+            <a:ext cx="859531" cy="369332"/>
+          </a:xfrm>
+          <a:prstGeom prst="rect">
+            <a:avLst/>
+          </a:prstGeom>
+          <a:noFill/>
+        </p:spPr>
+        <p:txBody>
+          <a:bodyPr wrap="none" rtlCol="0">
+            <a:spAutoFit/>
+          </a:bodyPr>
+          <a:lstStyle/>
+          <a:p>
+            <a:r>
+              <a:rPr lang="en-US" smtClean="0"/>
+              <a:t>“has a”</a:t>
+            </a:r>
+            <a:endParaRPr lang="en-US"/>
+          </a:p>
+        </p:txBody>
+      </p:sp>
     </p:spTree>
     <p:extLst>
       <p:ext uri="{BB962C8B-B14F-4D97-AF65-F5344CB8AC3E}">
@@ -2818,7 +3501,7 @@
           <p:nvPr/>
         </p:nvPicPr>
         <p:blipFill>
-          <a:blip r:embed="rId2"/>
+          <a:blip r:embed="rId3"/>
           <a:stretch>
             <a:fillRect/>
           </a:stretch>
@@ -2917,7 +3600,7 @@
           <p:nvPr/>
         </p:nvPicPr>
         <p:blipFill>
-          <a:blip r:embed="rId2"/>
+          <a:blip r:embed="rId3"/>
           <a:stretch>
             <a:fillRect/>
           </a:stretch>
@@ -3079,6 +3762,97 @@
     <p:extLst>
       <p:ext uri="{BB962C8B-B14F-4D97-AF65-F5344CB8AC3E}">
         <p14:creationId xmlns:p14="http://schemas.microsoft.com/office/powerpoint/2010/main" val="1886575112"/>
+      </p:ext>
+    </p:extLst>
+  </p:cSld>
+  <p:clrMapOvr>
+    <a:masterClrMapping/>
+  </p:clrMapOvr>
+  <p:timing>
+    <p:tnLst>
+      <p:par>
+        <p:cTn id="1" dur="indefinite" restart="never" nodeType="tmRoot"/>
+      </p:par>
+    </p:tnLst>
+  </p:timing>
+</p:sld>
+</file>
+
+<file path=ppt/slides/slide9.xml><?xml version="1.0" encoding="utf-8"?>
+<p:sld xmlns:a="http://schemas.openxmlformats.org/drawingml/2006/main" xmlns:r="http://schemas.openxmlformats.org/officeDocument/2006/relationships" xmlns:p="http://schemas.openxmlformats.org/presentationml/2006/main">
+  <p:cSld>
+    <p:spTree>
+      <p:nvGrpSpPr>
+        <p:cNvPr id="1" name=""/>
+        <p:cNvGrpSpPr/>
+        <p:nvPr/>
+      </p:nvGrpSpPr>
+      <p:grpSpPr>
+        <a:xfrm>
+          <a:off x="0" y="0"/>
+          <a:ext cx="0" cy="0"/>
+          <a:chOff x="0" y="0"/>
+          <a:chExt cx="0" cy="0"/>
+        </a:xfrm>
+      </p:grpSpPr>
+      <p:sp>
+        <p:nvSpPr>
+          <p:cNvPr id="2" name="Title 1"/>
+          <p:cNvSpPr>
+            <a:spLocks noGrp="1"/>
+          </p:cNvSpPr>
+          <p:nvPr>
+            <p:ph type="title"/>
+          </p:nvPr>
+        </p:nvSpPr>
+        <p:spPr/>
+        <p:txBody>
+          <a:bodyPr/>
+          <a:lstStyle/>
+          <a:p>
+            <a:endParaRPr lang="en-US"/>
+          </a:p>
+        </p:txBody>
+      </p:sp>
+      <p:sp>
+        <p:nvSpPr>
+          <p:cNvPr id="3" name="Text Placeholder 2"/>
+          <p:cNvSpPr>
+            <a:spLocks noGrp="1"/>
+          </p:cNvSpPr>
+          <p:nvPr>
+            <p:ph type="body" sz="quarter" idx="10"/>
+          </p:nvPr>
+        </p:nvSpPr>
+        <p:spPr/>
+        <p:txBody>
+          <a:bodyPr/>
+          <a:lstStyle/>
+          <a:p>
+            <a:r>
+              <a:rPr lang="en-US" dirty="0"/>
+              <a:t> https://</a:t>
+            </a:r>
+            <a:r>
+              <a:rPr lang="en-US" dirty="0" err="1"/>
+              <a:t>github.com</a:t>
+            </a:r>
+            <a:r>
+              <a:rPr lang="en-US" dirty="0"/>
+              <a:t>/mmich826/</a:t>
+            </a:r>
+            <a:r>
+              <a:rPr lang="en-US" dirty="0" err="1"/>
+              <a:t>hystrix-demo.git</a:t>
+            </a:r>
+            <a:endParaRPr lang="en-US" dirty="0"/>
+          </a:p>
+        </p:txBody>
+      </p:sp>
+    </p:spTree>
+    <p:extLst>
+      <p:ext uri="{BB962C8B-B14F-4D97-AF65-F5344CB8AC3E}">
+        <p14:creationId xmlns:p14="http://schemas.microsoft.com/office/powerpoint/2010/main" val="1218493110"/>
       </p:ext>
     </p:extLst>
   </p:cSld>
